--- a/2024年/周报20240329.pptx
+++ b/2024年/周报20240329.pptx
@@ -3,18 +3,19 @@
 <p:presentation xmlns:a="http://schemas.openxmlformats.org/drawingml/2006/main" xmlns:r="http://schemas.openxmlformats.org/officeDocument/2006/relationships" xmlns:p="http://schemas.openxmlformats.org/presentationml/2006/main">
   <p:sldMasterIdLst>
     <p:sldMasterId id="2147483648" r:id="rId1"/>
-    <p:sldMasterId id="2147483660" r:id="rId2"/>
+    <p:sldMasterId id="2147483660" r:id="rId3"/>
   </p:sldMasterIdLst>
   <p:notesMasterIdLst>
-    <p:notesMasterId r:id="rId7"/>
+    <p:notesMasterId r:id="rId6"/>
   </p:notesMasterIdLst>
   <p:sldIdLst>
-    <p:sldId id="256" r:id="rId3"/>
-    <p:sldId id="298" r:id="rId4"/>
-    <p:sldId id="301" r:id="rId5"/>
-    <p:sldId id="294" r:id="rId6"/>
+    <p:sldId id="256" r:id="rId4"/>
+    <p:sldId id="298" r:id="rId5"/>
+    <p:sldId id="303" r:id="rId7"/>
+    <p:sldId id="294" r:id="rId8"/>
+    <p:sldId id="301" r:id="rId9"/>
   </p:sldIdLst>
-  <p:sldSz cx="21674138" cy="12192000"/>
+  <p:sldSz cx="21673820" cy="12192000"/>
   <p:notesSz cx="6858000" cy="9144000"/>
   <p:defaultTextStyle>
     <a:defPPr>
@@ -111,11 +112,6 @@
       </a:defRPr>
     </a:lvl9pPr>
   </p:defaultTextStyle>
-  <p:extLst>
-    <p:ext uri="{EFAFB233-063F-42B5-8137-9DF3F51BA10A}">
-      <p15:sldGuideLst xmlns:p15="http://schemas.microsoft.com/office/powerpoint/2012/main"/>
-    </p:ext>
-  </p:extLst>
 </p:presentation>
 </file>
 
@@ -201,7 +197,6 @@
           <a:p>
             <a:fld id="{92A886A3-F3BF-43BF-98DA-550FC405FF30}" type="datetimeFigureOut">
               <a:rPr lang="zh-CN" altLang="en-US" smtClean="0"/>
-              <a:t>2024/3/26</a:t>
             </a:fld>
             <a:endParaRPr lang="zh-CN" altLang="en-US"/>
           </a:p>
@@ -268,6 +263,7 @@
               <a:rPr lang="zh-CN" altLang="en-US"/>
               <a:t>编辑母版文本样式</a:t>
             </a:r>
+            <a:endParaRPr lang="zh-CN" altLang="en-US"/>
           </a:p>
           <a:p>
             <a:pPr lvl="1"/>
@@ -275,6 +271,7 @@
               <a:rPr lang="zh-CN" altLang="en-US"/>
               <a:t>第二级</a:t>
             </a:r>
+            <a:endParaRPr lang="zh-CN" altLang="en-US"/>
           </a:p>
           <a:p>
             <a:pPr lvl="2"/>
@@ -282,6 +279,7 @@
               <a:rPr lang="zh-CN" altLang="en-US"/>
               <a:t>第三级</a:t>
             </a:r>
+            <a:endParaRPr lang="zh-CN" altLang="en-US"/>
           </a:p>
           <a:p>
             <a:pPr lvl="3"/>
@@ -289,6 +287,7 @@
               <a:rPr lang="zh-CN" altLang="en-US"/>
               <a:t>第四级</a:t>
             </a:r>
+            <a:endParaRPr lang="zh-CN" altLang="en-US"/>
           </a:p>
           <a:p>
             <a:pPr lvl="4"/>
@@ -296,6 +295,7 @@
               <a:rPr lang="zh-CN" altLang="en-US"/>
               <a:t>第五级</a:t>
             </a:r>
+            <a:endParaRPr lang="zh-CN" altLang="en-US"/>
           </a:p>
         </p:txBody>
       </p:sp>
@@ -359,7 +359,6 @@
           <a:p>
             <a:fld id="{20243972-8437-4FFD-A994-054600F4BB13}" type="slidenum">
               <a:rPr lang="zh-CN" altLang="en-US" smtClean="0"/>
-              <a:t>‹#›</a:t>
             </a:fld>
             <a:endParaRPr lang="zh-CN" altLang="en-US"/>
           </a:p>
@@ -528,7 +527,6 @@
           <a:p>
             <a:fld id="{20243972-8437-4FFD-A994-054600F4BB13}" type="slidenum">
               <a:rPr lang="zh-CN" altLang="en-US" smtClean="0"/>
-              <a:t>2</a:t>
             </a:fld>
             <a:endParaRPr lang="zh-CN" altLang="en-US"/>
           </a:p>
@@ -607,7 +605,6 @@
           <a:p>
             <a:fld id="{20243972-8437-4FFD-A994-054600F4BB13}" type="slidenum">
               <a:rPr lang="zh-CN" altLang="en-US" smtClean="0"/>
-              <a:t>3</a:t>
             </a:fld>
             <a:endParaRPr lang="zh-CN" altLang="en-US"/>
           </a:p>
@@ -686,7 +683,84 @@
           <a:p>
             <a:fld id="{20243972-8437-4FFD-A994-054600F4BB13}" type="slidenum">
               <a:rPr lang="zh-CN" altLang="en-US" smtClean="0"/>
-              <a:t>4</a:t>
+            </a:fld>
+            <a:endParaRPr lang="zh-CN" altLang="en-US"/>
+          </a:p>
+        </p:txBody>
+      </p:sp>
+    </p:spTree>
+  </p:cSld>
+  <p:clrMapOvr>
+    <a:masterClrMapping/>
+  </p:clrMapOvr>
+</p:notes>
+</file>
+
+<file path=ppt/notesSlides/notesSlide4.xml><?xml version="1.0" encoding="utf-8"?>
+<p:notes xmlns:a="http://schemas.openxmlformats.org/drawingml/2006/main" xmlns:r="http://schemas.openxmlformats.org/officeDocument/2006/relationships" xmlns:p="http://schemas.openxmlformats.org/presentationml/2006/main">
+  <p:cSld>
+    <p:spTree>
+      <p:nvGrpSpPr>
+        <p:cNvPr id="1" name=""/>
+        <p:cNvGrpSpPr/>
+        <p:nvPr/>
+      </p:nvGrpSpPr>
+      <p:grpSpPr>
+        <a:xfrm>
+          <a:off x="0" y="0"/>
+          <a:ext cx="0" cy="0"/>
+          <a:chOff x="0" y="0"/>
+          <a:chExt cx="0" cy="0"/>
+        </a:xfrm>
+      </p:grpSpPr>
+      <p:sp>
+        <p:nvSpPr>
+          <p:cNvPr id="2" name="幻灯片图像占位符 1"/>
+          <p:cNvSpPr>
+            <a:spLocks noGrp="1" noRot="1" noChangeAspect="1"/>
+          </p:cNvSpPr>
+          <p:nvPr>
+            <p:ph type="sldImg"/>
+          </p:nvPr>
+        </p:nvSpPr>
+        <p:spPr/>
+      </p:sp>
+      <p:sp>
+        <p:nvSpPr>
+          <p:cNvPr id="3" name="备注占位符 2"/>
+          <p:cNvSpPr>
+            <a:spLocks noGrp="1"/>
+          </p:cNvSpPr>
+          <p:nvPr>
+            <p:ph type="body" idx="1"/>
+          </p:nvPr>
+        </p:nvSpPr>
+        <p:spPr/>
+        <p:txBody>
+          <a:bodyPr/>
+          <a:lstStyle/>
+          <a:p>
+            <a:endParaRPr lang="zh-CN" altLang="en-US" dirty="0"/>
+          </a:p>
+        </p:txBody>
+      </p:sp>
+      <p:sp>
+        <p:nvSpPr>
+          <p:cNvPr id="4" name="灯片编号占位符 3"/>
+          <p:cNvSpPr>
+            <a:spLocks noGrp="1"/>
+          </p:cNvSpPr>
+          <p:nvPr>
+            <p:ph type="sldNum" sz="quarter" idx="5"/>
+          </p:nvPr>
+        </p:nvSpPr>
+        <p:spPr/>
+        <p:txBody>
+          <a:bodyPr/>
+          <a:lstStyle/>
+          <a:p>
+            <a:fld id="{20243972-8437-4FFD-A994-054600F4BB13}" type="slidenum">
+              <a:rPr lang="zh-CN" altLang="en-US" smtClean="0"/>
             </a:fld>
             <a:endParaRPr lang="zh-CN" altLang="en-US"/>
           </a:p>
@@ -745,6 +819,7 @@
               <a:rPr lang="zh-CN" altLang="en-US"/>
               <a:t>单击此处编辑母版标题样式</a:t>
             </a:r>
+            <a:endParaRPr lang="zh-CN" altLang="en-US"/>
           </a:p>
         </p:txBody>
       </p:sp>
@@ -809,6 +884,7 @@
               <a:rPr lang="zh-CN" altLang="en-US"/>
               <a:t>单击此处编辑母版副标题样式</a:t>
             </a:r>
+            <a:endParaRPr lang="zh-CN" altLang="en-US"/>
           </a:p>
         </p:txBody>
       </p:sp>
@@ -829,7 +905,6 @@
           <a:p>
             <a:fld id="{A94AD69E-FE2F-4EDF-9961-DCA2A010D4E8}" type="datetimeFigureOut">
               <a:rPr lang="zh-CN" altLang="en-US" smtClean="0"/>
-              <a:t>2024/3/26</a:t>
             </a:fld>
             <a:endParaRPr lang="zh-CN" altLang="en-US"/>
           </a:p>
@@ -871,7 +946,6 @@
           <a:p>
             <a:fld id="{D136606D-2876-4B42-B906-0F01D489F363}" type="slidenum">
               <a:rPr lang="zh-CN" altLang="en-US" smtClean="0"/>
-              <a:t>‹#›</a:t>
             </a:fld>
             <a:endParaRPr lang="zh-CN" altLang="en-US"/>
           </a:p>
@@ -921,6 +995,7 @@
               <a:rPr lang="zh-CN" altLang="en-US"/>
               <a:t>单击此处编辑母版标题样式</a:t>
             </a:r>
+            <a:endParaRPr lang="zh-CN" altLang="en-US"/>
           </a:p>
         </p:txBody>
       </p:sp>
@@ -944,6 +1019,7 @@
               <a:rPr lang="zh-CN" altLang="en-US"/>
               <a:t>编辑母版文本样式</a:t>
             </a:r>
+            <a:endParaRPr lang="zh-CN" altLang="en-US"/>
           </a:p>
           <a:p>
             <a:pPr lvl="1"/>
@@ -951,6 +1027,7 @@
               <a:rPr lang="zh-CN" altLang="en-US"/>
               <a:t>第二级</a:t>
             </a:r>
+            <a:endParaRPr lang="zh-CN" altLang="en-US"/>
           </a:p>
           <a:p>
             <a:pPr lvl="2"/>
@@ -958,6 +1035,7 @@
               <a:rPr lang="zh-CN" altLang="en-US"/>
               <a:t>第三级</a:t>
             </a:r>
+            <a:endParaRPr lang="zh-CN" altLang="en-US"/>
           </a:p>
           <a:p>
             <a:pPr lvl="3"/>
@@ -965,6 +1043,7 @@
               <a:rPr lang="zh-CN" altLang="en-US"/>
               <a:t>第四级</a:t>
             </a:r>
+            <a:endParaRPr lang="zh-CN" altLang="en-US"/>
           </a:p>
           <a:p>
             <a:pPr lvl="4"/>
@@ -972,6 +1051,7 @@
               <a:rPr lang="zh-CN" altLang="en-US"/>
               <a:t>第五级</a:t>
             </a:r>
+            <a:endParaRPr lang="zh-CN" altLang="en-US"/>
           </a:p>
         </p:txBody>
       </p:sp>
@@ -992,7 +1072,6 @@
           <a:p>
             <a:fld id="{A94AD69E-FE2F-4EDF-9961-DCA2A010D4E8}" type="datetimeFigureOut">
               <a:rPr lang="zh-CN" altLang="en-US" smtClean="0"/>
-              <a:t>2024/3/26</a:t>
             </a:fld>
             <a:endParaRPr lang="zh-CN" altLang="en-US"/>
           </a:p>
@@ -1034,7 +1113,6 @@
           <a:p>
             <a:fld id="{D136606D-2876-4B42-B906-0F01D489F363}" type="slidenum">
               <a:rPr lang="zh-CN" altLang="en-US" smtClean="0"/>
-              <a:t>‹#›</a:t>
             </a:fld>
             <a:endParaRPr lang="zh-CN" altLang="en-US"/>
           </a:p>
@@ -1089,6 +1167,7 @@
               <a:rPr lang="zh-CN" altLang="en-US"/>
               <a:t>单击此处编辑母版标题样式</a:t>
             </a:r>
+            <a:endParaRPr lang="zh-CN" altLang="en-US"/>
           </a:p>
         </p:txBody>
       </p:sp>
@@ -1117,6 +1196,7 @@
               <a:rPr lang="zh-CN" altLang="en-US"/>
               <a:t>编辑母版文本样式</a:t>
             </a:r>
+            <a:endParaRPr lang="zh-CN" altLang="en-US"/>
           </a:p>
           <a:p>
             <a:pPr lvl="1"/>
@@ -1124,6 +1204,7 @@
               <a:rPr lang="zh-CN" altLang="en-US"/>
               <a:t>第二级</a:t>
             </a:r>
+            <a:endParaRPr lang="zh-CN" altLang="en-US"/>
           </a:p>
           <a:p>
             <a:pPr lvl="2"/>
@@ -1131,6 +1212,7 @@
               <a:rPr lang="zh-CN" altLang="en-US"/>
               <a:t>第三级</a:t>
             </a:r>
+            <a:endParaRPr lang="zh-CN" altLang="en-US"/>
           </a:p>
           <a:p>
             <a:pPr lvl="3"/>
@@ -1138,6 +1220,7 @@
               <a:rPr lang="zh-CN" altLang="en-US"/>
               <a:t>第四级</a:t>
             </a:r>
+            <a:endParaRPr lang="zh-CN" altLang="en-US"/>
           </a:p>
           <a:p>
             <a:pPr lvl="4"/>
@@ -1145,6 +1228,7 @@
               <a:rPr lang="zh-CN" altLang="en-US"/>
               <a:t>第五级</a:t>
             </a:r>
+            <a:endParaRPr lang="zh-CN" altLang="en-US"/>
           </a:p>
         </p:txBody>
       </p:sp>
@@ -1165,7 +1249,6 @@
           <a:p>
             <a:fld id="{A94AD69E-FE2F-4EDF-9961-DCA2A010D4E8}" type="datetimeFigureOut">
               <a:rPr lang="zh-CN" altLang="en-US" smtClean="0"/>
-              <a:t>2024/3/26</a:t>
             </a:fld>
             <a:endParaRPr lang="zh-CN" altLang="en-US"/>
           </a:p>
@@ -1207,7 +1290,6 @@
           <a:p>
             <a:fld id="{D136606D-2876-4B42-B906-0F01D489F363}" type="slidenum">
               <a:rPr lang="zh-CN" altLang="en-US" smtClean="0"/>
-              <a:t>‹#›</a:t>
             </a:fld>
             <a:endParaRPr lang="zh-CN" altLang="en-US"/>
           </a:p>
@@ -1266,6 +1348,7 @@
               <a:rPr lang="zh-CN" altLang="en-US"/>
               <a:t>单击此处编辑母版标题样式</a:t>
             </a:r>
+            <a:endParaRPr lang="zh-CN" altLang="en-US"/>
           </a:p>
         </p:txBody>
       </p:sp>
@@ -1330,6 +1413,7 @@
               <a:rPr lang="zh-CN" altLang="en-US"/>
               <a:t>单击此处编辑母版副标题样式</a:t>
             </a:r>
+            <a:endParaRPr lang="zh-CN" altLang="en-US"/>
           </a:p>
         </p:txBody>
       </p:sp>
@@ -1350,7 +1434,6 @@
           <a:p>
             <a:fld id="{A94AD69E-FE2F-4EDF-9961-DCA2A010D4E8}" type="datetimeFigureOut">
               <a:rPr lang="zh-CN" altLang="en-US" smtClean="0"/>
-              <a:t>2024/3/26</a:t>
             </a:fld>
             <a:endParaRPr lang="zh-CN" altLang="en-US"/>
           </a:p>
@@ -1392,7 +1475,6 @@
           <a:p>
             <a:fld id="{D136606D-2876-4B42-B906-0F01D489F363}" type="slidenum">
               <a:rPr lang="zh-CN" altLang="en-US" smtClean="0"/>
-              <a:t>‹#›</a:t>
             </a:fld>
             <a:endParaRPr lang="zh-CN" altLang="en-US"/>
           </a:p>
@@ -1442,6 +1524,7 @@
               <a:rPr lang="zh-CN" altLang="en-US"/>
               <a:t>单击此处编辑母版标题样式</a:t>
             </a:r>
+            <a:endParaRPr lang="zh-CN" altLang="en-US"/>
           </a:p>
         </p:txBody>
       </p:sp>
@@ -1465,6 +1548,7 @@
               <a:rPr lang="zh-CN" altLang="en-US"/>
               <a:t>编辑母版文本样式</a:t>
             </a:r>
+            <a:endParaRPr lang="zh-CN" altLang="en-US"/>
           </a:p>
           <a:p>
             <a:pPr lvl="1"/>
@@ -1472,6 +1556,7 @@
               <a:rPr lang="zh-CN" altLang="en-US"/>
               <a:t>第二级</a:t>
             </a:r>
+            <a:endParaRPr lang="zh-CN" altLang="en-US"/>
           </a:p>
           <a:p>
             <a:pPr lvl="2"/>
@@ -1479,6 +1564,7 @@
               <a:rPr lang="zh-CN" altLang="en-US"/>
               <a:t>第三级</a:t>
             </a:r>
+            <a:endParaRPr lang="zh-CN" altLang="en-US"/>
           </a:p>
           <a:p>
             <a:pPr lvl="3"/>
@@ -1486,6 +1572,7 @@
               <a:rPr lang="zh-CN" altLang="en-US"/>
               <a:t>第四级</a:t>
             </a:r>
+            <a:endParaRPr lang="zh-CN" altLang="en-US"/>
           </a:p>
           <a:p>
             <a:pPr lvl="4"/>
@@ -1493,6 +1580,7 @@
               <a:rPr lang="zh-CN" altLang="en-US"/>
               <a:t>第五级</a:t>
             </a:r>
+            <a:endParaRPr lang="zh-CN" altLang="en-US"/>
           </a:p>
         </p:txBody>
       </p:sp>
@@ -1513,7 +1601,6 @@
           <a:p>
             <a:fld id="{A94AD69E-FE2F-4EDF-9961-DCA2A010D4E8}" type="datetimeFigureOut">
               <a:rPr lang="zh-CN" altLang="en-US" smtClean="0"/>
-              <a:t>2024/3/26</a:t>
             </a:fld>
             <a:endParaRPr lang="zh-CN" altLang="en-US"/>
           </a:p>
@@ -1555,7 +1642,6 @@
           <a:p>
             <a:fld id="{D136606D-2876-4B42-B906-0F01D489F363}" type="slidenum">
               <a:rPr lang="zh-CN" altLang="en-US" smtClean="0"/>
-              <a:t>‹#›</a:t>
             </a:fld>
             <a:endParaRPr lang="zh-CN" altLang="en-US"/>
           </a:p>
@@ -1614,6 +1700,7 @@
               <a:rPr lang="zh-CN" altLang="en-US"/>
               <a:t>单击此处编辑母版标题样式</a:t>
             </a:r>
+            <a:endParaRPr lang="zh-CN" altLang="en-US"/>
           </a:p>
         </p:txBody>
       </p:sp>
@@ -1733,6 +1820,7 @@
               <a:rPr lang="zh-CN" altLang="en-US"/>
               <a:t>编辑母版文本样式</a:t>
             </a:r>
+            <a:endParaRPr lang="zh-CN" altLang="en-US"/>
           </a:p>
         </p:txBody>
       </p:sp>
@@ -1753,7 +1841,6 @@
           <a:p>
             <a:fld id="{A94AD69E-FE2F-4EDF-9961-DCA2A010D4E8}" type="datetimeFigureOut">
               <a:rPr lang="zh-CN" altLang="en-US" smtClean="0"/>
-              <a:t>2024/3/26</a:t>
             </a:fld>
             <a:endParaRPr lang="zh-CN" altLang="en-US"/>
           </a:p>
@@ -1795,7 +1882,6 @@
           <a:p>
             <a:fld id="{D136606D-2876-4B42-B906-0F01D489F363}" type="slidenum">
               <a:rPr lang="zh-CN" altLang="en-US" smtClean="0"/>
-              <a:t>‹#›</a:t>
             </a:fld>
             <a:endParaRPr lang="zh-CN" altLang="en-US"/>
           </a:p>
@@ -1845,6 +1931,7 @@
               <a:rPr lang="zh-CN" altLang="en-US"/>
               <a:t>单击此处编辑母版标题样式</a:t>
             </a:r>
+            <a:endParaRPr lang="zh-CN" altLang="en-US"/>
           </a:p>
         </p:txBody>
       </p:sp>
@@ -1873,6 +1960,7 @@
               <a:rPr lang="zh-CN" altLang="en-US"/>
               <a:t>编辑母版文本样式</a:t>
             </a:r>
+            <a:endParaRPr lang="zh-CN" altLang="en-US"/>
           </a:p>
           <a:p>
             <a:pPr lvl="1"/>
@@ -1880,6 +1968,7 @@
               <a:rPr lang="zh-CN" altLang="en-US"/>
               <a:t>第二级</a:t>
             </a:r>
+            <a:endParaRPr lang="zh-CN" altLang="en-US"/>
           </a:p>
           <a:p>
             <a:pPr lvl="2"/>
@@ -1887,6 +1976,7 @@
               <a:rPr lang="zh-CN" altLang="en-US"/>
               <a:t>第三级</a:t>
             </a:r>
+            <a:endParaRPr lang="zh-CN" altLang="en-US"/>
           </a:p>
           <a:p>
             <a:pPr lvl="3"/>
@@ -1894,6 +1984,7 @@
               <a:rPr lang="zh-CN" altLang="en-US"/>
               <a:t>第四级</a:t>
             </a:r>
+            <a:endParaRPr lang="zh-CN" altLang="en-US"/>
           </a:p>
           <a:p>
             <a:pPr lvl="4"/>
@@ -1901,6 +1992,7 @@
               <a:rPr lang="zh-CN" altLang="en-US"/>
               <a:t>第五级</a:t>
             </a:r>
+            <a:endParaRPr lang="zh-CN" altLang="en-US"/>
           </a:p>
         </p:txBody>
       </p:sp>
@@ -1929,6 +2021,7 @@
               <a:rPr lang="zh-CN" altLang="en-US"/>
               <a:t>编辑母版文本样式</a:t>
             </a:r>
+            <a:endParaRPr lang="zh-CN" altLang="en-US"/>
           </a:p>
           <a:p>
             <a:pPr lvl="1"/>
@@ -1936,6 +2029,7 @@
               <a:rPr lang="zh-CN" altLang="en-US"/>
               <a:t>第二级</a:t>
             </a:r>
+            <a:endParaRPr lang="zh-CN" altLang="en-US"/>
           </a:p>
           <a:p>
             <a:pPr lvl="2"/>
@@ -1943,6 +2037,7 @@
               <a:rPr lang="zh-CN" altLang="en-US"/>
               <a:t>第三级</a:t>
             </a:r>
+            <a:endParaRPr lang="zh-CN" altLang="en-US"/>
           </a:p>
           <a:p>
             <a:pPr lvl="3"/>
@@ -1950,6 +2045,7 @@
               <a:rPr lang="zh-CN" altLang="en-US"/>
               <a:t>第四级</a:t>
             </a:r>
+            <a:endParaRPr lang="zh-CN" altLang="en-US"/>
           </a:p>
           <a:p>
             <a:pPr lvl="4"/>
@@ -1957,6 +2053,7 @@
               <a:rPr lang="zh-CN" altLang="en-US"/>
               <a:t>第五级</a:t>
             </a:r>
+            <a:endParaRPr lang="zh-CN" altLang="en-US"/>
           </a:p>
         </p:txBody>
       </p:sp>
@@ -1977,7 +2074,6 @@
           <a:p>
             <a:fld id="{A94AD69E-FE2F-4EDF-9961-DCA2A010D4E8}" type="datetimeFigureOut">
               <a:rPr lang="zh-CN" altLang="en-US" smtClean="0"/>
-              <a:t>2024/3/26</a:t>
             </a:fld>
             <a:endParaRPr lang="zh-CN" altLang="en-US"/>
           </a:p>
@@ -2019,7 +2115,6 @@
           <a:p>
             <a:fld id="{D136606D-2876-4B42-B906-0F01D489F363}" type="slidenum">
               <a:rPr lang="zh-CN" altLang="en-US" smtClean="0"/>
-              <a:t>‹#›</a:t>
             </a:fld>
             <a:endParaRPr lang="zh-CN" altLang="en-US"/>
           </a:p>
@@ -2074,6 +2169,7 @@
               <a:rPr lang="zh-CN" altLang="en-US"/>
               <a:t>单击此处编辑母版标题样式</a:t>
             </a:r>
+            <a:endParaRPr lang="zh-CN" altLang="en-US"/>
           </a:p>
         </p:txBody>
       </p:sp>
@@ -2139,6 +2235,7 @@
               <a:rPr lang="zh-CN" altLang="en-US"/>
               <a:t>编辑母版文本样式</a:t>
             </a:r>
+            <a:endParaRPr lang="zh-CN" altLang="en-US"/>
           </a:p>
         </p:txBody>
       </p:sp>
@@ -2167,6 +2264,7 @@
               <a:rPr lang="zh-CN" altLang="en-US"/>
               <a:t>编辑母版文本样式</a:t>
             </a:r>
+            <a:endParaRPr lang="zh-CN" altLang="en-US"/>
           </a:p>
           <a:p>
             <a:pPr lvl="1"/>
@@ -2174,6 +2272,7 @@
               <a:rPr lang="zh-CN" altLang="en-US"/>
               <a:t>第二级</a:t>
             </a:r>
+            <a:endParaRPr lang="zh-CN" altLang="en-US"/>
           </a:p>
           <a:p>
             <a:pPr lvl="2"/>
@@ -2181,6 +2280,7 @@
               <a:rPr lang="zh-CN" altLang="en-US"/>
               <a:t>第三级</a:t>
             </a:r>
+            <a:endParaRPr lang="zh-CN" altLang="en-US"/>
           </a:p>
           <a:p>
             <a:pPr lvl="3"/>
@@ -2188,6 +2288,7 @@
               <a:rPr lang="zh-CN" altLang="en-US"/>
               <a:t>第四级</a:t>
             </a:r>
+            <a:endParaRPr lang="zh-CN" altLang="en-US"/>
           </a:p>
           <a:p>
             <a:pPr lvl="4"/>
@@ -2195,6 +2296,7 @@
               <a:rPr lang="zh-CN" altLang="en-US"/>
               <a:t>第五级</a:t>
             </a:r>
+            <a:endParaRPr lang="zh-CN" altLang="en-US"/>
           </a:p>
         </p:txBody>
       </p:sp>
@@ -2260,6 +2362,7 @@
               <a:rPr lang="zh-CN" altLang="en-US"/>
               <a:t>编辑母版文本样式</a:t>
             </a:r>
+            <a:endParaRPr lang="zh-CN" altLang="en-US"/>
           </a:p>
         </p:txBody>
       </p:sp>
@@ -2288,6 +2391,7 @@
               <a:rPr lang="zh-CN" altLang="en-US"/>
               <a:t>编辑母版文本样式</a:t>
             </a:r>
+            <a:endParaRPr lang="zh-CN" altLang="en-US"/>
           </a:p>
           <a:p>
             <a:pPr lvl="1"/>
@@ -2295,6 +2399,7 @@
               <a:rPr lang="zh-CN" altLang="en-US"/>
               <a:t>第二级</a:t>
             </a:r>
+            <a:endParaRPr lang="zh-CN" altLang="en-US"/>
           </a:p>
           <a:p>
             <a:pPr lvl="2"/>
@@ -2302,6 +2407,7 @@
               <a:rPr lang="zh-CN" altLang="en-US"/>
               <a:t>第三级</a:t>
             </a:r>
+            <a:endParaRPr lang="zh-CN" altLang="en-US"/>
           </a:p>
           <a:p>
             <a:pPr lvl="3"/>
@@ -2309,6 +2415,7 @@
               <a:rPr lang="zh-CN" altLang="en-US"/>
               <a:t>第四级</a:t>
             </a:r>
+            <a:endParaRPr lang="zh-CN" altLang="en-US"/>
           </a:p>
           <a:p>
             <a:pPr lvl="4"/>
@@ -2316,6 +2423,7 @@
               <a:rPr lang="zh-CN" altLang="en-US"/>
               <a:t>第五级</a:t>
             </a:r>
+            <a:endParaRPr lang="zh-CN" altLang="en-US"/>
           </a:p>
         </p:txBody>
       </p:sp>
@@ -2336,7 +2444,6 @@
           <a:p>
             <a:fld id="{A94AD69E-FE2F-4EDF-9961-DCA2A010D4E8}" type="datetimeFigureOut">
               <a:rPr lang="zh-CN" altLang="en-US" smtClean="0"/>
-              <a:t>2024/3/26</a:t>
             </a:fld>
             <a:endParaRPr lang="zh-CN" altLang="en-US"/>
           </a:p>
@@ -2378,7 +2485,6 @@
           <a:p>
             <a:fld id="{D136606D-2876-4B42-B906-0F01D489F363}" type="slidenum">
               <a:rPr lang="zh-CN" altLang="en-US" smtClean="0"/>
-              <a:t>‹#›</a:t>
             </a:fld>
             <a:endParaRPr lang="zh-CN" altLang="en-US"/>
           </a:p>
@@ -2428,6 +2534,7 @@
               <a:rPr lang="zh-CN" altLang="en-US"/>
               <a:t>单击此处编辑母版标题样式</a:t>
             </a:r>
+            <a:endParaRPr lang="zh-CN" altLang="en-US"/>
           </a:p>
         </p:txBody>
       </p:sp>
@@ -2448,7 +2555,6 @@
           <a:p>
             <a:fld id="{A94AD69E-FE2F-4EDF-9961-DCA2A010D4E8}" type="datetimeFigureOut">
               <a:rPr lang="zh-CN" altLang="en-US" smtClean="0"/>
-              <a:t>2024/3/26</a:t>
             </a:fld>
             <a:endParaRPr lang="zh-CN" altLang="en-US"/>
           </a:p>
@@ -2490,7 +2596,6 @@
           <a:p>
             <a:fld id="{D136606D-2876-4B42-B906-0F01D489F363}" type="slidenum">
               <a:rPr lang="zh-CN" altLang="en-US" smtClean="0"/>
-              <a:t>‹#›</a:t>
             </a:fld>
             <a:endParaRPr lang="zh-CN" altLang="en-US"/>
           </a:p>
@@ -2538,7 +2643,6 @@
           <a:p>
             <a:fld id="{A94AD69E-FE2F-4EDF-9961-DCA2A010D4E8}" type="datetimeFigureOut">
               <a:rPr lang="zh-CN" altLang="en-US" smtClean="0"/>
-              <a:t>2024/3/26</a:t>
             </a:fld>
             <a:endParaRPr lang="zh-CN" altLang="en-US"/>
           </a:p>
@@ -2580,7 +2684,6 @@
           <a:p>
             <a:fld id="{D136606D-2876-4B42-B906-0F01D489F363}" type="slidenum">
               <a:rPr lang="zh-CN" altLang="en-US" smtClean="0"/>
-              <a:t>‹#›</a:t>
             </a:fld>
             <a:endParaRPr lang="zh-CN" altLang="en-US"/>
           </a:p>
@@ -2639,6 +2742,7 @@
               <a:rPr lang="zh-CN" altLang="en-US"/>
               <a:t>单击此处编辑母版标题样式</a:t>
             </a:r>
+            <a:endParaRPr lang="zh-CN" altLang="en-US"/>
           </a:p>
         </p:txBody>
       </p:sp>
@@ -2695,6 +2799,7 @@
               <a:rPr lang="zh-CN" altLang="en-US"/>
               <a:t>编辑母版文本样式</a:t>
             </a:r>
+            <a:endParaRPr lang="zh-CN" altLang="en-US"/>
           </a:p>
           <a:p>
             <a:pPr lvl="1"/>
@@ -2702,6 +2807,7 @@
               <a:rPr lang="zh-CN" altLang="en-US"/>
               <a:t>第二级</a:t>
             </a:r>
+            <a:endParaRPr lang="zh-CN" altLang="en-US"/>
           </a:p>
           <a:p>
             <a:pPr lvl="2"/>
@@ -2709,6 +2815,7 @@
               <a:rPr lang="zh-CN" altLang="en-US"/>
               <a:t>第三级</a:t>
             </a:r>
+            <a:endParaRPr lang="zh-CN" altLang="en-US"/>
           </a:p>
           <a:p>
             <a:pPr lvl="3"/>
@@ -2716,6 +2823,7 @@
               <a:rPr lang="zh-CN" altLang="en-US"/>
               <a:t>第四级</a:t>
             </a:r>
+            <a:endParaRPr lang="zh-CN" altLang="en-US"/>
           </a:p>
           <a:p>
             <a:pPr lvl="4"/>
@@ -2723,6 +2831,7 @@
               <a:rPr lang="zh-CN" altLang="en-US"/>
               <a:t>第五级</a:t>
             </a:r>
+            <a:endParaRPr lang="zh-CN" altLang="en-US"/>
           </a:p>
         </p:txBody>
       </p:sp>
@@ -2788,6 +2897,7 @@
               <a:rPr lang="zh-CN" altLang="en-US"/>
               <a:t>编辑母版文本样式</a:t>
             </a:r>
+            <a:endParaRPr lang="zh-CN" altLang="en-US"/>
           </a:p>
         </p:txBody>
       </p:sp>
@@ -2808,7 +2918,6 @@
           <a:p>
             <a:fld id="{A94AD69E-FE2F-4EDF-9961-DCA2A010D4E8}" type="datetimeFigureOut">
               <a:rPr lang="zh-CN" altLang="en-US" smtClean="0"/>
-              <a:t>2024/3/26</a:t>
             </a:fld>
             <a:endParaRPr lang="zh-CN" altLang="en-US"/>
           </a:p>
@@ -2850,7 +2959,6 @@
           <a:p>
             <a:fld id="{D136606D-2876-4B42-B906-0F01D489F363}" type="slidenum">
               <a:rPr lang="zh-CN" altLang="en-US" smtClean="0"/>
-              <a:t>‹#›</a:t>
             </a:fld>
             <a:endParaRPr lang="zh-CN" altLang="en-US"/>
           </a:p>
@@ -2900,6 +3008,7 @@
               <a:rPr lang="zh-CN" altLang="en-US"/>
               <a:t>单击此处编辑母版标题样式</a:t>
             </a:r>
+            <a:endParaRPr lang="zh-CN" altLang="en-US"/>
           </a:p>
         </p:txBody>
       </p:sp>
@@ -2923,6 +3032,7 @@
               <a:rPr lang="zh-CN" altLang="en-US"/>
               <a:t>编辑母版文本样式</a:t>
             </a:r>
+            <a:endParaRPr lang="zh-CN" altLang="en-US"/>
           </a:p>
           <a:p>
             <a:pPr lvl="1"/>
@@ -2930,6 +3040,7 @@
               <a:rPr lang="zh-CN" altLang="en-US"/>
               <a:t>第二级</a:t>
             </a:r>
+            <a:endParaRPr lang="zh-CN" altLang="en-US"/>
           </a:p>
           <a:p>
             <a:pPr lvl="2"/>
@@ -2937,6 +3048,7 @@
               <a:rPr lang="zh-CN" altLang="en-US"/>
               <a:t>第三级</a:t>
             </a:r>
+            <a:endParaRPr lang="zh-CN" altLang="en-US"/>
           </a:p>
           <a:p>
             <a:pPr lvl="3"/>
@@ -2944,6 +3056,7 @@
               <a:rPr lang="zh-CN" altLang="en-US"/>
               <a:t>第四级</a:t>
             </a:r>
+            <a:endParaRPr lang="zh-CN" altLang="en-US"/>
           </a:p>
           <a:p>
             <a:pPr lvl="4"/>
@@ -2951,6 +3064,7 @@
               <a:rPr lang="zh-CN" altLang="en-US"/>
               <a:t>第五级</a:t>
             </a:r>
+            <a:endParaRPr lang="zh-CN" altLang="en-US"/>
           </a:p>
         </p:txBody>
       </p:sp>
@@ -2971,7 +3085,6 @@
           <a:p>
             <a:fld id="{A94AD69E-FE2F-4EDF-9961-DCA2A010D4E8}" type="datetimeFigureOut">
               <a:rPr lang="zh-CN" altLang="en-US" smtClean="0"/>
-              <a:t>2024/3/26</a:t>
             </a:fld>
             <a:endParaRPr lang="zh-CN" altLang="en-US"/>
           </a:p>
@@ -3013,7 +3126,6 @@
           <a:p>
             <a:fld id="{D136606D-2876-4B42-B906-0F01D489F363}" type="slidenum">
               <a:rPr lang="zh-CN" altLang="en-US" smtClean="0"/>
-              <a:t>‹#›</a:t>
             </a:fld>
             <a:endParaRPr lang="zh-CN" altLang="en-US"/>
           </a:p>
@@ -3072,6 +3184,7 @@
               <a:rPr lang="zh-CN" altLang="en-US"/>
               <a:t>单击此处编辑母版标题样式</a:t>
             </a:r>
+            <a:endParaRPr lang="zh-CN" altLang="en-US"/>
           </a:p>
         </p:txBody>
       </p:sp>
@@ -3198,6 +3311,7 @@
               <a:rPr lang="zh-CN" altLang="en-US"/>
               <a:t>编辑母版文本样式</a:t>
             </a:r>
+            <a:endParaRPr lang="zh-CN" altLang="en-US"/>
           </a:p>
         </p:txBody>
       </p:sp>
@@ -3218,7 +3332,6 @@
           <a:p>
             <a:fld id="{A94AD69E-FE2F-4EDF-9961-DCA2A010D4E8}" type="datetimeFigureOut">
               <a:rPr lang="zh-CN" altLang="en-US" smtClean="0"/>
-              <a:t>2024/3/26</a:t>
             </a:fld>
             <a:endParaRPr lang="zh-CN" altLang="en-US"/>
           </a:p>
@@ -3260,7 +3373,6 @@
           <a:p>
             <a:fld id="{D136606D-2876-4B42-B906-0F01D489F363}" type="slidenum">
               <a:rPr lang="zh-CN" altLang="en-US" smtClean="0"/>
-              <a:t>‹#›</a:t>
             </a:fld>
             <a:endParaRPr lang="zh-CN" altLang="en-US"/>
           </a:p>
@@ -3310,6 +3422,7 @@
               <a:rPr lang="zh-CN" altLang="en-US"/>
               <a:t>单击此处编辑母版标题样式</a:t>
             </a:r>
+            <a:endParaRPr lang="zh-CN" altLang="en-US"/>
           </a:p>
         </p:txBody>
       </p:sp>
@@ -3333,6 +3446,7 @@
               <a:rPr lang="zh-CN" altLang="en-US"/>
               <a:t>编辑母版文本样式</a:t>
             </a:r>
+            <a:endParaRPr lang="zh-CN" altLang="en-US"/>
           </a:p>
           <a:p>
             <a:pPr lvl="1"/>
@@ -3340,6 +3454,7 @@
               <a:rPr lang="zh-CN" altLang="en-US"/>
               <a:t>第二级</a:t>
             </a:r>
+            <a:endParaRPr lang="zh-CN" altLang="en-US"/>
           </a:p>
           <a:p>
             <a:pPr lvl="2"/>
@@ -3347,6 +3462,7 @@
               <a:rPr lang="zh-CN" altLang="en-US"/>
               <a:t>第三级</a:t>
             </a:r>
+            <a:endParaRPr lang="zh-CN" altLang="en-US"/>
           </a:p>
           <a:p>
             <a:pPr lvl="3"/>
@@ -3354,6 +3470,7 @@
               <a:rPr lang="zh-CN" altLang="en-US"/>
               <a:t>第四级</a:t>
             </a:r>
+            <a:endParaRPr lang="zh-CN" altLang="en-US"/>
           </a:p>
           <a:p>
             <a:pPr lvl="4"/>
@@ -3361,6 +3478,7 @@
               <a:rPr lang="zh-CN" altLang="en-US"/>
               <a:t>第五级</a:t>
             </a:r>
+            <a:endParaRPr lang="zh-CN" altLang="en-US"/>
           </a:p>
         </p:txBody>
       </p:sp>
@@ -3381,7 +3499,6 @@
           <a:p>
             <a:fld id="{A94AD69E-FE2F-4EDF-9961-DCA2A010D4E8}" type="datetimeFigureOut">
               <a:rPr lang="zh-CN" altLang="en-US" smtClean="0"/>
-              <a:t>2024/3/26</a:t>
             </a:fld>
             <a:endParaRPr lang="zh-CN" altLang="en-US"/>
           </a:p>
@@ -3423,7 +3540,6 @@
           <a:p>
             <a:fld id="{D136606D-2876-4B42-B906-0F01D489F363}" type="slidenum">
               <a:rPr lang="zh-CN" altLang="en-US" smtClean="0"/>
-              <a:t>‹#›</a:t>
             </a:fld>
             <a:endParaRPr lang="zh-CN" altLang="en-US"/>
           </a:p>
@@ -3478,6 +3594,7 @@
               <a:rPr lang="zh-CN" altLang="en-US"/>
               <a:t>单击此处编辑母版标题样式</a:t>
             </a:r>
+            <a:endParaRPr lang="zh-CN" altLang="en-US"/>
           </a:p>
         </p:txBody>
       </p:sp>
@@ -3506,6 +3623,7 @@
               <a:rPr lang="zh-CN" altLang="en-US"/>
               <a:t>编辑母版文本样式</a:t>
             </a:r>
+            <a:endParaRPr lang="zh-CN" altLang="en-US"/>
           </a:p>
           <a:p>
             <a:pPr lvl="1"/>
@@ -3513,6 +3631,7 @@
               <a:rPr lang="zh-CN" altLang="en-US"/>
               <a:t>第二级</a:t>
             </a:r>
+            <a:endParaRPr lang="zh-CN" altLang="en-US"/>
           </a:p>
           <a:p>
             <a:pPr lvl="2"/>
@@ -3520,6 +3639,7 @@
               <a:rPr lang="zh-CN" altLang="en-US"/>
               <a:t>第三级</a:t>
             </a:r>
+            <a:endParaRPr lang="zh-CN" altLang="en-US"/>
           </a:p>
           <a:p>
             <a:pPr lvl="3"/>
@@ -3527,6 +3647,7 @@
               <a:rPr lang="zh-CN" altLang="en-US"/>
               <a:t>第四级</a:t>
             </a:r>
+            <a:endParaRPr lang="zh-CN" altLang="en-US"/>
           </a:p>
           <a:p>
             <a:pPr lvl="4"/>
@@ -3534,6 +3655,7 @@
               <a:rPr lang="zh-CN" altLang="en-US"/>
               <a:t>第五级</a:t>
             </a:r>
+            <a:endParaRPr lang="zh-CN" altLang="en-US"/>
           </a:p>
         </p:txBody>
       </p:sp>
@@ -3554,7 +3676,6 @@
           <a:p>
             <a:fld id="{A94AD69E-FE2F-4EDF-9961-DCA2A010D4E8}" type="datetimeFigureOut">
               <a:rPr lang="zh-CN" altLang="en-US" smtClean="0"/>
-              <a:t>2024/3/26</a:t>
             </a:fld>
             <a:endParaRPr lang="zh-CN" altLang="en-US"/>
           </a:p>
@@ -3596,7 +3717,6 @@
           <a:p>
             <a:fld id="{D136606D-2876-4B42-B906-0F01D489F363}" type="slidenum">
               <a:rPr lang="zh-CN" altLang="en-US" smtClean="0"/>
-              <a:t>‹#›</a:t>
             </a:fld>
             <a:endParaRPr lang="zh-CN" altLang="en-US"/>
           </a:p>
@@ -3655,6 +3775,7 @@
               <a:rPr lang="zh-CN" altLang="en-US"/>
               <a:t>单击此处编辑母版标题样式</a:t>
             </a:r>
+            <a:endParaRPr lang="zh-CN" altLang="en-US"/>
           </a:p>
         </p:txBody>
       </p:sp>
@@ -3774,6 +3895,7 @@
               <a:rPr lang="zh-CN" altLang="en-US"/>
               <a:t>编辑母版文本样式</a:t>
             </a:r>
+            <a:endParaRPr lang="zh-CN" altLang="en-US"/>
           </a:p>
         </p:txBody>
       </p:sp>
@@ -3794,7 +3916,6 @@
           <a:p>
             <a:fld id="{A94AD69E-FE2F-4EDF-9961-DCA2A010D4E8}" type="datetimeFigureOut">
               <a:rPr lang="zh-CN" altLang="en-US" smtClean="0"/>
-              <a:t>2024/3/26</a:t>
             </a:fld>
             <a:endParaRPr lang="zh-CN" altLang="en-US"/>
           </a:p>
@@ -3836,7 +3957,6 @@
           <a:p>
             <a:fld id="{D136606D-2876-4B42-B906-0F01D489F363}" type="slidenum">
               <a:rPr lang="zh-CN" altLang="en-US" smtClean="0"/>
-              <a:t>‹#›</a:t>
             </a:fld>
             <a:endParaRPr lang="zh-CN" altLang="en-US"/>
           </a:p>
@@ -3886,6 +4006,7 @@
               <a:rPr lang="zh-CN" altLang="en-US"/>
               <a:t>单击此处编辑母版标题样式</a:t>
             </a:r>
+            <a:endParaRPr lang="zh-CN" altLang="en-US"/>
           </a:p>
         </p:txBody>
       </p:sp>
@@ -3914,6 +4035,7 @@
               <a:rPr lang="zh-CN" altLang="en-US"/>
               <a:t>编辑母版文本样式</a:t>
             </a:r>
+            <a:endParaRPr lang="zh-CN" altLang="en-US"/>
           </a:p>
           <a:p>
             <a:pPr lvl="1"/>
@@ -3921,6 +4043,7 @@
               <a:rPr lang="zh-CN" altLang="en-US"/>
               <a:t>第二级</a:t>
             </a:r>
+            <a:endParaRPr lang="zh-CN" altLang="en-US"/>
           </a:p>
           <a:p>
             <a:pPr lvl="2"/>
@@ -3928,6 +4051,7 @@
               <a:rPr lang="zh-CN" altLang="en-US"/>
               <a:t>第三级</a:t>
             </a:r>
+            <a:endParaRPr lang="zh-CN" altLang="en-US"/>
           </a:p>
           <a:p>
             <a:pPr lvl="3"/>
@@ -3935,6 +4059,7 @@
               <a:rPr lang="zh-CN" altLang="en-US"/>
               <a:t>第四级</a:t>
             </a:r>
+            <a:endParaRPr lang="zh-CN" altLang="en-US"/>
           </a:p>
           <a:p>
             <a:pPr lvl="4"/>
@@ -3942,6 +4067,7 @@
               <a:rPr lang="zh-CN" altLang="en-US"/>
               <a:t>第五级</a:t>
             </a:r>
+            <a:endParaRPr lang="zh-CN" altLang="en-US"/>
           </a:p>
         </p:txBody>
       </p:sp>
@@ -3970,6 +4096,7 @@
               <a:rPr lang="zh-CN" altLang="en-US"/>
               <a:t>编辑母版文本样式</a:t>
             </a:r>
+            <a:endParaRPr lang="zh-CN" altLang="en-US"/>
           </a:p>
           <a:p>
             <a:pPr lvl="1"/>
@@ -3977,6 +4104,7 @@
               <a:rPr lang="zh-CN" altLang="en-US"/>
               <a:t>第二级</a:t>
             </a:r>
+            <a:endParaRPr lang="zh-CN" altLang="en-US"/>
           </a:p>
           <a:p>
             <a:pPr lvl="2"/>
@@ -3984,6 +4112,7 @@
               <a:rPr lang="zh-CN" altLang="en-US"/>
               <a:t>第三级</a:t>
             </a:r>
+            <a:endParaRPr lang="zh-CN" altLang="en-US"/>
           </a:p>
           <a:p>
             <a:pPr lvl="3"/>
@@ -3991,6 +4120,7 @@
               <a:rPr lang="zh-CN" altLang="en-US"/>
               <a:t>第四级</a:t>
             </a:r>
+            <a:endParaRPr lang="zh-CN" altLang="en-US"/>
           </a:p>
           <a:p>
             <a:pPr lvl="4"/>
@@ -3998,6 +4128,7 @@
               <a:rPr lang="zh-CN" altLang="en-US"/>
               <a:t>第五级</a:t>
             </a:r>
+            <a:endParaRPr lang="zh-CN" altLang="en-US"/>
           </a:p>
         </p:txBody>
       </p:sp>
@@ -4018,7 +4149,6 @@
           <a:p>
             <a:fld id="{A94AD69E-FE2F-4EDF-9961-DCA2A010D4E8}" type="datetimeFigureOut">
               <a:rPr lang="zh-CN" altLang="en-US" smtClean="0"/>
-              <a:t>2024/3/26</a:t>
             </a:fld>
             <a:endParaRPr lang="zh-CN" altLang="en-US"/>
           </a:p>
@@ -4060,7 +4190,6 @@
           <a:p>
             <a:fld id="{D136606D-2876-4B42-B906-0F01D489F363}" type="slidenum">
               <a:rPr lang="zh-CN" altLang="en-US" smtClean="0"/>
-              <a:t>‹#›</a:t>
             </a:fld>
             <a:endParaRPr lang="zh-CN" altLang="en-US"/>
           </a:p>
@@ -4115,6 +4244,7 @@
               <a:rPr lang="zh-CN" altLang="en-US"/>
               <a:t>单击此处编辑母版标题样式</a:t>
             </a:r>
+            <a:endParaRPr lang="zh-CN" altLang="en-US"/>
           </a:p>
         </p:txBody>
       </p:sp>
@@ -4180,6 +4310,7 @@
               <a:rPr lang="zh-CN" altLang="en-US"/>
               <a:t>编辑母版文本样式</a:t>
             </a:r>
+            <a:endParaRPr lang="zh-CN" altLang="en-US"/>
           </a:p>
         </p:txBody>
       </p:sp>
@@ -4208,6 +4339,7 @@
               <a:rPr lang="zh-CN" altLang="en-US"/>
               <a:t>编辑母版文本样式</a:t>
             </a:r>
+            <a:endParaRPr lang="zh-CN" altLang="en-US"/>
           </a:p>
           <a:p>
             <a:pPr lvl="1"/>
@@ -4215,6 +4347,7 @@
               <a:rPr lang="zh-CN" altLang="en-US"/>
               <a:t>第二级</a:t>
             </a:r>
+            <a:endParaRPr lang="zh-CN" altLang="en-US"/>
           </a:p>
           <a:p>
             <a:pPr lvl="2"/>
@@ -4222,6 +4355,7 @@
               <a:rPr lang="zh-CN" altLang="en-US"/>
               <a:t>第三级</a:t>
             </a:r>
+            <a:endParaRPr lang="zh-CN" altLang="en-US"/>
           </a:p>
           <a:p>
             <a:pPr lvl="3"/>
@@ -4229,6 +4363,7 @@
               <a:rPr lang="zh-CN" altLang="en-US"/>
               <a:t>第四级</a:t>
             </a:r>
+            <a:endParaRPr lang="zh-CN" altLang="en-US"/>
           </a:p>
           <a:p>
             <a:pPr lvl="4"/>
@@ -4236,6 +4371,7 @@
               <a:rPr lang="zh-CN" altLang="en-US"/>
               <a:t>第五级</a:t>
             </a:r>
+            <a:endParaRPr lang="zh-CN" altLang="en-US"/>
           </a:p>
         </p:txBody>
       </p:sp>
@@ -4301,6 +4437,7 @@
               <a:rPr lang="zh-CN" altLang="en-US"/>
               <a:t>编辑母版文本样式</a:t>
             </a:r>
+            <a:endParaRPr lang="zh-CN" altLang="en-US"/>
           </a:p>
         </p:txBody>
       </p:sp>
@@ -4329,6 +4466,7 @@
               <a:rPr lang="zh-CN" altLang="en-US"/>
               <a:t>编辑母版文本样式</a:t>
             </a:r>
+            <a:endParaRPr lang="zh-CN" altLang="en-US"/>
           </a:p>
           <a:p>
             <a:pPr lvl="1"/>
@@ -4336,6 +4474,7 @@
               <a:rPr lang="zh-CN" altLang="en-US"/>
               <a:t>第二级</a:t>
             </a:r>
+            <a:endParaRPr lang="zh-CN" altLang="en-US"/>
           </a:p>
           <a:p>
             <a:pPr lvl="2"/>
@@ -4343,6 +4482,7 @@
               <a:rPr lang="zh-CN" altLang="en-US"/>
               <a:t>第三级</a:t>
             </a:r>
+            <a:endParaRPr lang="zh-CN" altLang="en-US"/>
           </a:p>
           <a:p>
             <a:pPr lvl="3"/>
@@ -4350,6 +4490,7 @@
               <a:rPr lang="zh-CN" altLang="en-US"/>
               <a:t>第四级</a:t>
             </a:r>
+            <a:endParaRPr lang="zh-CN" altLang="en-US"/>
           </a:p>
           <a:p>
             <a:pPr lvl="4"/>
@@ -4357,6 +4498,7 @@
               <a:rPr lang="zh-CN" altLang="en-US"/>
               <a:t>第五级</a:t>
             </a:r>
+            <a:endParaRPr lang="zh-CN" altLang="en-US"/>
           </a:p>
         </p:txBody>
       </p:sp>
@@ -4377,7 +4519,6 @@
           <a:p>
             <a:fld id="{A94AD69E-FE2F-4EDF-9961-DCA2A010D4E8}" type="datetimeFigureOut">
               <a:rPr lang="zh-CN" altLang="en-US" smtClean="0"/>
-              <a:t>2024/3/26</a:t>
             </a:fld>
             <a:endParaRPr lang="zh-CN" altLang="en-US"/>
           </a:p>
@@ -4419,7 +4560,6 @@
           <a:p>
             <a:fld id="{D136606D-2876-4B42-B906-0F01D489F363}" type="slidenum">
               <a:rPr lang="zh-CN" altLang="en-US" smtClean="0"/>
-              <a:t>‹#›</a:t>
             </a:fld>
             <a:endParaRPr lang="zh-CN" altLang="en-US"/>
           </a:p>
@@ -4469,6 +4609,7 @@
               <a:rPr lang="zh-CN" altLang="en-US"/>
               <a:t>单击此处编辑母版标题样式</a:t>
             </a:r>
+            <a:endParaRPr lang="zh-CN" altLang="en-US"/>
           </a:p>
         </p:txBody>
       </p:sp>
@@ -4489,7 +4630,6 @@
           <a:p>
             <a:fld id="{A94AD69E-FE2F-4EDF-9961-DCA2A010D4E8}" type="datetimeFigureOut">
               <a:rPr lang="zh-CN" altLang="en-US" smtClean="0"/>
-              <a:t>2024/3/26</a:t>
             </a:fld>
             <a:endParaRPr lang="zh-CN" altLang="en-US"/>
           </a:p>
@@ -4531,7 +4671,6 @@
           <a:p>
             <a:fld id="{D136606D-2876-4B42-B906-0F01D489F363}" type="slidenum">
               <a:rPr lang="zh-CN" altLang="en-US" smtClean="0"/>
-              <a:t>‹#›</a:t>
             </a:fld>
             <a:endParaRPr lang="zh-CN" altLang="en-US"/>
           </a:p>
@@ -4579,7 +4718,6 @@
           <a:p>
             <a:fld id="{A94AD69E-FE2F-4EDF-9961-DCA2A010D4E8}" type="datetimeFigureOut">
               <a:rPr lang="zh-CN" altLang="en-US" smtClean="0"/>
-              <a:t>2024/3/26</a:t>
             </a:fld>
             <a:endParaRPr lang="zh-CN" altLang="en-US"/>
           </a:p>
@@ -4621,7 +4759,6 @@
           <a:p>
             <a:fld id="{D136606D-2876-4B42-B906-0F01D489F363}" type="slidenum">
               <a:rPr lang="zh-CN" altLang="en-US" smtClean="0"/>
-              <a:t>‹#›</a:t>
             </a:fld>
             <a:endParaRPr lang="zh-CN" altLang="en-US"/>
           </a:p>
@@ -4680,6 +4817,7 @@
               <a:rPr lang="zh-CN" altLang="en-US"/>
               <a:t>单击此处编辑母版标题样式</a:t>
             </a:r>
+            <a:endParaRPr lang="zh-CN" altLang="en-US"/>
           </a:p>
         </p:txBody>
       </p:sp>
@@ -4736,6 +4874,7 @@
               <a:rPr lang="zh-CN" altLang="en-US"/>
               <a:t>编辑母版文本样式</a:t>
             </a:r>
+            <a:endParaRPr lang="zh-CN" altLang="en-US"/>
           </a:p>
           <a:p>
             <a:pPr lvl="1"/>
@@ -4743,6 +4882,7 @@
               <a:rPr lang="zh-CN" altLang="en-US"/>
               <a:t>第二级</a:t>
             </a:r>
+            <a:endParaRPr lang="zh-CN" altLang="en-US"/>
           </a:p>
           <a:p>
             <a:pPr lvl="2"/>
@@ -4750,6 +4890,7 @@
               <a:rPr lang="zh-CN" altLang="en-US"/>
               <a:t>第三级</a:t>
             </a:r>
+            <a:endParaRPr lang="zh-CN" altLang="en-US"/>
           </a:p>
           <a:p>
             <a:pPr lvl="3"/>
@@ -4757,6 +4898,7 @@
               <a:rPr lang="zh-CN" altLang="en-US"/>
               <a:t>第四级</a:t>
             </a:r>
+            <a:endParaRPr lang="zh-CN" altLang="en-US"/>
           </a:p>
           <a:p>
             <a:pPr lvl="4"/>
@@ -4764,6 +4906,7 @@
               <a:rPr lang="zh-CN" altLang="en-US"/>
               <a:t>第五级</a:t>
             </a:r>
+            <a:endParaRPr lang="zh-CN" altLang="en-US"/>
           </a:p>
         </p:txBody>
       </p:sp>
@@ -4829,6 +4972,7 @@
               <a:rPr lang="zh-CN" altLang="en-US"/>
               <a:t>编辑母版文本样式</a:t>
             </a:r>
+            <a:endParaRPr lang="zh-CN" altLang="en-US"/>
           </a:p>
         </p:txBody>
       </p:sp>
@@ -4849,7 +4993,6 @@
           <a:p>
             <a:fld id="{A94AD69E-FE2F-4EDF-9961-DCA2A010D4E8}" type="datetimeFigureOut">
               <a:rPr lang="zh-CN" altLang="en-US" smtClean="0"/>
-              <a:t>2024/3/26</a:t>
             </a:fld>
             <a:endParaRPr lang="zh-CN" altLang="en-US"/>
           </a:p>
@@ -4891,7 +5034,6 @@
           <a:p>
             <a:fld id="{D136606D-2876-4B42-B906-0F01D489F363}" type="slidenum">
               <a:rPr lang="zh-CN" altLang="en-US" smtClean="0"/>
-              <a:t>‹#›</a:t>
             </a:fld>
             <a:endParaRPr lang="zh-CN" altLang="en-US"/>
           </a:p>
@@ -4950,6 +5092,7 @@
               <a:rPr lang="zh-CN" altLang="en-US"/>
               <a:t>单击此处编辑母版标题样式</a:t>
             </a:r>
+            <a:endParaRPr lang="zh-CN" altLang="en-US"/>
           </a:p>
         </p:txBody>
       </p:sp>
@@ -5076,6 +5219,7 @@
               <a:rPr lang="zh-CN" altLang="en-US"/>
               <a:t>编辑母版文本样式</a:t>
             </a:r>
+            <a:endParaRPr lang="zh-CN" altLang="en-US"/>
           </a:p>
         </p:txBody>
       </p:sp>
@@ -5096,7 +5240,6 @@
           <a:p>
             <a:fld id="{A94AD69E-FE2F-4EDF-9961-DCA2A010D4E8}" type="datetimeFigureOut">
               <a:rPr lang="zh-CN" altLang="en-US" smtClean="0"/>
-              <a:t>2024/3/26</a:t>
             </a:fld>
             <a:endParaRPr lang="zh-CN" altLang="en-US"/>
           </a:p>
@@ -5138,7 +5281,6 @@
           <a:p>
             <a:fld id="{D136606D-2876-4B42-B906-0F01D489F363}" type="slidenum">
               <a:rPr lang="zh-CN" altLang="en-US" smtClean="0"/>
-              <a:t>‹#›</a:t>
             </a:fld>
             <a:endParaRPr lang="zh-CN" altLang="en-US"/>
           </a:p>
@@ -5203,6 +5345,7 @@
               <a:rPr lang="zh-CN" altLang="en-US"/>
               <a:t>单击此处编辑母版标题样式</a:t>
             </a:r>
+            <a:endParaRPr lang="zh-CN" altLang="en-US"/>
           </a:p>
         </p:txBody>
       </p:sp>
@@ -5236,6 +5379,7 @@
               <a:rPr lang="zh-CN" altLang="en-US"/>
               <a:t>编辑母版文本样式</a:t>
             </a:r>
+            <a:endParaRPr lang="zh-CN" altLang="en-US"/>
           </a:p>
           <a:p>
             <a:pPr lvl="1"/>
@@ -5243,6 +5387,7 @@
               <a:rPr lang="zh-CN" altLang="en-US"/>
               <a:t>第二级</a:t>
             </a:r>
+            <a:endParaRPr lang="zh-CN" altLang="en-US"/>
           </a:p>
           <a:p>
             <a:pPr lvl="2"/>
@@ -5250,6 +5395,7 @@
               <a:rPr lang="zh-CN" altLang="en-US"/>
               <a:t>第三级</a:t>
             </a:r>
+            <a:endParaRPr lang="zh-CN" altLang="en-US"/>
           </a:p>
           <a:p>
             <a:pPr lvl="3"/>
@@ -5257,6 +5403,7 @@
               <a:rPr lang="zh-CN" altLang="en-US"/>
               <a:t>第四级</a:t>
             </a:r>
+            <a:endParaRPr lang="zh-CN" altLang="en-US"/>
           </a:p>
           <a:p>
             <a:pPr lvl="4"/>
@@ -5264,6 +5411,7 @@
               <a:rPr lang="zh-CN" altLang="en-US"/>
               <a:t>第五级</a:t>
             </a:r>
+            <a:endParaRPr lang="zh-CN" altLang="en-US"/>
           </a:p>
         </p:txBody>
       </p:sp>
@@ -5302,7 +5450,6 @@
           <a:p>
             <a:fld id="{A94AD69E-FE2F-4EDF-9961-DCA2A010D4E8}" type="datetimeFigureOut">
               <a:rPr lang="zh-CN" altLang="en-US" smtClean="0"/>
-              <a:t>2024/3/26</a:t>
             </a:fld>
             <a:endParaRPr lang="zh-CN" altLang="en-US"/>
           </a:p>
@@ -5380,7 +5527,6 @@
           <a:p>
             <a:fld id="{D136606D-2876-4B42-B906-0F01D489F363}" type="slidenum">
               <a:rPr lang="zh-CN" altLang="en-US" smtClean="0"/>
-              <a:t>‹#›</a:t>
             </a:fld>
             <a:endParaRPr lang="zh-CN" altLang="en-US"/>
           </a:p>
@@ -5736,6 +5882,7 @@
               <a:rPr lang="zh-CN" altLang="en-US"/>
               <a:t>单击此处编辑母版标题样式</a:t>
             </a:r>
+            <a:endParaRPr lang="zh-CN" altLang="en-US"/>
           </a:p>
         </p:txBody>
       </p:sp>
@@ -5769,6 +5916,7 @@
               <a:rPr lang="zh-CN" altLang="en-US"/>
               <a:t>编辑母版文本样式</a:t>
             </a:r>
+            <a:endParaRPr lang="zh-CN" altLang="en-US"/>
           </a:p>
           <a:p>
             <a:pPr lvl="1"/>
@@ -5776,6 +5924,7 @@
               <a:rPr lang="zh-CN" altLang="en-US"/>
               <a:t>第二级</a:t>
             </a:r>
+            <a:endParaRPr lang="zh-CN" altLang="en-US"/>
           </a:p>
           <a:p>
             <a:pPr lvl="2"/>
@@ -5783,6 +5932,7 @@
               <a:rPr lang="zh-CN" altLang="en-US"/>
               <a:t>第三级</a:t>
             </a:r>
+            <a:endParaRPr lang="zh-CN" altLang="en-US"/>
           </a:p>
           <a:p>
             <a:pPr lvl="3"/>
@@ -5790,6 +5940,7 @@
               <a:rPr lang="zh-CN" altLang="en-US"/>
               <a:t>第四级</a:t>
             </a:r>
+            <a:endParaRPr lang="zh-CN" altLang="en-US"/>
           </a:p>
           <a:p>
             <a:pPr lvl="4"/>
@@ -5797,6 +5948,7 @@
               <a:rPr lang="zh-CN" altLang="en-US"/>
               <a:t>第五级</a:t>
             </a:r>
+            <a:endParaRPr lang="zh-CN" altLang="en-US"/>
           </a:p>
         </p:txBody>
       </p:sp>
@@ -5835,7 +5987,6 @@
           <a:p>
             <a:fld id="{A94AD69E-FE2F-4EDF-9961-DCA2A010D4E8}" type="datetimeFigureOut">
               <a:rPr lang="zh-CN" altLang="en-US" smtClean="0"/>
-              <a:t>2024/3/26</a:t>
             </a:fld>
             <a:endParaRPr lang="zh-CN" altLang="en-US"/>
           </a:p>
@@ -5913,7 +6064,6 @@
           <a:p>
             <a:fld id="{D136606D-2876-4B42-B906-0F01D489F363}" type="slidenum">
               <a:rPr lang="zh-CN" altLang="en-US" smtClean="0"/>
-              <a:t>‹#›</a:t>
             </a:fld>
             <a:endParaRPr lang="zh-CN" altLang="en-US"/>
           </a:p>
@@ -6284,27 +6434,28 @@
               </a:rPr>
               <a:t>3.29</a:t>
             </a:r>
+            <a:endParaRPr lang="en-US" altLang="zh-CN" sz="4265" b="1" dirty="0">
+              <a:solidFill>
+                <a:srgbClr val="002060"/>
+              </a:solidFill>
+              <a:latin typeface="微软雅黑" panose="020B0503020204020204" pitchFamily="34" charset="-122"/>
+              <a:ea typeface="微软雅黑" panose="020B0503020204020204" pitchFamily="34" charset="-122"/>
+            </a:endParaRPr>
           </a:p>
         </p:txBody>
       </p:sp>
       <p:grpSp>
         <p:nvGrpSpPr>
-          <p:cNvPr id="6" name="组合 5">
-            <a:extLst>
-              <a:ext uri="{FF2B5EF4-FFF2-40B4-BE49-F238E27FC236}">
-                <a16:creationId xmlns:a16="http://schemas.microsoft.com/office/drawing/2014/main" id="{49B65AD1-EFBE-F9F1-B037-8B98501245E5}"/>
-              </a:ext>
-            </a:extLst>
-          </p:cNvPr>
+          <p:cNvPr id="6" name="组合 5"/>
           <p:cNvGrpSpPr/>
           <p:nvPr/>
         </p:nvGrpSpPr>
         <p:grpSpPr>
           <a:xfrm>
             <a:off x="5048026" y="3343569"/>
-            <a:ext cx="11578085" cy="5504862"/>
+            <a:ext cx="11578085" cy="5581820"/>
             <a:chOff x="4903310" y="4125281"/>
-            <a:chExt cx="11876050" cy="5504862"/>
+            <a:chExt cx="11876050" cy="5581820"/>
           </a:xfrm>
         </p:grpSpPr>
         <p:grpSp>
@@ -6392,6 +6543,13 @@
                   </a:rPr>
                   <a:t>编写软件最终的用户手册</a:t>
                 </a:r>
+                <a:endParaRPr lang="zh-CN" altLang="en-US" sz="4000" b="1" dirty="0">
+                  <a:solidFill>
+                    <a:srgbClr val="002060"/>
+                  </a:solidFill>
+                  <a:latin typeface="微软雅黑" panose="020B0503020204020204" pitchFamily="34" charset="-122"/>
+                  <a:ea typeface="微软雅黑" panose="020B0503020204020204" pitchFamily="34" charset="-122"/>
+                </a:endParaRPr>
               </a:p>
             </p:txBody>
           </p:sp>
@@ -6404,7 +6562,7 @@
             <p:spPr>
               <a:xfrm>
                 <a:off x="3472416" y="5444767"/>
-                <a:ext cx="15559859" cy="618187"/>
+                <a:ext cx="15559859" cy="676591"/>
               </a:xfrm>
               <a:prstGeom prst="rect">
                 <a:avLst/>
@@ -6443,8 +6601,9 @@
                     </a:solidFill>
                     <a:latin typeface="微软雅黑" panose="020B0503020204020204" pitchFamily="34" charset="-122"/>
                     <a:ea typeface="微软雅黑" panose="020B0503020204020204" pitchFamily="34" charset="-122"/>
+                    <a:sym typeface="+mn-ea"/>
                   </a:rPr>
-                  <a:t>理论学习</a:t>
+                  <a:t>材料采购</a:t>
                 </a:r>
                 <a:r>
                   <a:rPr lang="en-US" altLang="zh-CN" sz="4000" b="1" dirty="0">
@@ -6453,6 +6612,7 @@
                     </a:solidFill>
                     <a:latin typeface="微软雅黑" panose="020B0503020204020204" pitchFamily="34" charset="-122"/>
                     <a:ea typeface="微软雅黑" panose="020B0503020204020204" pitchFamily="34" charset="-122"/>
+                    <a:sym typeface="+mn-ea"/>
                   </a:rPr>
                   <a:t>——</a:t>
                 </a:r>
@@ -6463,9 +6623,17 @@
                     </a:solidFill>
                     <a:latin typeface="微软雅黑" panose="020B0503020204020204" pitchFamily="34" charset="-122"/>
                     <a:ea typeface="微软雅黑" panose="020B0503020204020204" pitchFamily="34" charset="-122"/>
+                    <a:sym typeface="+mn-ea"/>
                   </a:rPr>
-                  <a:t>学习数字图像处理的相关知识</a:t>
+                  <a:t>拟购买部分补充材料</a:t>
                 </a:r>
+                <a:endParaRPr lang="zh-CN" altLang="en-US" sz="4000" b="1" dirty="0">
+                  <a:solidFill>
+                    <a:srgbClr val="002060"/>
+                  </a:solidFill>
+                  <a:latin typeface="微软雅黑" panose="020B0503020204020204" pitchFamily="34" charset="-122"/>
+                  <a:ea typeface="微软雅黑" panose="020B0503020204020204" pitchFamily="34" charset="-122"/>
+                </a:endParaRPr>
               </a:p>
             </p:txBody>
           </p:sp>
@@ -6540,26 +6708,27 @@
                   </a:rPr>
                   <a:t>参加生物传感器小组组会</a:t>
                 </a:r>
+                <a:endParaRPr lang="zh-CN" altLang="en-US" sz="4000" b="1" dirty="0">
+                  <a:solidFill>
+                    <a:srgbClr val="002060"/>
+                  </a:solidFill>
+                  <a:latin typeface="微软雅黑" panose="020B0503020204020204" pitchFamily="34" charset="-122"/>
+                  <a:ea typeface="微软雅黑" panose="020B0503020204020204" pitchFamily="34" charset="-122"/>
+                </a:endParaRPr>
               </a:p>
             </p:txBody>
           </p:sp>
         </p:grpSp>
         <p:sp>
           <p:nvSpPr>
-            <p:cNvPr id="4" name="矩形 3">
-              <a:extLst>
-                <a:ext uri="{FF2B5EF4-FFF2-40B4-BE49-F238E27FC236}">
-                  <a16:creationId xmlns:a16="http://schemas.microsoft.com/office/drawing/2014/main" id="{0EAFD9CE-F684-7FE6-37E9-60381D8D6CB2}"/>
-                </a:ext>
-              </a:extLst>
-            </p:cNvPr>
+            <p:cNvPr id="4" name="矩形 3"/>
             <p:cNvSpPr/>
             <p:nvPr/>
           </p:nvSpPr>
           <p:spPr>
             <a:xfrm>
               <a:off x="4903310" y="8815561"/>
-              <a:ext cx="11780365" cy="814582"/>
+              <a:ext cx="11780365" cy="891540"/>
             </a:xfrm>
             <a:prstGeom prst="rect">
               <a:avLst/>
@@ -6598,8 +6767,9 @@
                   </a:solidFill>
                   <a:latin typeface="微软雅黑" panose="020B0503020204020204" pitchFamily="34" charset="-122"/>
                   <a:ea typeface="微软雅黑" panose="020B0503020204020204" pitchFamily="34" charset="-122"/>
+                  <a:sym typeface="+mn-ea"/>
                 </a:rPr>
-                <a:t>材料采购</a:t>
+                <a:t>理论学习</a:t>
               </a:r>
               <a:r>
                 <a:rPr lang="en-US" altLang="zh-CN" sz="4000" b="1" dirty="0">
@@ -6608,6 +6778,7 @@
                   </a:solidFill>
                   <a:latin typeface="微软雅黑" panose="020B0503020204020204" pitchFamily="34" charset="-122"/>
                   <a:ea typeface="微软雅黑" panose="020B0503020204020204" pitchFamily="34" charset="-122"/>
+                  <a:sym typeface="+mn-ea"/>
                 </a:rPr>
                 <a:t>——</a:t>
               </a:r>
@@ -6618,9 +6789,17 @@
                   </a:solidFill>
                   <a:latin typeface="微软雅黑" panose="020B0503020204020204" pitchFamily="34" charset="-122"/>
                   <a:ea typeface="微软雅黑" panose="020B0503020204020204" pitchFamily="34" charset="-122"/>
+                  <a:sym typeface="+mn-ea"/>
                 </a:rPr>
-                <a:t>拟购买部分补充材料</a:t>
+                <a:t>学习数字图像处理的相关知识</a:t>
               </a:r>
+              <a:endParaRPr lang="zh-CN" altLang="en-US" sz="4000" b="1" dirty="0">
+                <a:solidFill>
+                  <a:srgbClr val="002060"/>
+                </a:solidFill>
+                <a:latin typeface="微软雅黑" panose="020B0503020204020204" pitchFamily="34" charset="-122"/>
+                <a:ea typeface="微软雅黑" panose="020B0503020204020204" pitchFamily="34" charset="-122"/>
+              </a:endParaRPr>
             </a:p>
           </p:txBody>
         </p:sp>
@@ -6724,6 +6903,13 @@
               </a:rPr>
               <a:t>编写软件最终的用户手册</a:t>
             </a:r>
+            <a:endParaRPr lang="zh-CN" altLang="en-US" sz="4000" b="1" dirty="0">
+              <a:solidFill>
+                <a:srgbClr val="002060"/>
+              </a:solidFill>
+              <a:latin typeface="微软雅黑" panose="020B0503020204020204" pitchFamily="34" charset="-122"/>
+              <a:ea typeface="微软雅黑" panose="020B0503020204020204" pitchFamily="34" charset="-122"/>
+            </a:endParaRPr>
           </a:p>
         </p:txBody>
       </p:sp>
@@ -6735,8 +6921,8 @@
         </p:nvSpPr>
         <p:spPr>
           <a:xfrm>
-            <a:off x="19937505" y="3319107"/>
-            <a:ext cx="6635675" cy="769441"/>
+            <a:off x="17313910" y="3680460"/>
+            <a:ext cx="3761105" cy="4831080"/>
           </a:xfrm>
           <a:prstGeom prst="rect">
             <a:avLst/>
@@ -6750,12 +6936,48 @@
           <a:lstStyle/>
           <a:p>
             <a:r>
+              <a:rPr lang="en-US" altLang="zh-CN" sz="4400" b="1" dirty="0">
+                <a:latin typeface="Novecento wide Bold" panose="00000805000000000000" charset="0"/>
+              </a:rPr>
+              <a:t>		</a:t>
+            </a:r>
+            <a:r>
               <a:rPr lang="zh-CN" altLang="en-US" sz="4400" b="1" dirty="0">
                 <a:latin typeface="Novecento wide Bold" panose="00000805000000000000" charset="0"/>
               </a:rPr>
-              <a:t>撰写</a:t>
-            </a:r>
-            <a:endParaRPr lang="en-US" altLang="zh-CN" sz="4400" b="1" dirty="0">
+              <a:t>撰写软件著作发表所需的用户手册，目前完成</a:t>
+            </a:r>
+            <a:r>
+              <a:rPr lang="en-US" altLang="zh-CN" sz="4400" b="1" dirty="0">
+                <a:latin typeface="Novecento wide Bold" panose="00000805000000000000" charset="0"/>
+              </a:rPr>
+              <a:t>7</a:t>
+            </a:r>
+            <a:r>
+              <a:rPr lang="zh-CN" altLang="en-US" sz="4400" b="1" dirty="0">
+                <a:latin typeface="Novecento wide Bold" panose="00000805000000000000" charset="0"/>
+              </a:rPr>
+              <a:t>页，一般需要</a:t>
+            </a:r>
+            <a:r>
+              <a:rPr lang="en-US" altLang="zh-CN" sz="4400" b="1" dirty="0">
+                <a:latin typeface="Novecento wide Bold" panose="00000805000000000000" charset="0"/>
+              </a:rPr>
+              <a:t>15</a:t>
+            </a:r>
+            <a:r>
+              <a:rPr lang="zh-CN" altLang="en-US" sz="4400" b="1" dirty="0">
+                <a:latin typeface="Novecento wide Bold" panose="00000805000000000000" charset="0"/>
+              </a:rPr>
+              <a:t>页左右，还在持续更新</a:t>
+            </a:r>
+            <a:r>
+              <a:rPr lang="zh-CN" altLang="en-US" sz="4400" b="1" dirty="0">
+                <a:latin typeface="Novecento wide Bold" panose="00000805000000000000" charset="0"/>
+              </a:rPr>
+              <a:t>中。</a:t>
+            </a:r>
+            <a:endParaRPr lang="zh-CN" altLang="en-US" sz="4400" b="1" dirty="0">
               <a:latin typeface="Novecento wide Bold" panose="00000805000000000000" charset="0"/>
             </a:endParaRPr>
           </a:p>
@@ -6763,28 +6985,22 @@
       </p:sp>
       <p:pic>
         <p:nvPicPr>
-          <p:cNvPr id="5" name="图片 4">
-            <a:extLst>
-              <a:ext uri="{FF2B5EF4-FFF2-40B4-BE49-F238E27FC236}">
-                <a16:creationId xmlns:a16="http://schemas.microsoft.com/office/drawing/2014/main" id="{CBD475F5-E85F-45DD-5866-B802B195AC82}"/>
-              </a:ext>
-            </a:extLst>
-          </p:cNvPr>
+          <p:cNvPr id="5" name="图片 4"/>
           <p:cNvPicPr>
             <a:picLocks noChangeAspect="1"/>
           </p:cNvPicPr>
           <p:nvPr/>
         </p:nvPicPr>
         <p:blipFill>
-          <a:blip r:embed="rId4"/>
+          <a:blip r:embed="rId1"/>
           <a:stretch>
             <a:fillRect/>
           </a:stretch>
         </p:blipFill>
         <p:spPr>
           <a:xfrm>
-            <a:off x="617898" y="1232613"/>
-            <a:ext cx="16997042" cy="10475293"/>
+            <a:off x="570230" y="1244600"/>
+            <a:ext cx="16210280" cy="10475595"/>
           </a:xfrm>
           <a:prstGeom prst="rect">
             <a:avLst/>
@@ -6793,7 +7009,7 @@
       </p:pic>
     </p:spTree>
     <p:custDataLst>
-      <p:tags r:id="rId1"/>
+      <p:tags r:id="rId2"/>
     </p:custDataLst>
   </p:cSld>
   <p:clrMapOvr>
@@ -6821,14 +7037,14 @@
       </p:grpSpPr>
       <p:sp>
         <p:nvSpPr>
-          <p:cNvPr id="11" name="矩形 10"/>
+          <p:cNvPr id="15" name="矩形 14"/>
           <p:cNvSpPr/>
           <p:nvPr/>
         </p:nvSpPr>
         <p:spPr>
           <a:xfrm>
             <a:off x="373163" y="257824"/>
-            <a:ext cx="13473463" cy="814582"/>
+            <a:ext cx="13473463" cy="891540"/>
           </a:xfrm>
           <a:prstGeom prst="rect">
             <a:avLst/>
@@ -6857,6 +7073,7 @@
                 </a:solidFill>
                 <a:latin typeface="微软雅黑" panose="020B0503020204020204" pitchFamily="34" charset="-122"/>
                 <a:ea typeface="微软雅黑" panose="020B0503020204020204" pitchFamily="34" charset="-122"/>
+                <a:sym typeface="+mn-ea"/>
               </a:rPr>
               <a:t>2.</a:t>
             </a:r>
@@ -6867,8 +7084,9 @@
                 </a:solidFill>
                 <a:latin typeface="微软雅黑" panose="020B0503020204020204" pitchFamily="34" charset="-122"/>
                 <a:ea typeface="微软雅黑" panose="020B0503020204020204" pitchFamily="34" charset="-122"/>
+                <a:sym typeface="+mn-ea"/>
               </a:rPr>
-              <a:t>理论学习</a:t>
+              <a:t>材料采购</a:t>
             </a:r>
             <a:r>
               <a:rPr lang="en-US" altLang="zh-CN" sz="4000" b="1" dirty="0">
@@ -6877,6 +7095,7 @@
                 </a:solidFill>
                 <a:latin typeface="微软雅黑" panose="020B0503020204020204" pitchFamily="34" charset="-122"/>
                 <a:ea typeface="微软雅黑" panose="020B0503020204020204" pitchFamily="34" charset="-122"/>
+                <a:sym typeface="+mn-ea"/>
               </a:rPr>
               <a:t>——</a:t>
             </a:r>
@@ -6887,22 +7106,30 @@
                 </a:solidFill>
                 <a:latin typeface="微软雅黑" panose="020B0503020204020204" pitchFamily="34" charset="-122"/>
                 <a:ea typeface="微软雅黑" panose="020B0503020204020204" pitchFamily="34" charset="-122"/>
+                <a:sym typeface="+mn-ea"/>
               </a:rPr>
-              <a:t>学习数字图像处理的相关知识</a:t>
-            </a:r>
-          </a:p>
-        </p:txBody>
-      </p:sp>
-      <p:sp>
-        <p:nvSpPr>
-          <p:cNvPr id="14" name="文本框 13"/>
+              <a:t>拟购买部分补充材料</a:t>
+            </a:r>
+            <a:endParaRPr lang="zh-CN" altLang="en-US" sz="4000" b="1" dirty="0">
+              <a:solidFill>
+                <a:srgbClr val="002060"/>
+              </a:solidFill>
+              <a:latin typeface="微软雅黑" panose="020B0503020204020204" pitchFamily="34" charset="-122"/>
+              <a:ea typeface="微软雅黑" panose="020B0503020204020204" pitchFamily="34" charset="-122"/>
+            </a:endParaRPr>
+          </a:p>
+        </p:txBody>
+      </p:sp>
+      <p:sp>
+        <p:nvSpPr>
+          <p:cNvPr id="7" name="文本框 6"/>
           <p:cNvSpPr txBox="1"/>
           <p:nvPr/>
         </p:nvSpPr>
         <p:spPr>
           <a:xfrm>
-            <a:off x="18608675" y="4793615"/>
-            <a:ext cx="2674620" cy="3476625"/>
+            <a:off x="17028160" y="4695825"/>
+            <a:ext cx="3784600" cy="2799715"/>
           </a:xfrm>
           <a:prstGeom prst="rect">
             <a:avLst/>
@@ -6919,20 +7146,53 @@
               <a:rPr lang="en-US" altLang="zh-CN" sz="4400" b="1" dirty="0">
                 <a:latin typeface="Novecento wide Bold" panose="00000805000000000000" charset="0"/>
               </a:rPr>
-              <a:t>	 </a:t>
+              <a:t>		</a:t>
             </a:r>
             <a:r>
               <a:rPr lang="zh-CN" altLang="en-US" sz="4400" b="1" dirty="0">
                 <a:latin typeface="Novecento wide Bold" panose="00000805000000000000" charset="0"/>
               </a:rPr>
-              <a:t>完成硬件的组装，软件开发环境的配置。</a:t>
-            </a:r>
-          </a:p>
-        </p:txBody>
-      </p:sp>
+              <a:t>拟购买部分补充材料，具体明细及用途见</a:t>
+            </a:r>
+            <a:r>
+              <a:rPr lang="zh-CN" altLang="en-US" sz="4400" b="1" dirty="0">
+                <a:latin typeface="Novecento wide Bold" panose="00000805000000000000" charset="0"/>
+              </a:rPr>
+              <a:t>表格。</a:t>
+            </a:r>
+            <a:endParaRPr lang="zh-CN" altLang="en-US" sz="4400" b="1" dirty="0">
+              <a:latin typeface="Novecento wide Bold" panose="00000805000000000000" charset="0"/>
+            </a:endParaRPr>
+          </a:p>
+        </p:txBody>
+      </p:sp>
+      <p:pic>
+        <p:nvPicPr>
+          <p:cNvPr id="3" name="图片 2"/>
+          <p:cNvPicPr>
+            <a:picLocks noChangeAspect="1"/>
+          </p:cNvPicPr>
+          <p:nvPr/>
+        </p:nvPicPr>
+        <p:blipFill>
+          <a:blip r:embed="rId1"/>
+          <a:stretch>
+            <a:fillRect/>
+          </a:stretch>
+        </p:blipFill>
+        <p:spPr>
+          <a:xfrm>
+            <a:off x="779145" y="1221105"/>
+            <a:ext cx="14930120" cy="10583545"/>
+          </a:xfrm>
+          <a:prstGeom prst="rect">
+            <a:avLst/>
+          </a:prstGeom>
+        </p:spPr>
+      </p:pic>
     </p:spTree>
     <p:custDataLst>
-      <p:tags r:id="rId1"/>
+      <p:tags r:id="rId2"/>
     </p:custDataLst>
   </p:cSld>
   <p:clrMapOvr>
@@ -7000,6 +7260,9 @@
               </a:rPr>
               <a:t>参加师兄师姐的毕业预答辩，学习研究课题相关的科研经验。主要涉及到生物传感器的研发和便携式仪器的研制。</a:t>
             </a:r>
+            <a:endParaRPr lang="zh-CN" altLang="en-US" sz="4400" b="1" dirty="0">
+              <a:latin typeface="Novecento wide Bold" panose="00000805000000000000" charset="0"/>
+            </a:endParaRPr>
           </a:p>
         </p:txBody>
       </p:sp>
@@ -7084,30 +7347,6 @@
           </a:p>
         </p:txBody>
       </p:sp>
-      <p:pic>
-        <p:nvPicPr>
-          <p:cNvPr id="3" name="图片 2"/>
-          <p:cNvPicPr>
-            <a:picLocks noChangeAspect="1"/>
-          </p:cNvPicPr>
-          <p:nvPr/>
-        </p:nvPicPr>
-        <p:blipFill>
-          <a:blip r:embed="rId4"/>
-          <a:stretch>
-            <a:fillRect/>
-          </a:stretch>
-        </p:blipFill>
-        <p:spPr>
-          <a:xfrm>
-            <a:off x="816610" y="1245870"/>
-            <a:ext cx="15155545" cy="10532110"/>
-          </a:xfrm>
-          <a:prstGeom prst="rect">
-            <a:avLst/>
-          </a:prstGeom>
-        </p:spPr>
-      </p:pic>
     </p:spTree>
     <p:custDataLst>
       <p:tags r:id="rId1"/>
@@ -7119,8 +7358,274 @@
 </p:sld>
 </file>
 
+<file path=ppt/slides/slide5.xml><?xml version="1.0" encoding="utf-8"?>
+<p:sld xmlns:a="http://schemas.openxmlformats.org/drawingml/2006/main" xmlns:r="http://schemas.openxmlformats.org/officeDocument/2006/relationships" xmlns:p="http://schemas.openxmlformats.org/presentationml/2006/main">
+  <p:cSld>
+    <p:spTree>
+      <p:nvGrpSpPr>
+        <p:cNvPr id="1" name=""/>
+        <p:cNvGrpSpPr/>
+        <p:nvPr/>
+      </p:nvGrpSpPr>
+      <p:grpSpPr>
+        <a:xfrm>
+          <a:off x="0" y="0"/>
+          <a:ext cx="0" cy="0"/>
+          <a:chOff x="0" y="0"/>
+          <a:chExt cx="0" cy="0"/>
+        </a:xfrm>
+      </p:grpSpPr>
+      <p:sp>
+        <p:nvSpPr>
+          <p:cNvPr id="11" name="矩形 10"/>
+          <p:cNvSpPr/>
+          <p:nvPr/>
+        </p:nvSpPr>
+        <p:spPr>
+          <a:xfrm>
+            <a:off x="373163" y="257824"/>
+            <a:ext cx="13473463" cy="891540"/>
+          </a:xfrm>
+          <a:prstGeom prst="rect">
+            <a:avLst/>
+          </a:prstGeom>
+        </p:spPr>
+        <p:txBody>
+          <a:bodyPr wrap="square">
+            <a:spAutoFit/>
+          </a:bodyPr>
+          <a:lstStyle/>
+          <a:p>
+            <a:pPr marL="508000" indent="-508000" defTabSz="1625600">
+              <a:lnSpc>
+                <a:spcPct val="130000"/>
+              </a:lnSpc>
+              <a:spcAft>
+                <a:spcPts val="1065"/>
+              </a:spcAft>
+              <a:buFont typeface="Wingdings" panose="05000000000000000000" pitchFamily="2" charset="2"/>
+              <a:buChar char="Ø"/>
+            </a:pPr>
+            <a:r>
+              <a:rPr lang="en-US" altLang="zh-CN" sz="4000" b="1" dirty="0">
+                <a:solidFill>
+                  <a:srgbClr val="002060"/>
+                </a:solidFill>
+                <a:latin typeface="微软雅黑" panose="020B0503020204020204" pitchFamily="34" charset="-122"/>
+                <a:ea typeface="微软雅黑" panose="020B0503020204020204" pitchFamily="34" charset="-122"/>
+              </a:rPr>
+              <a:t>4.</a:t>
+            </a:r>
+            <a:r>
+              <a:rPr lang="zh-CN" altLang="en-US" sz="4000" b="1" dirty="0">
+                <a:solidFill>
+                  <a:srgbClr val="002060"/>
+                </a:solidFill>
+                <a:latin typeface="微软雅黑" panose="020B0503020204020204" pitchFamily="34" charset="-122"/>
+                <a:ea typeface="微软雅黑" panose="020B0503020204020204" pitchFamily="34" charset="-122"/>
+              </a:rPr>
+              <a:t>理论学习</a:t>
+            </a:r>
+            <a:r>
+              <a:rPr lang="en-US" altLang="zh-CN" sz="4000" b="1" dirty="0">
+                <a:solidFill>
+                  <a:srgbClr val="002060"/>
+                </a:solidFill>
+                <a:latin typeface="微软雅黑" panose="020B0503020204020204" pitchFamily="34" charset="-122"/>
+                <a:ea typeface="微软雅黑" panose="020B0503020204020204" pitchFamily="34" charset="-122"/>
+              </a:rPr>
+              <a:t>——</a:t>
+            </a:r>
+            <a:r>
+              <a:rPr lang="zh-CN" altLang="en-US" sz="4000" b="1" dirty="0">
+                <a:solidFill>
+                  <a:srgbClr val="002060"/>
+                </a:solidFill>
+                <a:latin typeface="微软雅黑" panose="020B0503020204020204" pitchFamily="34" charset="-122"/>
+                <a:ea typeface="微软雅黑" panose="020B0503020204020204" pitchFamily="34" charset="-122"/>
+              </a:rPr>
+              <a:t>学习数字图像处理的相关知识</a:t>
+            </a:r>
+            <a:endParaRPr lang="zh-CN" altLang="en-US" sz="4000" b="1" dirty="0">
+              <a:solidFill>
+                <a:srgbClr val="002060"/>
+              </a:solidFill>
+              <a:latin typeface="微软雅黑" panose="020B0503020204020204" pitchFamily="34" charset="-122"/>
+              <a:ea typeface="微软雅黑" panose="020B0503020204020204" pitchFamily="34" charset="-122"/>
+            </a:endParaRPr>
+          </a:p>
+        </p:txBody>
+      </p:sp>
+      <p:sp>
+        <p:nvSpPr>
+          <p:cNvPr id="14" name="文本框 13"/>
+          <p:cNvSpPr txBox="1"/>
+          <p:nvPr/>
+        </p:nvSpPr>
+        <p:spPr>
+          <a:xfrm>
+            <a:off x="16521430" y="4758055"/>
+            <a:ext cx="4130040" cy="3476625"/>
+          </a:xfrm>
+          <a:prstGeom prst="rect">
+            <a:avLst/>
+          </a:prstGeom>
+          <a:noFill/>
+        </p:spPr>
+        <p:txBody>
+          <a:bodyPr wrap="square">
+            <a:spAutoFit/>
+          </a:bodyPr>
+          <a:lstStyle/>
+          <a:p>
+            <a:r>
+              <a:rPr lang="en-US" altLang="zh-CN" sz="4400" b="1" dirty="0">
+                <a:latin typeface="Novecento wide Bold" panose="00000805000000000000" charset="0"/>
+              </a:rPr>
+              <a:t>	 </a:t>
+            </a:r>
+            <a:r>
+              <a:rPr lang="zh-CN" altLang="en-US" sz="4400" b="1" dirty="0">
+                <a:latin typeface="Novecento wide Bold" panose="00000805000000000000" charset="0"/>
+              </a:rPr>
+              <a:t>学习了数字图像处理的相关理论知识。为后期科研工作</a:t>
+            </a:r>
+            <a:r>
+              <a:rPr lang="zh-CN" altLang="en-US" sz="4400" b="1" dirty="0">
+                <a:latin typeface="Novecento wide Bold" panose="00000805000000000000" charset="0"/>
+              </a:rPr>
+              <a:t>打下基础。</a:t>
+            </a:r>
+            <a:endParaRPr lang="zh-CN" altLang="en-US" sz="4400" b="1" dirty="0">
+              <a:latin typeface="Novecento wide Bold" panose="00000805000000000000" charset="0"/>
+            </a:endParaRPr>
+          </a:p>
+        </p:txBody>
+      </p:sp>
+      <p:grpSp>
+        <p:nvGrpSpPr>
+          <p:cNvPr id="6" name="组合 5"/>
+          <p:cNvGrpSpPr/>
+          <p:nvPr/>
+        </p:nvGrpSpPr>
+        <p:grpSpPr>
+          <a:xfrm>
+            <a:off x="736600" y="1266825"/>
+            <a:ext cx="14763750" cy="10648950"/>
+            <a:chOff x="1277" y="1993"/>
+            <a:chExt cx="21014" cy="15836"/>
+          </a:xfrm>
+        </p:grpSpPr>
+        <p:pic>
+          <p:nvPicPr>
+            <p:cNvPr id="2" name="图片 1" descr="@KP~3C20J[70VPDEG3J@VBU_tmb"/>
+            <p:cNvPicPr>
+              <a:picLocks noChangeAspect="1"/>
+            </p:cNvPicPr>
+            <p:nvPr/>
+          </p:nvPicPr>
+          <p:blipFill>
+            <a:blip r:embed="rId1"/>
+            <a:stretch>
+              <a:fillRect/>
+            </a:stretch>
+          </p:blipFill>
+          <p:spPr>
+            <a:xfrm>
+              <a:off x="1277" y="1993"/>
+              <a:ext cx="10258" cy="7694"/>
+            </a:xfrm>
+            <a:prstGeom prst="rect">
+              <a:avLst/>
+            </a:prstGeom>
+          </p:spPr>
+        </p:pic>
+        <p:pic>
+          <p:nvPicPr>
+            <p:cNvPr id="3" name="图片 2" descr="~S6CSIG(J`T)4_1E{2]LM6F_tmb"/>
+            <p:cNvPicPr>
+              <a:picLocks noChangeAspect="1"/>
+            </p:cNvPicPr>
+            <p:nvPr/>
+          </p:nvPicPr>
+          <p:blipFill>
+            <a:blip r:embed="rId2"/>
+            <a:stretch>
+              <a:fillRect/>
+            </a:stretch>
+          </p:blipFill>
+          <p:spPr>
+            <a:xfrm>
+              <a:off x="12037" y="1993"/>
+              <a:ext cx="10255" cy="7693"/>
+            </a:xfrm>
+            <a:prstGeom prst="rect">
+              <a:avLst/>
+            </a:prstGeom>
+          </p:spPr>
+        </p:pic>
+        <p:pic>
+          <p:nvPicPr>
+            <p:cNvPr id="4" name="图片 3" descr="MG0$D9[{I%F$UCJ{V%C3`8I_tmb"/>
+            <p:cNvPicPr>
+              <a:picLocks noChangeAspect="1"/>
+            </p:cNvPicPr>
+            <p:nvPr/>
+          </p:nvPicPr>
+          <p:blipFill>
+            <a:blip r:embed="rId3"/>
+            <a:stretch>
+              <a:fillRect/>
+            </a:stretch>
+          </p:blipFill>
+          <p:spPr>
+            <a:xfrm>
+              <a:off x="1277" y="10137"/>
+              <a:ext cx="10237" cy="7679"/>
+            </a:xfrm>
+            <a:prstGeom prst="rect">
+              <a:avLst/>
+            </a:prstGeom>
+          </p:spPr>
+        </p:pic>
+        <p:pic>
+          <p:nvPicPr>
+            <p:cNvPr id="5" name="图片 4" descr="FW2QXQ8$9WS~P%40[{Z`$6C_tmb"/>
+            <p:cNvPicPr>
+              <a:picLocks noChangeAspect="1"/>
+            </p:cNvPicPr>
+            <p:nvPr/>
+          </p:nvPicPr>
+          <p:blipFill>
+            <a:blip r:embed="rId4"/>
+            <a:stretch>
+              <a:fillRect/>
+            </a:stretch>
+          </p:blipFill>
+          <p:spPr>
+            <a:xfrm>
+              <a:off x="12037" y="10137"/>
+              <a:ext cx="10255" cy="7692"/>
+            </a:xfrm>
+            <a:prstGeom prst="rect">
+              <a:avLst/>
+            </a:prstGeom>
+          </p:spPr>
+        </p:pic>
+      </p:grpSp>
+    </p:spTree>
+    <p:custDataLst>
+      <p:tags r:id="rId5"/>
+    </p:custDataLst>
+  </p:cSld>
+  <p:clrMapOvr>
+    <a:masterClrMapping/>
+  </p:clrMapOvr>
+</p:sld>
+</file>
+
 <file path=ppt/tags/tag1.xml><?xml version="1.0" encoding="utf-8"?>
-<p:tagLst xmlns:a="http://schemas.openxmlformats.org/drawingml/2006/main" xmlns:r="http://schemas.openxmlformats.org/officeDocument/2006/relationships" xmlns:p="http://schemas.openxmlformats.org/presentationml/2006/main">
+<p:tagLst xmlns:p="http://schemas.openxmlformats.org/presentationml/2006/main">
   <p:tag name="KSO_WM_TEMPLATE_CATEGORY" val="preset"/>
   <p:tag name="KSO_WM_TEMPLATE_INDEX" val="11"/>
   <p:tag name="KSO_WM_TAG_VERSION" val="1.0"/>
@@ -7135,7 +7640,7 @@
 </file>
 
 <file path=ppt/tags/tag2.xml><?xml version="1.0" encoding="utf-8"?>
-<p:tagLst xmlns:a="http://schemas.openxmlformats.org/drawingml/2006/main" xmlns:r="http://schemas.openxmlformats.org/officeDocument/2006/relationships" xmlns:p="http://schemas.openxmlformats.org/presentationml/2006/main">
+<p:tagLst xmlns:p="http://schemas.openxmlformats.org/presentationml/2006/main">
   <p:tag name="KSO_WM_TEMPLATE_CATEGORY" val="preset"/>
   <p:tag name="KSO_WM_TEMPLATE_INDEX" val="11"/>
   <p:tag name="KSO_WM_TAG_VERSION" val="1.0"/>
@@ -7150,7 +7655,7 @@
 </file>
 
 <file path=ppt/tags/tag3.xml><?xml version="1.0" encoding="utf-8"?>
-<p:tagLst xmlns:a="http://schemas.openxmlformats.org/drawingml/2006/main" xmlns:r="http://schemas.openxmlformats.org/officeDocument/2006/relationships" xmlns:p="http://schemas.openxmlformats.org/presentationml/2006/main">
+<p:tagLst xmlns:p="http://schemas.openxmlformats.org/presentationml/2006/main">
   <p:tag name="KSO_WM_TEMPLATE_CATEGORY" val="preset"/>
   <p:tag name="KSO_WM_TEMPLATE_INDEX" val="11"/>
   <p:tag name="KSO_WM_TAG_VERSION" val="1.0"/>
@@ -7165,7 +7670,22 @@
 </file>
 
 <file path=ppt/tags/tag4.xml><?xml version="1.0" encoding="utf-8"?>
-<p:tagLst xmlns:a="http://schemas.openxmlformats.org/drawingml/2006/main" xmlns:r="http://schemas.openxmlformats.org/officeDocument/2006/relationships" xmlns:p="http://schemas.openxmlformats.org/presentationml/2006/main">
+<p:tagLst xmlns:p="http://schemas.openxmlformats.org/presentationml/2006/main">
+  <p:tag name="KSO_WM_TEMPLATE_CATEGORY" val="preset"/>
+  <p:tag name="KSO_WM_TEMPLATE_INDEX" val="11"/>
+  <p:tag name="KSO_WM_TAG_VERSION" val="1.0"/>
+  <p:tag name="KSO_WM_SLIDE_ID" val="256"/>
+  <p:tag name="KSO_WM_SLIDE_INDEX" val="1"/>
+  <p:tag name="KSO_WM_SLIDE_ITEM_CNT" val="2"/>
+  <p:tag name="KSO_WM_SLIDE_LAYOUT" val="a_b"/>
+  <p:tag name="KSO_WM_SLIDE_LAYOUT_CNT" val="1_1"/>
+  <p:tag name="KSO_WM_SLIDE_TYPE" val="title"/>
+  <p:tag name="KSO_WM_BEAUTIFY_FLAG" val="#wm#"/>
+</p:tagLst>
+</file>
+
+<file path=ppt/tags/tag5.xml><?xml version="1.0" encoding="utf-8"?>
+<p:tagLst xmlns:p="http://schemas.openxmlformats.org/presentationml/2006/main">
   <p:tag name="KSO_WM_TEMPLATE_CATEGORY" val="preset"/>
   <p:tag name="KSO_WM_TEMPLATE_INDEX" val="11"/>
   <p:tag name="KSO_WM_TAG_VERSION" val="1.0"/>
@@ -7430,8 +7950,6 @@
       </a:bgFillStyleLst>
     </a:fmtScheme>
   </a:themeElements>
-  <a:objectDefaults/>
-  <a:extraClrSchemeLst/>
   <a:extLst>
     <a:ext uri="{05A4C25C-085E-4340-85A3-A5531E510DB2}">
       <thm15:themeFamily xmlns:thm15="http://schemas.microsoft.com/office/thememl/2012/main" name="Office Theme" id="{62F939B6-93AF-4DB8-9C6B-D6C7DFDC589F}" vid="{4A3C46E8-61CC-4603-A589-7422A47A8E4A}"/>
@@ -7691,8 +8209,6 @@
       </a:bgFillStyleLst>
     </a:fmtScheme>
   </a:themeElements>
-  <a:objectDefaults/>
-  <a:extraClrSchemeLst/>
   <a:extLst>
     <a:ext uri="{05A4C25C-085E-4340-85A3-A5531E510DB2}">
       <thm15:themeFamily xmlns:thm15="http://schemas.microsoft.com/office/thememl/2012/main" name="Office Theme" id="{62F939B6-93AF-4DB8-9C6B-D6C7DFDC589F}" vid="{4A3C46E8-61CC-4603-A589-7422A47A8E4A}"/>
@@ -7952,8 +8468,6 @@
       </a:bgFillStyleLst>
     </a:fmtScheme>
   </a:themeElements>
-  <a:objectDefaults/>
-  <a:extraClrSchemeLst/>
   <a:extLst>
     <a:ext uri="{05A4C25C-085E-4340-85A3-A5531E510DB2}">
       <thm15:themeFamily xmlns:thm15="http://schemas.microsoft.com/office/thememl/2012/main" name="Office Theme" id="{62F939B6-93AF-4DB8-9C6B-D6C7DFDC589F}" vid="{4A3C46E8-61CC-4603-A589-7422A47A8E4A}"/>

--- a/2024年/周报20240329.pptx
+++ b/2024年/周报20240329.pptx
@@ -3,19 +3,19 @@
 <p:presentation xmlns:a="http://schemas.openxmlformats.org/drawingml/2006/main" xmlns:r="http://schemas.openxmlformats.org/officeDocument/2006/relationships" xmlns:p="http://schemas.openxmlformats.org/presentationml/2006/main">
   <p:sldMasterIdLst>
     <p:sldMasterId id="2147483648" r:id="rId1"/>
-    <p:sldMasterId id="2147483660" r:id="rId3"/>
+    <p:sldMasterId id="2147483660" r:id="rId2"/>
   </p:sldMasterIdLst>
   <p:notesMasterIdLst>
-    <p:notesMasterId r:id="rId6"/>
+    <p:notesMasterId r:id="rId8"/>
   </p:notesMasterIdLst>
   <p:sldIdLst>
-    <p:sldId id="256" r:id="rId4"/>
-    <p:sldId id="298" r:id="rId5"/>
-    <p:sldId id="303" r:id="rId7"/>
-    <p:sldId id="294" r:id="rId8"/>
-    <p:sldId id="301" r:id="rId9"/>
+    <p:sldId id="256" r:id="rId3"/>
+    <p:sldId id="298" r:id="rId4"/>
+    <p:sldId id="294" r:id="rId5"/>
+    <p:sldId id="303" r:id="rId6"/>
+    <p:sldId id="301" r:id="rId7"/>
   </p:sldIdLst>
-  <p:sldSz cx="21673820" cy="12192000"/>
+  <p:sldSz cx="21674138" cy="12192000"/>
   <p:notesSz cx="6858000" cy="9144000"/>
   <p:defaultTextStyle>
     <a:defPPr>
@@ -112,6 +112,11 @@
       </a:defRPr>
     </a:lvl9pPr>
   </p:defaultTextStyle>
+  <p:extLst>
+    <p:ext uri="{EFAFB233-063F-42B5-8137-9DF3F51BA10A}">
+      <p15:sldGuideLst xmlns:p15="http://schemas.microsoft.com/office/powerpoint/2012/main"/>
+    </p:ext>
+  </p:extLst>
 </p:presentation>
 </file>
 
@@ -197,6 +202,7 @@
           <a:p>
             <a:fld id="{92A886A3-F3BF-43BF-98DA-550FC405FF30}" type="datetimeFigureOut">
               <a:rPr lang="zh-CN" altLang="en-US" smtClean="0"/>
+              <a:t>2024/3/26</a:t>
             </a:fld>
             <a:endParaRPr lang="zh-CN" altLang="en-US"/>
           </a:p>
@@ -263,7 +269,6 @@
               <a:rPr lang="zh-CN" altLang="en-US"/>
               <a:t>编辑母版文本样式</a:t>
             </a:r>
-            <a:endParaRPr lang="zh-CN" altLang="en-US"/>
           </a:p>
           <a:p>
             <a:pPr lvl="1"/>
@@ -271,7 +276,6 @@
               <a:rPr lang="zh-CN" altLang="en-US"/>
               <a:t>第二级</a:t>
             </a:r>
-            <a:endParaRPr lang="zh-CN" altLang="en-US"/>
           </a:p>
           <a:p>
             <a:pPr lvl="2"/>
@@ -279,7 +283,6 @@
               <a:rPr lang="zh-CN" altLang="en-US"/>
               <a:t>第三级</a:t>
             </a:r>
-            <a:endParaRPr lang="zh-CN" altLang="en-US"/>
           </a:p>
           <a:p>
             <a:pPr lvl="3"/>
@@ -287,7 +290,6 @@
               <a:rPr lang="zh-CN" altLang="en-US"/>
               <a:t>第四级</a:t>
             </a:r>
-            <a:endParaRPr lang="zh-CN" altLang="en-US"/>
           </a:p>
           <a:p>
             <a:pPr lvl="4"/>
@@ -295,7 +297,6 @@
               <a:rPr lang="zh-CN" altLang="en-US"/>
               <a:t>第五级</a:t>
             </a:r>
-            <a:endParaRPr lang="zh-CN" altLang="en-US"/>
           </a:p>
         </p:txBody>
       </p:sp>
@@ -359,6 +360,7 @@
           <a:p>
             <a:fld id="{20243972-8437-4FFD-A994-054600F4BB13}" type="slidenum">
               <a:rPr lang="zh-CN" altLang="en-US" smtClean="0"/>
+              <a:t>‹#›</a:t>
             </a:fld>
             <a:endParaRPr lang="zh-CN" altLang="en-US"/>
           </a:p>
@@ -527,6 +529,7 @@
           <a:p>
             <a:fld id="{20243972-8437-4FFD-A994-054600F4BB13}" type="slidenum">
               <a:rPr lang="zh-CN" altLang="en-US" smtClean="0"/>
+              <a:t>2</a:t>
             </a:fld>
             <a:endParaRPr lang="zh-CN" altLang="en-US"/>
           </a:p>
@@ -605,6 +608,7 @@
           <a:p>
             <a:fld id="{20243972-8437-4FFD-A994-054600F4BB13}" type="slidenum">
               <a:rPr lang="zh-CN" altLang="en-US" smtClean="0"/>
+              <a:t>3</a:t>
             </a:fld>
             <a:endParaRPr lang="zh-CN" altLang="en-US"/>
           </a:p>
@@ -683,6 +687,7 @@
           <a:p>
             <a:fld id="{20243972-8437-4FFD-A994-054600F4BB13}" type="slidenum">
               <a:rPr lang="zh-CN" altLang="en-US" smtClean="0"/>
+              <a:t>4</a:t>
             </a:fld>
             <a:endParaRPr lang="zh-CN" altLang="en-US"/>
           </a:p>
@@ -761,6 +766,7 @@
           <a:p>
             <a:fld id="{20243972-8437-4FFD-A994-054600F4BB13}" type="slidenum">
               <a:rPr lang="zh-CN" altLang="en-US" smtClean="0"/>
+              <a:t>5</a:t>
             </a:fld>
             <a:endParaRPr lang="zh-CN" altLang="en-US"/>
           </a:p>
@@ -819,7 +825,6 @@
               <a:rPr lang="zh-CN" altLang="en-US"/>
               <a:t>单击此处编辑母版标题样式</a:t>
             </a:r>
-            <a:endParaRPr lang="zh-CN" altLang="en-US"/>
           </a:p>
         </p:txBody>
       </p:sp>
@@ -884,7 +889,6 @@
               <a:rPr lang="zh-CN" altLang="en-US"/>
               <a:t>单击此处编辑母版副标题样式</a:t>
             </a:r>
-            <a:endParaRPr lang="zh-CN" altLang="en-US"/>
           </a:p>
         </p:txBody>
       </p:sp>
@@ -905,6 +909,7 @@
           <a:p>
             <a:fld id="{A94AD69E-FE2F-4EDF-9961-DCA2A010D4E8}" type="datetimeFigureOut">
               <a:rPr lang="zh-CN" altLang="en-US" smtClean="0"/>
+              <a:t>2024/3/26</a:t>
             </a:fld>
             <a:endParaRPr lang="zh-CN" altLang="en-US"/>
           </a:p>
@@ -946,6 +951,7 @@
           <a:p>
             <a:fld id="{D136606D-2876-4B42-B906-0F01D489F363}" type="slidenum">
               <a:rPr lang="zh-CN" altLang="en-US" smtClean="0"/>
+              <a:t>‹#›</a:t>
             </a:fld>
             <a:endParaRPr lang="zh-CN" altLang="en-US"/>
           </a:p>
@@ -995,7 +1001,6 @@
               <a:rPr lang="zh-CN" altLang="en-US"/>
               <a:t>单击此处编辑母版标题样式</a:t>
             </a:r>
-            <a:endParaRPr lang="zh-CN" altLang="en-US"/>
           </a:p>
         </p:txBody>
       </p:sp>
@@ -1019,7 +1024,6 @@
               <a:rPr lang="zh-CN" altLang="en-US"/>
               <a:t>编辑母版文本样式</a:t>
             </a:r>
-            <a:endParaRPr lang="zh-CN" altLang="en-US"/>
           </a:p>
           <a:p>
             <a:pPr lvl="1"/>
@@ -1027,7 +1031,6 @@
               <a:rPr lang="zh-CN" altLang="en-US"/>
               <a:t>第二级</a:t>
             </a:r>
-            <a:endParaRPr lang="zh-CN" altLang="en-US"/>
           </a:p>
           <a:p>
             <a:pPr lvl="2"/>
@@ -1035,7 +1038,6 @@
               <a:rPr lang="zh-CN" altLang="en-US"/>
               <a:t>第三级</a:t>
             </a:r>
-            <a:endParaRPr lang="zh-CN" altLang="en-US"/>
           </a:p>
           <a:p>
             <a:pPr lvl="3"/>
@@ -1043,7 +1045,6 @@
               <a:rPr lang="zh-CN" altLang="en-US"/>
               <a:t>第四级</a:t>
             </a:r>
-            <a:endParaRPr lang="zh-CN" altLang="en-US"/>
           </a:p>
           <a:p>
             <a:pPr lvl="4"/>
@@ -1051,7 +1052,6 @@
               <a:rPr lang="zh-CN" altLang="en-US"/>
               <a:t>第五级</a:t>
             </a:r>
-            <a:endParaRPr lang="zh-CN" altLang="en-US"/>
           </a:p>
         </p:txBody>
       </p:sp>
@@ -1072,6 +1072,7 @@
           <a:p>
             <a:fld id="{A94AD69E-FE2F-4EDF-9961-DCA2A010D4E8}" type="datetimeFigureOut">
               <a:rPr lang="zh-CN" altLang="en-US" smtClean="0"/>
+              <a:t>2024/3/26</a:t>
             </a:fld>
             <a:endParaRPr lang="zh-CN" altLang="en-US"/>
           </a:p>
@@ -1113,6 +1114,7 @@
           <a:p>
             <a:fld id="{D136606D-2876-4B42-B906-0F01D489F363}" type="slidenum">
               <a:rPr lang="zh-CN" altLang="en-US" smtClean="0"/>
+              <a:t>‹#›</a:t>
             </a:fld>
             <a:endParaRPr lang="zh-CN" altLang="en-US"/>
           </a:p>
@@ -1167,7 +1169,6 @@
               <a:rPr lang="zh-CN" altLang="en-US"/>
               <a:t>单击此处编辑母版标题样式</a:t>
             </a:r>
-            <a:endParaRPr lang="zh-CN" altLang="en-US"/>
           </a:p>
         </p:txBody>
       </p:sp>
@@ -1196,7 +1197,6 @@
               <a:rPr lang="zh-CN" altLang="en-US"/>
               <a:t>编辑母版文本样式</a:t>
             </a:r>
-            <a:endParaRPr lang="zh-CN" altLang="en-US"/>
           </a:p>
           <a:p>
             <a:pPr lvl="1"/>
@@ -1204,7 +1204,6 @@
               <a:rPr lang="zh-CN" altLang="en-US"/>
               <a:t>第二级</a:t>
             </a:r>
-            <a:endParaRPr lang="zh-CN" altLang="en-US"/>
           </a:p>
           <a:p>
             <a:pPr lvl="2"/>
@@ -1212,7 +1211,6 @@
               <a:rPr lang="zh-CN" altLang="en-US"/>
               <a:t>第三级</a:t>
             </a:r>
-            <a:endParaRPr lang="zh-CN" altLang="en-US"/>
           </a:p>
           <a:p>
             <a:pPr lvl="3"/>
@@ -1220,7 +1218,6 @@
               <a:rPr lang="zh-CN" altLang="en-US"/>
               <a:t>第四级</a:t>
             </a:r>
-            <a:endParaRPr lang="zh-CN" altLang="en-US"/>
           </a:p>
           <a:p>
             <a:pPr lvl="4"/>
@@ -1228,7 +1225,6 @@
               <a:rPr lang="zh-CN" altLang="en-US"/>
               <a:t>第五级</a:t>
             </a:r>
-            <a:endParaRPr lang="zh-CN" altLang="en-US"/>
           </a:p>
         </p:txBody>
       </p:sp>
@@ -1249,6 +1245,7 @@
           <a:p>
             <a:fld id="{A94AD69E-FE2F-4EDF-9961-DCA2A010D4E8}" type="datetimeFigureOut">
               <a:rPr lang="zh-CN" altLang="en-US" smtClean="0"/>
+              <a:t>2024/3/26</a:t>
             </a:fld>
             <a:endParaRPr lang="zh-CN" altLang="en-US"/>
           </a:p>
@@ -1290,6 +1287,7 @@
           <a:p>
             <a:fld id="{D136606D-2876-4B42-B906-0F01D489F363}" type="slidenum">
               <a:rPr lang="zh-CN" altLang="en-US" smtClean="0"/>
+              <a:t>‹#›</a:t>
             </a:fld>
             <a:endParaRPr lang="zh-CN" altLang="en-US"/>
           </a:p>
@@ -1348,7 +1346,6 @@
               <a:rPr lang="zh-CN" altLang="en-US"/>
               <a:t>单击此处编辑母版标题样式</a:t>
             </a:r>
-            <a:endParaRPr lang="zh-CN" altLang="en-US"/>
           </a:p>
         </p:txBody>
       </p:sp>
@@ -1413,7 +1410,6 @@
               <a:rPr lang="zh-CN" altLang="en-US"/>
               <a:t>单击此处编辑母版副标题样式</a:t>
             </a:r>
-            <a:endParaRPr lang="zh-CN" altLang="en-US"/>
           </a:p>
         </p:txBody>
       </p:sp>
@@ -1434,6 +1430,7 @@
           <a:p>
             <a:fld id="{A94AD69E-FE2F-4EDF-9961-DCA2A010D4E8}" type="datetimeFigureOut">
               <a:rPr lang="zh-CN" altLang="en-US" smtClean="0"/>
+              <a:t>2024/3/26</a:t>
             </a:fld>
             <a:endParaRPr lang="zh-CN" altLang="en-US"/>
           </a:p>
@@ -1475,6 +1472,7 @@
           <a:p>
             <a:fld id="{D136606D-2876-4B42-B906-0F01D489F363}" type="slidenum">
               <a:rPr lang="zh-CN" altLang="en-US" smtClean="0"/>
+              <a:t>‹#›</a:t>
             </a:fld>
             <a:endParaRPr lang="zh-CN" altLang="en-US"/>
           </a:p>
@@ -1524,7 +1522,6 @@
               <a:rPr lang="zh-CN" altLang="en-US"/>
               <a:t>单击此处编辑母版标题样式</a:t>
             </a:r>
-            <a:endParaRPr lang="zh-CN" altLang="en-US"/>
           </a:p>
         </p:txBody>
       </p:sp>
@@ -1548,7 +1545,6 @@
               <a:rPr lang="zh-CN" altLang="en-US"/>
               <a:t>编辑母版文本样式</a:t>
             </a:r>
-            <a:endParaRPr lang="zh-CN" altLang="en-US"/>
           </a:p>
           <a:p>
             <a:pPr lvl="1"/>
@@ -1556,7 +1552,6 @@
               <a:rPr lang="zh-CN" altLang="en-US"/>
               <a:t>第二级</a:t>
             </a:r>
-            <a:endParaRPr lang="zh-CN" altLang="en-US"/>
           </a:p>
           <a:p>
             <a:pPr lvl="2"/>
@@ -1564,7 +1559,6 @@
               <a:rPr lang="zh-CN" altLang="en-US"/>
               <a:t>第三级</a:t>
             </a:r>
-            <a:endParaRPr lang="zh-CN" altLang="en-US"/>
           </a:p>
           <a:p>
             <a:pPr lvl="3"/>
@@ -1572,7 +1566,6 @@
               <a:rPr lang="zh-CN" altLang="en-US"/>
               <a:t>第四级</a:t>
             </a:r>
-            <a:endParaRPr lang="zh-CN" altLang="en-US"/>
           </a:p>
           <a:p>
             <a:pPr lvl="4"/>
@@ -1580,7 +1573,6 @@
               <a:rPr lang="zh-CN" altLang="en-US"/>
               <a:t>第五级</a:t>
             </a:r>
-            <a:endParaRPr lang="zh-CN" altLang="en-US"/>
           </a:p>
         </p:txBody>
       </p:sp>
@@ -1601,6 +1593,7 @@
           <a:p>
             <a:fld id="{A94AD69E-FE2F-4EDF-9961-DCA2A010D4E8}" type="datetimeFigureOut">
               <a:rPr lang="zh-CN" altLang="en-US" smtClean="0"/>
+              <a:t>2024/3/26</a:t>
             </a:fld>
             <a:endParaRPr lang="zh-CN" altLang="en-US"/>
           </a:p>
@@ -1642,6 +1635,7 @@
           <a:p>
             <a:fld id="{D136606D-2876-4B42-B906-0F01D489F363}" type="slidenum">
               <a:rPr lang="zh-CN" altLang="en-US" smtClean="0"/>
+              <a:t>‹#›</a:t>
             </a:fld>
             <a:endParaRPr lang="zh-CN" altLang="en-US"/>
           </a:p>
@@ -1700,7 +1694,6 @@
               <a:rPr lang="zh-CN" altLang="en-US"/>
               <a:t>单击此处编辑母版标题样式</a:t>
             </a:r>
-            <a:endParaRPr lang="zh-CN" altLang="en-US"/>
           </a:p>
         </p:txBody>
       </p:sp>
@@ -1820,7 +1813,6 @@
               <a:rPr lang="zh-CN" altLang="en-US"/>
               <a:t>编辑母版文本样式</a:t>
             </a:r>
-            <a:endParaRPr lang="zh-CN" altLang="en-US"/>
           </a:p>
         </p:txBody>
       </p:sp>
@@ -1841,6 +1833,7 @@
           <a:p>
             <a:fld id="{A94AD69E-FE2F-4EDF-9961-DCA2A010D4E8}" type="datetimeFigureOut">
               <a:rPr lang="zh-CN" altLang="en-US" smtClean="0"/>
+              <a:t>2024/3/26</a:t>
             </a:fld>
             <a:endParaRPr lang="zh-CN" altLang="en-US"/>
           </a:p>
@@ -1882,6 +1875,7 @@
           <a:p>
             <a:fld id="{D136606D-2876-4B42-B906-0F01D489F363}" type="slidenum">
               <a:rPr lang="zh-CN" altLang="en-US" smtClean="0"/>
+              <a:t>‹#›</a:t>
             </a:fld>
             <a:endParaRPr lang="zh-CN" altLang="en-US"/>
           </a:p>
@@ -1931,7 +1925,6 @@
               <a:rPr lang="zh-CN" altLang="en-US"/>
               <a:t>单击此处编辑母版标题样式</a:t>
             </a:r>
-            <a:endParaRPr lang="zh-CN" altLang="en-US"/>
           </a:p>
         </p:txBody>
       </p:sp>
@@ -1960,7 +1953,6 @@
               <a:rPr lang="zh-CN" altLang="en-US"/>
               <a:t>编辑母版文本样式</a:t>
             </a:r>
-            <a:endParaRPr lang="zh-CN" altLang="en-US"/>
           </a:p>
           <a:p>
             <a:pPr lvl="1"/>
@@ -1968,7 +1960,6 @@
               <a:rPr lang="zh-CN" altLang="en-US"/>
               <a:t>第二级</a:t>
             </a:r>
-            <a:endParaRPr lang="zh-CN" altLang="en-US"/>
           </a:p>
           <a:p>
             <a:pPr lvl="2"/>
@@ -1976,7 +1967,6 @@
               <a:rPr lang="zh-CN" altLang="en-US"/>
               <a:t>第三级</a:t>
             </a:r>
-            <a:endParaRPr lang="zh-CN" altLang="en-US"/>
           </a:p>
           <a:p>
             <a:pPr lvl="3"/>
@@ -1984,7 +1974,6 @@
               <a:rPr lang="zh-CN" altLang="en-US"/>
               <a:t>第四级</a:t>
             </a:r>
-            <a:endParaRPr lang="zh-CN" altLang="en-US"/>
           </a:p>
           <a:p>
             <a:pPr lvl="4"/>
@@ -1992,7 +1981,6 @@
               <a:rPr lang="zh-CN" altLang="en-US"/>
               <a:t>第五级</a:t>
             </a:r>
-            <a:endParaRPr lang="zh-CN" altLang="en-US"/>
           </a:p>
         </p:txBody>
       </p:sp>
@@ -2021,7 +2009,6 @@
               <a:rPr lang="zh-CN" altLang="en-US"/>
               <a:t>编辑母版文本样式</a:t>
             </a:r>
-            <a:endParaRPr lang="zh-CN" altLang="en-US"/>
           </a:p>
           <a:p>
             <a:pPr lvl="1"/>
@@ -2029,7 +2016,6 @@
               <a:rPr lang="zh-CN" altLang="en-US"/>
               <a:t>第二级</a:t>
             </a:r>
-            <a:endParaRPr lang="zh-CN" altLang="en-US"/>
           </a:p>
           <a:p>
             <a:pPr lvl="2"/>
@@ -2037,7 +2023,6 @@
               <a:rPr lang="zh-CN" altLang="en-US"/>
               <a:t>第三级</a:t>
             </a:r>
-            <a:endParaRPr lang="zh-CN" altLang="en-US"/>
           </a:p>
           <a:p>
             <a:pPr lvl="3"/>
@@ -2045,7 +2030,6 @@
               <a:rPr lang="zh-CN" altLang="en-US"/>
               <a:t>第四级</a:t>
             </a:r>
-            <a:endParaRPr lang="zh-CN" altLang="en-US"/>
           </a:p>
           <a:p>
             <a:pPr lvl="4"/>
@@ -2053,7 +2037,6 @@
               <a:rPr lang="zh-CN" altLang="en-US"/>
               <a:t>第五级</a:t>
             </a:r>
-            <a:endParaRPr lang="zh-CN" altLang="en-US"/>
           </a:p>
         </p:txBody>
       </p:sp>
@@ -2074,6 +2057,7 @@
           <a:p>
             <a:fld id="{A94AD69E-FE2F-4EDF-9961-DCA2A010D4E8}" type="datetimeFigureOut">
               <a:rPr lang="zh-CN" altLang="en-US" smtClean="0"/>
+              <a:t>2024/3/26</a:t>
             </a:fld>
             <a:endParaRPr lang="zh-CN" altLang="en-US"/>
           </a:p>
@@ -2115,6 +2099,7 @@
           <a:p>
             <a:fld id="{D136606D-2876-4B42-B906-0F01D489F363}" type="slidenum">
               <a:rPr lang="zh-CN" altLang="en-US" smtClean="0"/>
+              <a:t>‹#›</a:t>
             </a:fld>
             <a:endParaRPr lang="zh-CN" altLang="en-US"/>
           </a:p>
@@ -2169,7 +2154,6 @@
               <a:rPr lang="zh-CN" altLang="en-US"/>
               <a:t>单击此处编辑母版标题样式</a:t>
             </a:r>
-            <a:endParaRPr lang="zh-CN" altLang="en-US"/>
           </a:p>
         </p:txBody>
       </p:sp>
@@ -2235,7 +2219,6 @@
               <a:rPr lang="zh-CN" altLang="en-US"/>
               <a:t>编辑母版文本样式</a:t>
             </a:r>
-            <a:endParaRPr lang="zh-CN" altLang="en-US"/>
           </a:p>
         </p:txBody>
       </p:sp>
@@ -2264,7 +2247,6 @@
               <a:rPr lang="zh-CN" altLang="en-US"/>
               <a:t>编辑母版文本样式</a:t>
             </a:r>
-            <a:endParaRPr lang="zh-CN" altLang="en-US"/>
           </a:p>
           <a:p>
             <a:pPr lvl="1"/>
@@ -2272,7 +2254,6 @@
               <a:rPr lang="zh-CN" altLang="en-US"/>
               <a:t>第二级</a:t>
             </a:r>
-            <a:endParaRPr lang="zh-CN" altLang="en-US"/>
           </a:p>
           <a:p>
             <a:pPr lvl="2"/>
@@ -2280,7 +2261,6 @@
               <a:rPr lang="zh-CN" altLang="en-US"/>
               <a:t>第三级</a:t>
             </a:r>
-            <a:endParaRPr lang="zh-CN" altLang="en-US"/>
           </a:p>
           <a:p>
             <a:pPr lvl="3"/>
@@ -2288,7 +2268,6 @@
               <a:rPr lang="zh-CN" altLang="en-US"/>
               <a:t>第四级</a:t>
             </a:r>
-            <a:endParaRPr lang="zh-CN" altLang="en-US"/>
           </a:p>
           <a:p>
             <a:pPr lvl="4"/>
@@ -2296,7 +2275,6 @@
               <a:rPr lang="zh-CN" altLang="en-US"/>
               <a:t>第五级</a:t>
             </a:r>
-            <a:endParaRPr lang="zh-CN" altLang="en-US"/>
           </a:p>
         </p:txBody>
       </p:sp>
@@ -2362,7 +2340,6 @@
               <a:rPr lang="zh-CN" altLang="en-US"/>
               <a:t>编辑母版文本样式</a:t>
             </a:r>
-            <a:endParaRPr lang="zh-CN" altLang="en-US"/>
           </a:p>
         </p:txBody>
       </p:sp>
@@ -2391,7 +2368,6 @@
               <a:rPr lang="zh-CN" altLang="en-US"/>
               <a:t>编辑母版文本样式</a:t>
             </a:r>
-            <a:endParaRPr lang="zh-CN" altLang="en-US"/>
           </a:p>
           <a:p>
             <a:pPr lvl="1"/>
@@ -2399,7 +2375,6 @@
               <a:rPr lang="zh-CN" altLang="en-US"/>
               <a:t>第二级</a:t>
             </a:r>
-            <a:endParaRPr lang="zh-CN" altLang="en-US"/>
           </a:p>
           <a:p>
             <a:pPr lvl="2"/>
@@ -2407,7 +2382,6 @@
               <a:rPr lang="zh-CN" altLang="en-US"/>
               <a:t>第三级</a:t>
             </a:r>
-            <a:endParaRPr lang="zh-CN" altLang="en-US"/>
           </a:p>
           <a:p>
             <a:pPr lvl="3"/>
@@ -2415,7 +2389,6 @@
               <a:rPr lang="zh-CN" altLang="en-US"/>
               <a:t>第四级</a:t>
             </a:r>
-            <a:endParaRPr lang="zh-CN" altLang="en-US"/>
           </a:p>
           <a:p>
             <a:pPr lvl="4"/>
@@ -2423,7 +2396,6 @@
               <a:rPr lang="zh-CN" altLang="en-US"/>
               <a:t>第五级</a:t>
             </a:r>
-            <a:endParaRPr lang="zh-CN" altLang="en-US"/>
           </a:p>
         </p:txBody>
       </p:sp>
@@ -2444,6 +2416,7 @@
           <a:p>
             <a:fld id="{A94AD69E-FE2F-4EDF-9961-DCA2A010D4E8}" type="datetimeFigureOut">
               <a:rPr lang="zh-CN" altLang="en-US" smtClean="0"/>
+              <a:t>2024/3/26</a:t>
             </a:fld>
             <a:endParaRPr lang="zh-CN" altLang="en-US"/>
           </a:p>
@@ -2485,6 +2458,7 @@
           <a:p>
             <a:fld id="{D136606D-2876-4B42-B906-0F01D489F363}" type="slidenum">
               <a:rPr lang="zh-CN" altLang="en-US" smtClean="0"/>
+              <a:t>‹#›</a:t>
             </a:fld>
             <a:endParaRPr lang="zh-CN" altLang="en-US"/>
           </a:p>
@@ -2534,7 +2508,6 @@
               <a:rPr lang="zh-CN" altLang="en-US"/>
               <a:t>单击此处编辑母版标题样式</a:t>
             </a:r>
-            <a:endParaRPr lang="zh-CN" altLang="en-US"/>
           </a:p>
         </p:txBody>
       </p:sp>
@@ -2555,6 +2528,7 @@
           <a:p>
             <a:fld id="{A94AD69E-FE2F-4EDF-9961-DCA2A010D4E8}" type="datetimeFigureOut">
               <a:rPr lang="zh-CN" altLang="en-US" smtClean="0"/>
+              <a:t>2024/3/26</a:t>
             </a:fld>
             <a:endParaRPr lang="zh-CN" altLang="en-US"/>
           </a:p>
@@ -2596,6 +2570,7 @@
           <a:p>
             <a:fld id="{D136606D-2876-4B42-B906-0F01D489F363}" type="slidenum">
               <a:rPr lang="zh-CN" altLang="en-US" smtClean="0"/>
+              <a:t>‹#›</a:t>
             </a:fld>
             <a:endParaRPr lang="zh-CN" altLang="en-US"/>
           </a:p>
@@ -2643,6 +2618,7 @@
           <a:p>
             <a:fld id="{A94AD69E-FE2F-4EDF-9961-DCA2A010D4E8}" type="datetimeFigureOut">
               <a:rPr lang="zh-CN" altLang="en-US" smtClean="0"/>
+              <a:t>2024/3/26</a:t>
             </a:fld>
             <a:endParaRPr lang="zh-CN" altLang="en-US"/>
           </a:p>
@@ -2684,6 +2660,7 @@
           <a:p>
             <a:fld id="{D136606D-2876-4B42-B906-0F01D489F363}" type="slidenum">
               <a:rPr lang="zh-CN" altLang="en-US" smtClean="0"/>
+              <a:t>‹#›</a:t>
             </a:fld>
             <a:endParaRPr lang="zh-CN" altLang="en-US"/>
           </a:p>
@@ -2742,7 +2719,6 @@
               <a:rPr lang="zh-CN" altLang="en-US"/>
               <a:t>单击此处编辑母版标题样式</a:t>
             </a:r>
-            <a:endParaRPr lang="zh-CN" altLang="en-US"/>
           </a:p>
         </p:txBody>
       </p:sp>
@@ -2799,7 +2775,6 @@
               <a:rPr lang="zh-CN" altLang="en-US"/>
               <a:t>编辑母版文本样式</a:t>
             </a:r>
-            <a:endParaRPr lang="zh-CN" altLang="en-US"/>
           </a:p>
           <a:p>
             <a:pPr lvl="1"/>
@@ -2807,7 +2782,6 @@
               <a:rPr lang="zh-CN" altLang="en-US"/>
               <a:t>第二级</a:t>
             </a:r>
-            <a:endParaRPr lang="zh-CN" altLang="en-US"/>
           </a:p>
           <a:p>
             <a:pPr lvl="2"/>
@@ -2815,7 +2789,6 @@
               <a:rPr lang="zh-CN" altLang="en-US"/>
               <a:t>第三级</a:t>
             </a:r>
-            <a:endParaRPr lang="zh-CN" altLang="en-US"/>
           </a:p>
           <a:p>
             <a:pPr lvl="3"/>
@@ -2823,7 +2796,6 @@
               <a:rPr lang="zh-CN" altLang="en-US"/>
               <a:t>第四级</a:t>
             </a:r>
-            <a:endParaRPr lang="zh-CN" altLang="en-US"/>
           </a:p>
           <a:p>
             <a:pPr lvl="4"/>
@@ -2831,7 +2803,6 @@
               <a:rPr lang="zh-CN" altLang="en-US"/>
               <a:t>第五级</a:t>
             </a:r>
-            <a:endParaRPr lang="zh-CN" altLang="en-US"/>
           </a:p>
         </p:txBody>
       </p:sp>
@@ -2897,7 +2868,6 @@
               <a:rPr lang="zh-CN" altLang="en-US"/>
               <a:t>编辑母版文本样式</a:t>
             </a:r>
-            <a:endParaRPr lang="zh-CN" altLang="en-US"/>
           </a:p>
         </p:txBody>
       </p:sp>
@@ -2918,6 +2888,7 @@
           <a:p>
             <a:fld id="{A94AD69E-FE2F-4EDF-9961-DCA2A010D4E8}" type="datetimeFigureOut">
               <a:rPr lang="zh-CN" altLang="en-US" smtClean="0"/>
+              <a:t>2024/3/26</a:t>
             </a:fld>
             <a:endParaRPr lang="zh-CN" altLang="en-US"/>
           </a:p>
@@ -2959,6 +2930,7 @@
           <a:p>
             <a:fld id="{D136606D-2876-4B42-B906-0F01D489F363}" type="slidenum">
               <a:rPr lang="zh-CN" altLang="en-US" smtClean="0"/>
+              <a:t>‹#›</a:t>
             </a:fld>
             <a:endParaRPr lang="zh-CN" altLang="en-US"/>
           </a:p>
@@ -3008,7 +2980,6 @@
               <a:rPr lang="zh-CN" altLang="en-US"/>
               <a:t>单击此处编辑母版标题样式</a:t>
             </a:r>
-            <a:endParaRPr lang="zh-CN" altLang="en-US"/>
           </a:p>
         </p:txBody>
       </p:sp>
@@ -3032,7 +3003,6 @@
               <a:rPr lang="zh-CN" altLang="en-US"/>
               <a:t>编辑母版文本样式</a:t>
             </a:r>
-            <a:endParaRPr lang="zh-CN" altLang="en-US"/>
           </a:p>
           <a:p>
             <a:pPr lvl="1"/>
@@ -3040,7 +3010,6 @@
               <a:rPr lang="zh-CN" altLang="en-US"/>
               <a:t>第二级</a:t>
             </a:r>
-            <a:endParaRPr lang="zh-CN" altLang="en-US"/>
           </a:p>
           <a:p>
             <a:pPr lvl="2"/>
@@ -3048,7 +3017,6 @@
               <a:rPr lang="zh-CN" altLang="en-US"/>
               <a:t>第三级</a:t>
             </a:r>
-            <a:endParaRPr lang="zh-CN" altLang="en-US"/>
           </a:p>
           <a:p>
             <a:pPr lvl="3"/>
@@ -3056,7 +3024,6 @@
               <a:rPr lang="zh-CN" altLang="en-US"/>
               <a:t>第四级</a:t>
             </a:r>
-            <a:endParaRPr lang="zh-CN" altLang="en-US"/>
           </a:p>
           <a:p>
             <a:pPr lvl="4"/>
@@ -3064,7 +3031,6 @@
               <a:rPr lang="zh-CN" altLang="en-US"/>
               <a:t>第五级</a:t>
             </a:r>
-            <a:endParaRPr lang="zh-CN" altLang="en-US"/>
           </a:p>
         </p:txBody>
       </p:sp>
@@ -3085,6 +3051,7 @@
           <a:p>
             <a:fld id="{A94AD69E-FE2F-4EDF-9961-DCA2A010D4E8}" type="datetimeFigureOut">
               <a:rPr lang="zh-CN" altLang="en-US" smtClean="0"/>
+              <a:t>2024/3/26</a:t>
             </a:fld>
             <a:endParaRPr lang="zh-CN" altLang="en-US"/>
           </a:p>
@@ -3126,6 +3093,7 @@
           <a:p>
             <a:fld id="{D136606D-2876-4B42-B906-0F01D489F363}" type="slidenum">
               <a:rPr lang="zh-CN" altLang="en-US" smtClean="0"/>
+              <a:t>‹#›</a:t>
             </a:fld>
             <a:endParaRPr lang="zh-CN" altLang="en-US"/>
           </a:p>
@@ -3184,7 +3152,6 @@
               <a:rPr lang="zh-CN" altLang="en-US"/>
               <a:t>单击此处编辑母版标题样式</a:t>
             </a:r>
-            <a:endParaRPr lang="zh-CN" altLang="en-US"/>
           </a:p>
         </p:txBody>
       </p:sp>
@@ -3311,7 +3278,6 @@
               <a:rPr lang="zh-CN" altLang="en-US"/>
               <a:t>编辑母版文本样式</a:t>
             </a:r>
-            <a:endParaRPr lang="zh-CN" altLang="en-US"/>
           </a:p>
         </p:txBody>
       </p:sp>
@@ -3332,6 +3298,7 @@
           <a:p>
             <a:fld id="{A94AD69E-FE2F-4EDF-9961-DCA2A010D4E8}" type="datetimeFigureOut">
               <a:rPr lang="zh-CN" altLang="en-US" smtClean="0"/>
+              <a:t>2024/3/26</a:t>
             </a:fld>
             <a:endParaRPr lang="zh-CN" altLang="en-US"/>
           </a:p>
@@ -3373,6 +3340,7 @@
           <a:p>
             <a:fld id="{D136606D-2876-4B42-B906-0F01D489F363}" type="slidenum">
               <a:rPr lang="zh-CN" altLang="en-US" smtClean="0"/>
+              <a:t>‹#›</a:t>
             </a:fld>
             <a:endParaRPr lang="zh-CN" altLang="en-US"/>
           </a:p>
@@ -3422,7 +3390,6 @@
               <a:rPr lang="zh-CN" altLang="en-US"/>
               <a:t>单击此处编辑母版标题样式</a:t>
             </a:r>
-            <a:endParaRPr lang="zh-CN" altLang="en-US"/>
           </a:p>
         </p:txBody>
       </p:sp>
@@ -3446,7 +3413,6 @@
               <a:rPr lang="zh-CN" altLang="en-US"/>
               <a:t>编辑母版文本样式</a:t>
             </a:r>
-            <a:endParaRPr lang="zh-CN" altLang="en-US"/>
           </a:p>
           <a:p>
             <a:pPr lvl="1"/>
@@ -3454,7 +3420,6 @@
               <a:rPr lang="zh-CN" altLang="en-US"/>
               <a:t>第二级</a:t>
             </a:r>
-            <a:endParaRPr lang="zh-CN" altLang="en-US"/>
           </a:p>
           <a:p>
             <a:pPr lvl="2"/>
@@ -3462,7 +3427,6 @@
               <a:rPr lang="zh-CN" altLang="en-US"/>
               <a:t>第三级</a:t>
             </a:r>
-            <a:endParaRPr lang="zh-CN" altLang="en-US"/>
           </a:p>
           <a:p>
             <a:pPr lvl="3"/>
@@ -3470,7 +3434,6 @@
               <a:rPr lang="zh-CN" altLang="en-US"/>
               <a:t>第四级</a:t>
             </a:r>
-            <a:endParaRPr lang="zh-CN" altLang="en-US"/>
           </a:p>
           <a:p>
             <a:pPr lvl="4"/>
@@ -3478,7 +3441,6 @@
               <a:rPr lang="zh-CN" altLang="en-US"/>
               <a:t>第五级</a:t>
             </a:r>
-            <a:endParaRPr lang="zh-CN" altLang="en-US"/>
           </a:p>
         </p:txBody>
       </p:sp>
@@ -3499,6 +3461,7 @@
           <a:p>
             <a:fld id="{A94AD69E-FE2F-4EDF-9961-DCA2A010D4E8}" type="datetimeFigureOut">
               <a:rPr lang="zh-CN" altLang="en-US" smtClean="0"/>
+              <a:t>2024/3/26</a:t>
             </a:fld>
             <a:endParaRPr lang="zh-CN" altLang="en-US"/>
           </a:p>
@@ -3540,6 +3503,7 @@
           <a:p>
             <a:fld id="{D136606D-2876-4B42-B906-0F01D489F363}" type="slidenum">
               <a:rPr lang="zh-CN" altLang="en-US" smtClean="0"/>
+              <a:t>‹#›</a:t>
             </a:fld>
             <a:endParaRPr lang="zh-CN" altLang="en-US"/>
           </a:p>
@@ -3594,7 +3558,6 @@
               <a:rPr lang="zh-CN" altLang="en-US"/>
               <a:t>单击此处编辑母版标题样式</a:t>
             </a:r>
-            <a:endParaRPr lang="zh-CN" altLang="en-US"/>
           </a:p>
         </p:txBody>
       </p:sp>
@@ -3623,7 +3586,6 @@
               <a:rPr lang="zh-CN" altLang="en-US"/>
               <a:t>编辑母版文本样式</a:t>
             </a:r>
-            <a:endParaRPr lang="zh-CN" altLang="en-US"/>
           </a:p>
           <a:p>
             <a:pPr lvl="1"/>
@@ -3631,7 +3593,6 @@
               <a:rPr lang="zh-CN" altLang="en-US"/>
               <a:t>第二级</a:t>
             </a:r>
-            <a:endParaRPr lang="zh-CN" altLang="en-US"/>
           </a:p>
           <a:p>
             <a:pPr lvl="2"/>
@@ -3639,7 +3600,6 @@
               <a:rPr lang="zh-CN" altLang="en-US"/>
               <a:t>第三级</a:t>
             </a:r>
-            <a:endParaRPr lang="zh-CN" altLang="en-US"/>
           </a:p>
           <a:p>
             <a:pPr lvl="3"/>
@@ -3647,7 +3607,6 @@
               <a:rPr lang="zh-CN" altLang="en-US"/>
               <a:t>第四级</a:t>
             </a:r>
-            <a:endParaRPr lang="zh-CN" altLang="en-US"/>
           </a:p>
           <a:p>
             <a:pPr lvl="4"/>
@@ -3655,7 +3614,6 @@
               <a:rPr lang="zh-CN" altLang="en-US"/>
               <a:t>第五级</a:t>
             </a:r>
-            <a:endParaRPr lang="zh-CN" altLang="en-US"/>
           </a:p>
         </p:txBody>
       </p:sp>
@@ -3676,6 +3634,7 @@
           <a:p>
             <a:fld id="{A94AD69E-FE2F-4EDF-9961-DCA2A010D4E8}" type="datetimeFigureOut">
               <a:rPr lang="zh-CN" altLang="en-US" smtClean="0"/>
+              <a:t>2024/3/26</a:t>
             </a:fld>
             <a:endParaRPr lang="zh-CN" altLang="en-US"/>
           </a:p>
@@ -3717,6 +3676,7 @@
           <a:p>
             <a:fld id="{D136606D-2876-4B42-B906-0F01D489F363}" type="slidenum">
               <a:rPr lang="zh-CN" altLang="en-US" smtClean="0"/>
+              <a:t>‹#›</a:t>
             </a:fld>
             <a:endParaRPr lang="zh-CN" altLang="en-US"/>
           </a:p>
@@ -3775,7 +3735,6 @@
               <a:rPr lang="zh-CN" altLang="en-US"/>
               <a:t>单击此处编辑母版标题样式</a:t>
             </a:r>
-            <a:endParaRPr lang="zh-CN" altLang="en-US"/>
           </a:p>
         </p:txBody>
       </p:sp>
@@ -3895,7 +3854,6 @@
               <a:rPr lang="zh-CN" altLang="en-US"/>
               <a:t>编辑母版文本样式</a:t>
             </a:r>
-            <a:endParaRPr lang="zh-CN" altLang="en-US"/>
           </a:p>
         </p:txBody>
       </p:sp>
@@ -3916,6 +3874,7 @@
           <a:p>
             <a:fld id="{A94AD69E-FE2F-4EDF-9961-DCA2A010D4E8}" type="datetimeFigureOut">
               <a:rPr lang="zh-CN" altLang="en-US" smtClean="0"/>
+              <a:t>2024/3/26</a:t>
             </a:fld>
             <a:endParaRPr lang="zh-CN" altLang="en-US"/>
           </a:p>
@@ -3957,6 +3916,7 @@
           <a:p>
             <a:fld id="{D136606D-2876-4B42-B906-0F01D489F363}" type="slidenum">
               <a:rPr lang="zh-CN" altLang="en-US" smtClean="0"/>
+              <a:t>‹#›</a:t>
             </a:fld>
             <a:endParaRPr lang="zh-CN" altLang="en-US"/>
           </a:p>
@@ -4006,7 +3966,6 @@
               <a:rPr lang="zh-CN" altLang="en-US"/>
               <a:t>单击此处编辑母版标题样式</a:t>
             </a:r>
-            <a:endParaRPr lang="zh-CN" altLang="en-US"/>
           </a:p>
         </p:txBody>
       </p:sp>
@@ -4035,7 +3994,6 @@
               <a:rPr lang="zh-CN" altLang="en-US"/>
               <a:t>编辑母版文本样式</a:t>
             </a:r>
-            <a:endParaRPr lang="zh-CN" altLang="en-US"/>
           </a:p>
           <a:p>
             <a:pPr lvl="1"/>
@@ -4043,7 +4001,6 @@
               <a:rPr lang="zh-CN" altLang="en-US"/>
               <a:t>第二级</a:t>
             </a:r>
-            <a:endParaRPr lang="zh-CN" altLang="en-US"/>
           </a:p>
           <a:p>
             <a:pPr lvl="2"/>
@@ -4051,7 +4008,6 @@
               <a:rPr lang="zh-CN" altLang="en-US"/>
               <a:t>第三级</a:t>
             </a:r>
-            <a:endParaRPr lang="zh-CN" altLang="en-US"/>
           </a:p>
           <a:p>
             <a:pPr lvl="3"/>
@@ -4059,7 +4015,6 @@
               <a:rPr lang="zh-CN" altLang="en-US"/>
               <a:t>第四级</a:t>
             </a:r>
-            <a:endParaRPr lang="zh-CN" altLang="en-US"/>
           </a:p>
           <a:p>
             <a:pPr lvl="4"/>
@@ -4067,7 +4022,6 @@
               <a:rPr lang="zh-CN" altLang="en-US"/>
               <a:t>第五级</a:t>
             </a:r>
-            <a:endParaRPr lang="zh-CN" altLang="en-US"/>
           </a:p>
         </p:txBody>
       </p:sp>
@@ -4096,7 +4050,6 @@
               <a:rPr lang="zh-CN" altLang="en-US"/>
               <a:t>编辑母版文本样式</a:t>
             </a:r>
-            <a:endParaRPr lang="zh-CN" altLang="en-US"/>
           </a:p>
           <a:p>
             <a:pPr lvl="1"/>
@@ -4104,7 +4057,6 @@
               <a:rPr lang="zh-CN" altLang="en-US"/>
               <a:t>第二级</a:t>
             </a:r>
-            <a:endParaRPr lang="zh-CN" altLang="en-US"/>
           </a:p>
           <a:p>
             <a:pPr lvl="2"/>
@@ -4112,7 +4064,6 @@
               <a:rPr lang="zh-CN" altLang="en-US"/>
               <a:t>第三级</a:t>
             </a:r>
-            <a:endParaRPr lang="zh-CN" altLang="en-US"/>
           </a:p>
           <a:p>
             <a:pPr lvl="3"/>
@@ -4120,7 +4071,6 @@
               <a:rPr lang="zh-CN" altLang="en-US"/>
               <a:t>第四级</a:t>
             </a:r>
-            <a:endParaRPr lang="zh-CN" altLang="en-US"/>
           </a:p>
           <a:p>
             <a:pPr lvl="4"/>
@@ -4128,7 +4078,6 @@
               <a:rPr lang="zh-CN" altLang="en-US"/>
               <a:t>第五级</a:t>
             </a:r>
-            <a:endParaRPr lang="zh-CN" altLang="en-US"/>
           </a:p>
         </p:txBody>
       </p:sp>
@@ -4149,6 +4098,7 @@
           <a:p>
             <a:fld id="{A94AD69E-FE2F-4EDF-9961-DCA2A010D4E8}" type="datetimeFigureOut">
               <a:rPr lang="zh-CN" altLang="en-US" smtClean="0"/>
+              <a:t>2024/3/26</a:t>
             </a:fld>
             <a:endParaRPr lang="zh-CN" altLang="en-US"/>
           </a:p>
@@ -4190,6 +4140,7 @@
           <a:p>
             <a:fld id="{D136606D-2876-4B42-B906-0F01D489F363}" type="slidenum">
               <a:rPr lang="zh-CN" altLang="en-US" smtClean="0"/>
+              <a:t>‹#›</a:t>
             </a:fld>
             <a:endParaRPr lang="zh-CN" altLang="en-US"/>
           </a:p>
@@ -4244,7 +4195,6 @@
               <a:rPr lang="zh-CN" altLang="en-US"/>
               <a:t>单击此处编辑母版标题样式</a:t>
             </a:r>
-            <a:endParaRPr lang="zh-CN" altLang="en-US"/>
           </a:p>
         </p:txBody>
       </p:sp>
@@ -4310,7 +4260,6 @@
               <a:rPr lang="zh-CN" altLang="en-US"/>
               <a:t>编辑母版文本样式</a:t>
             </a:r>
-            <a:endParaRPr lang="zh-CN" altLang="en-US"/>
           </a:p>
         </p:txBody>
       </p:sp>
@@ -4339,7 +4288,6 @@
               <a:rPr lang="zh-CN" altLang="en-US"/>
               <a:t>编辑母版文本样式</a:t>
             </a:r>
-            <a:endParaRPr lang="zh-CN" altLang="en-US"/>
           </a:p>
           <a:p>
             <a:pPr lvl="1"/>
@@ -4347,7 +4295,6 @@
               <a:rPr lang="zh-CN" altLang="en-US"/>
               <a:t>第二级</a:t>
             </a:r>
-            <a:endParaRPr lang="zh-CN" altLang="en-US"/>
           </a:p>
           <a:p>
             <a:pPr lvl="2"/>
@@ -4355,7 +4302,6 @@
               <a:rPr lang="zh-CN" altLang="en-US"/>
               <a:t>第三级</a:t>
             </a:r>
-            <a:endParaRPr lang="zh-CN" altLang="en-US"/>
           </a:p>
           <a:p>
             <a:pPr lvl="3"/>
@@ -4363,7 +4309,6 @@
               <a:rPr lang="zh-CN" altLang="en-US"/>
               <a:t>第四级</a:t>
             </a:r>
-            <a:endParaRPr lang="zh-CN" altLang="en-US"/>
           </a:p>
           <a:p>
             <a:pPr lvl="4"/>
@@ -4371,7 +4316,6 @@
               <a:rPr lang="zh-CN" altLang="en-US"/>
               <a:t>第五级</a:t>
             </a:r>
-            <a:endParaRPr lang="zh-CN" altLang="en-US"/>
           </a:p>
         </p:txBody>
       </p:sp>
@@ -4437,7 +4381,6 @@
               <a:rPr lang="zh-CN" altLang="en-US"/>
               <a:t>编辑母版文本样式</a:t>
             </a:r>
-            <a:endParaRPr lang="zh-CN" altLang="en-US"/>
           </a:p>
         </p:txBody>
       </p:sp>
@@ -4466,7 +4409,6 @@
               <a:rPr lang="zh-CN" altLang="en-US"/>
               <a:t>编辑母版文本样式</a:t>
             </a:r>
-            <a:endParaRPr lang="zh-CN" altLang="en-US"/>
           </a:p>
           <a:p>
             <a:pPr lvl="1"/>
@@ -4474,7 +4416,6 @@
               <a:rPr lang="zh-CN" altLang="en-US"/>
               <a:t>第二级</a:t>
             </a:r>
-            <a:endParaRPr lang="zh-CN" altLang="en-US"/>
           </a:p>
           <a:p>
             <a:pPr lvl="2"/>
@@ -4482,7 +4423,6 @@
               <a:rPr lang="zh-CN" altLang="en-US"/>
               <a:t>第三级</a:t>
             </a:r>
-            <a:endParaRPr lang="zh-CN" altLang="en-US"/>
           </a:p>
           <a:p>
             <a:pPr lvl="3"/>
@@ -4490,7 +4430,6 @@
               <a:rPr lang="zh-CN" altLang="en-US"/>
               <a:t>第四级</a:t>
             </a:r>
-            <a:endParaRPr lang="zh-CN" altLang="en-US"/>
           </a:p>
           <a:p>
             <a:pPr lvl="4"/>
@@ -4498,7 +4437,6 @@
               <a:rPr lang="zh-CN" altLang="en-US"/>
               <a:t>第五级</a:t>
             </a:r>
-            <a:endParaRPr lang="zh-CN" altLang="en-US"/>
           </a:p>
         </p:txBody>
       </p:sp>
@@ -4519,6 +4457,7 @@
           <a:p>
             <a:fld id="{A94AD69E-FE2F-4EDF-9961-DCA2A010D4E8}" type="datetimeFigureOut">
               <a:rPr lang="zh-CN" altLang="en-US" smtClean="0"/>
+              <a:t>2024/3/26</a:t>
             </a:fld>
             <a:endParaRPr lang="zh-CN" altLang="en-US"/>
           </a:p>
@@ -4560,6 +4499,7 @@
           <a:p>
             <a:fld id="{D136606D-2876-4B42-B906-0F01D489F363}" type="slidenum">
               <a:rPr lang="zh-CN" altLang="en-US" smtClean="0"/>
+              <a:t>‹#›</a:t>
             </a:fld>
             <a:endParaRPr lang="zh-CN" altLang="en-US"/>
           </a:p>
@@ -4609,7 +4549,6 @@
               <a:rPr lang="zh-CN" altLang="en-US"/>
               <a:t>单击此处编辑母版标题样式</a:t>
             </a:r>
-            <a:endParaRPr lang="zh-CN" altLang="en-US"/>
           </a:p>
         </p:txBody>
       </p:sp>
@@ -4630,6 +4569,7 @@
           <a:p>
             <a:fld id="{A94AD69E-FE2F-4EDF-9961-DCA2A010D4E8}" type="datetimeFigureOut">
               <a:rPr lang="zh-CN" altLang="en-US" smtClean="0"/>
+              <a:t>2024/3/26</a:t>
             </a:fld>
             <a:endParaRPr lang="zh-CN" altLang="en-US"/>
           </a:p>
@@ -4671,6 +4611,7 @@
           <a:p>
             <a:fld id="{D136606D-2876-4B42-B906-0F01D489F363}" type="slidenum">
               <a:rPr lang="zh-CN" altLang="en-US" smtClean="0"/>
+              <a:t>‹#›</a:t>
             </a:fld>
             <a:endParaRPr lang="zh-CN" altLang="en-US"/>
           </a:p>
@@ -4718,6 +4659,7 @@
           <a:p>
             <a:fld id="{A94AD69E-FE2F-4EDF-9961-DCA2A010D4E8}" type="datetimeFigureOut">
               <a:rPr lang="zh-CN" altLang="en-US" smtClean="0"/>
+              <a:t>2024/3/26</a:t>
             </a:fld>
             <a:endParaRPr lang="zh-CN" altLang="en-US"/>
           </a:p>
@@ -4759,6 +4701,7 @@
           <a:p>
             <a:fld id="{D136606D-2876-4B42-B906-0F01D489F363}" type="slidenum">
               <a:rPr lang="zh-CN" altLang="en-US" smtClean="0"/>
+              <a:t>‹#›</a:t>
             </a:fld>
             <a:endParaRPr lang="zh-CN" altLang="en-US"/>
           </a:p>
@@ -4817,7 +4760,6 @@
               <a:rPr lang="zh-CN" altLang="en-US"/>
               <a:t>单击此处编辑母版标题样式</a:t>
             </a:r>
-            <a:endParaRPr lang="zh-CN" altLang="en-US"/>
           </a:p>
         </p:txBody>
       </p:sp>
@@ -4874,7 +4816,6 @@
               <a:rPr lang="zh-CN" altLang="en-US"/>
               <a:t>编辑母版文本样式</a:t>
             </a:r>
-            <a:endParaRPr lang="zh-CN" altLang="en-US"/>
           </a:p>
           <a:p>
             <a:pPr lvl="1"/>
@@ -4882,7 +4823,6 @@
               <a:rPr lang="zh-CN" altLang="en-US"/>
               <a:t>第二级</a:t>
             </a:r>
-            <a:endParaRPr lang="zh-CN" altLang="en-US"/>
           </a:p>
           <a:p>
             <a:pPr lvl="2"/>
@@ -4890,7 +4830,6 @@
               <a:rPr lang="zh-CN" altLang="en-US"/>
               <a:t>第三级</a:t>
             </a:r>
-            <a:endParaRPr lang="zh-CN" altLang="en-US"/>
           </a:p>
           <a:p>
             <a:pPr lvl="3"/>
@@ -4898,7 +4837,6 @@
               <a:rPr lang="zh-CN" altLang="en-US"/>
               <a:t>第四级</a:t>
             </a:r>
-            <a:endParaRPr lang="zh-CN" altLang="en-US"/>
           </a:p>
           <a:p>
             <a:pPr lvl="4"/>
@@ -4906,7 +4844,6 @@
               <a:rPr lang="zh-CN" altLang="en-US"/>
               <a:t>第五级</a:t>
             </a:r>
-            <a:endParaRPr lang="zh-CN" altLang="en-US"/>
           </a:p>
         </p:txBody>
       </p:sp>
@@ -4972,7 +4909,6 @@
               <a:rPr lang="zh-CN" altLang="en-US"/>
               <a:t>编辑母版文本样式</a:t>
             </a:r>
-            <a:endParaRPr lang="zh-CN" altLang="en-US"/>
           </a:p>
         </p:txBody>
       </p:sp>
@@ -4993,6 +4929,7 @@
           <a:p>
             <a:fld id="{A94AD69E-FE2F-4EDF-9961-DCA2A010D4E8}" type="datetimeFigureOut">
               <a:rPr lang="zh-CN" altLang="en-US" smtClean="0"/>
+              <a:t>2024/3/26</a:t>
             </a:fld>
             <a:endParaRPr lang="zh-CN" altLang="en-US"/>
           </a:p>
@@ -5034,6 +4971,7 @@
           <a:p>
             <a:fld id="{D136606D-2876-4B42-B906-0F01D489F363}" type="slidenum">
               <a:rPr lang="zh-CN" altLang="en-US" smtClean="0"/>
+              <a:t>‹#›</a:t>
             </a:fld>
             <a:endParaRPr lang="zh-CN" altLang="en-US"/>
           </a:p>
@@ -5092,7 +5030,6 @@
               <a:rPr lang="zh-CN" altLang="en-US"/>
               <a:t>单击此处编辑母版标题样式</a:t>
             </a:r>
-            <a:endParaRPr lang="zh-CN" altLang="en-US"/>
           </a:p>
         </p:txBody>
       </p:sp>
@@ -5219,7 +5156,6 @@
               <a:rPr lang="zh-CN" altLang="en-US"/>
               <a:t>编辑母版文本样式</a:t>
             </a:r>
-            <a:endParaRPr lang="zh-CN" altLang="en-US"/>
           </a:p>
         </p:txBody>
       </p:sp>
@@ -5240,6 +5176,7 @@
           <a:p>
             <a:fld id="{A94AD69E-FE2F-4EDF-9961-DCA2A010D4E8}" type="datetimeFigureOut">
               <a:rPr lang="zh-CN" altLang="en-US" smtClean="0"/>
+              <a:t>2024/3/26</a:t>
             </a:fld>
             <a:endParaRPr lang="zh-CN" altLang="en-US"/>
           </a:p>
@@ -5281,6 +5218,7 @@
           <a:p>
             <a:fld id="{D136606D-2876-4B42-B906-0F01D489F363}" type="slidenum">
               <a:rPr lang="zh-CN" altLang="en-US" smtClean="0"/>
+              <a:t>‹#›</a:t>
             </a:fld>
             <a:endParaRPr lang="zh-CN" altLang="en-US"/>
           </a:p>
@@ -5345,7 +5283,6 @@
               <a:rPr lang="zh-CN" altLang="en-US"/>
               <a:t>单击此处编辑母版标题样式</a:t>
             </a:r>
-            <a:endParaRPr lang="zh-CN" altLang="en-US"/>
           </a:p>
         </p:txBody>
       </p:sp>
@@ -5379,7 +5316,6 @@
               <a:rPr lang="zh-CN" altLang="en-US"/>
               <a:t>编辑母版文本样式</a:t>
             </a:r>
-            <a:endParaRPr lang="zh-CN" altLang="en-US"/>
           </a:p>
           <a:p>
             <a:pPr lvl="1"/>
@@ -5387,7 +5323,6 @@
               <a:rPr lang="zh-CN" altLang="en-US"/>
               <a:t>第二级</a:t>
             </a:r>
-            <a:endParaRPr lang="zh-CN" altLang="en-US"/>
           </a:p>
           <a:p>
             <a:pPr lvl="2"/>
@@ -5395,7 +5330,6 @@
               <a:rPr lang="zh-CN" altLang="en-US"/>
               <a:t>第三级</a:t>
             </a:r>
-            <a:endParaRPr lang="zh-CN" altLang="en-US"/>
           </a:p>
           <a:p>
             <a:pPr lvl="3"/>
@@ -5403,7 +5337,6 @@
               <a:rPr lang="zh-CN" altLang="en-US"/>
               <a:t>第四级</a:t>
             </a:r>
-            <a:endParaRPr lang="zh-CN" altLang="en-US"/>
           </a:p>
           <a:p>
             <a:pPr lvl="4"/>
@@ -5411,7 +5344,6 @@
               <a:rPr lang="zh-CN" altLang="en-US"/>
               <a:t>第五级</a:t>
             </a:r>
-            <a:endParaRPr lang="zh-CN" altLang="en-US"/>
           </a:p>
         </p:txBody>
       </p:sp>
@@ -5450,6 +5382,7 @@
           <a:p>
             <a:fld id="{A94AD69E-FE2F-4EDF-9961-DCA2A010D4E8}" type="datetimeFigureOut">
               <a:rPr lang="zh-CN" altLang="en-US" smtClean="0"/>
+              <a:t>2024/3/26</a:t>
             </a:fld>
             <a:endParaRPr lang="zh-CN" altLang="en-US"/>
           </a:p>
@@ -5527,6 +5460,7 @@
           <a:p>
             <a:fld id="{D136606D-2876-4B42-B906-0F01D489F363}" type="slidenum">
               <a:rPr lang="zh-CN" altLang="en-US" smtClean="0"/>
+              <a:t>‹#›</a:t>
             </a:fld>
             <a:endParaRPr lang="zh-CN" altLang="en-US"/>
           </a:p>
@@ -5882,7 +5816,6 @@
               <a:rPr lang="zh-CN" altLang="en-US"/>
               <a:t>单击此处编辑母版标题样式</a:t>
             </a:r>
-            <a:endParaRPr lang="zh-CN" altLang="en-US"/>
           </a:p>
         </p:txBody>
       </p:sp>
@@ -5916,7 +5849,6 @@
               <a:rPr lang="zh-CN" altLang="en-US"/>
               <a:t>编辑母版文本样式</a:t>
             </a:r>
-            <a:endParaRPr lang="zh-CN" altLang="en-US"/>
           </a:p>
           <a:p>
             <a:pPr lvl="1"/>
@@ -5924,7 +5856,6 @@
               <a:rPr lang="zh-CN" altLang="en-US"/>
               <a:t>第二级</a:t>
             </a:r>
-            <a:endParaRPr lang="zh-CN" altLang="en-US"/>
           </a:p>
           <a:p>
             <a:pPr lvl="2"/>
@@ -5932,7 +5863,6 @@
               <a:rPr lang="zh-CN" altLang="en-US"/>
               <a:t>第三级</a:t>
             </a:r>
-            <a:endParaRPr lang="zh-CN" altLang="en-US"/>
           </a:p>
           <a:p>
             <a:pPr lvl="3"/>
@@ -5940,7 +5870,6 @@
               <a:rPr lang="zh-CN" altLang="en-US"/>
               <a:t>第四级</a:t>
             </a:r>
-            <a:endParaRPr lang="zh-CN" altLang="en-US"/>
           </a:p>
           <a:p>
             <a:pPr lvl="4"/>
@@ -5948,7 +5877,6 @@
               <a:rPr lang="zh-CN" altLang="en-US"/>
               <a:t>第五级</a:t>
             </a:r>
-            <a:endParaRPr lang="zh-CN" altLang="en-US"/>
           </a:p>
         </p:txBody>
       </p:sp>
@@ -5987,6 +5915,7 @@
           <a:p>
             <a:fld id="{A94AD69E-FE2F-4EDF-9961-DCA2A010D4E8}" type="datetimeFigureOut">
               <a:rPr lang="zh-CN" altLang="en-US" smtClean="0"/>
+              <a:t>2024/3/26</a:t>
             </a:fld>
             <a:endParaRPr lang="zh-CN" altLang="en-US"/>
           </a:p>
@@ -6064,6 +5993,7 @@
           <a:p>
             <a:fld id="{D136606D-2876-4B42-B906-0F01D489F363}" type="slidenum">
               <a:rPr lang="zh-CN" altLang="en-US" smtClean="0"/>
+              <a:t>‹#›</a:t>
             </a:fld>
             <a:endParaRPr lang="zh-CN" altLang="en-US"/>
           </a:p>
@@ -6434,13 +6364,6 @@
               </a:rPr>
               <a:t>3.29</a:t>
             </a:r>
-            <a:endParaRPr lang="en-US" altLang="zh-CN" sz="4265" b="1" dirty="0">
-              <a:solidFill>
-                <a:srgbClr val="002060"/>
-              </a:solidFill>
-              <a:latin typeface="微软雅黑" panose="020B0503020204020204" pitchFamily="34" charset="-122"/>
-              <a:ea typeface="微软雅黑" panose="020B0503020204020204" pitchFamily="34" charset="-122"/>
-            </a:endParaRPr>
           </a:p>
         </p:txBody>
       </p:sp>
@@ -6452,10 +6375,10 @@
         </p:nvGrpSpPr>
         <p:grpSpPr>
           <a:xfrm>
-            <a:off x="5048026" y="3343569"/>
-            <a:ext cx="11578085" cy="5581820"/>
+            <a:off x="5048026" y="3305090"/>
+            <a:ext cx="11740357" cy="5581820"/>
             <a:chOff x="4903310" y="4125281"/>
-            <a:chExt cx="11876050" cy="5581820"/>
+            <a:chExt cx="12042498" cy="5581820"/>
           </a:xfrm>
         </p:grpSpPr>
         <p:grpSp>
@@ -6466,10 +6389,10 @@
           </p:nvGrpSpPr>
           <p:grpSpPr>
             <a:xfrm>
-              <a:off x="4903311" y="4125281"/>
-              <a:ext cx="11876049" cy="3941436"/>
-              <a:chOff x="3472416" y="4258281"/>
-              <a:chExt cx="16130217" cy="2991160"/>
+              <a:off x="4903310" y="4125281"/>
+              <a:ext cx="12042498" cy="3941436"/>
+              <a:chOff x="3472415" y="4258281"/>
+              <a:chExt cx="16356291" cy="2991160"/>
             </a:xfrm>
           </p:grpSpPr>
           <p:sp>
@@ -6543,13 +6466,6 @@
                   </a:rPr>
                   <a:t>编写软件最终的用户手册</a:t>
                 </a:r>
-                <a:endParaRPr lang="zh-CN" altLang="en-US" sz="4000" b="1" dirty="0">
-                  <a:solidFill>
-                    <a:srgbClr val="002060"/>
-                  </a:solidFill>
-                  <a:latin typeface="微软雅黑" panose="020B0503020204020204" pitchFamily="34" charset="-122"/>
-                  <a:ea typeface="微软雅黑" panose="020B0503020204020204" pitchFamily="34" charset="-122"/>
-                </a:endParaRPr>
               </a:p>
             </p:txBody>
           </p:sp>
@@ -6561,8 +6477,8 @@
             </p:nvSpPr>
             <p:spPr>
               <a:xfrm>
-                <a:off x="3472416" y="5444767"/>
-                <a:ext cx="15559859" cy="676591"/>
+                <a:off x="3472415" y="5444767"/>
+                <a:ext cx="16356291" cy="618187"/>
               </a:xfrm>
               <a:prstGeom prst="rect">
                 <a:avLst/>
@@ -6601,9 +6517,8 @@
                     </a:solidFill>
                     <a:latin typeface="微软雅黑" panose="020B0503020204020204" pitchFamily="34" charset="-122"/>
                     <a:ea typeface="微软雅黑" panose="020B0503020204020204" pitchFamily="34" charset="-122"/>
-                    <a:sym typeface="+mn-ea"/>
                   </a:rPr>
-                  <a:t>材料采购</a:t>
+                  <a:t>环境配置</a:t>
                 </a:r>
                 <a:r>
                   <a:rPr lang="en-US" altLang="zh-CN" sz="4000" b="1" dirty="0">
@@ -6612,7 +6527,6 @@
                     </a:solidFill>
                     <a:latin typeface="微软雅黑" panose="020B0503020204020204" pitchFamily="34" charset="-122"/>
                     <a:ea typeface="微软雅黑" panose="020B0503020204020204" pitchFamily="34" charset="-122"/>
-                    <a:sym typeface="+mn-ea"/>
                   </a:rPr>
                   <a:t>——</a:t>
                 </a:r>
@@ -6623,17 +6537,29 @@
                     </a:solidFill>
                     <a:latin typeface="微软雅黑" panose="020B0503020204020204" pitchFamily="34" charset="-122"/>
                     <a:ea typeface="微软雅黑" panose="020B0503020204020204" pitchFamily="34" charset="-122"/>
-                    <a:sym typeface="+mn-ea"/>
                   </a:rPr>
-                  <a:t>拟购买部分补充材料</a:t>
+                  <a:t>通用并行计算架构</a:t>
                 </a:r>
-                <a:endParaRPr lang="zh-CN" altLang="en-US" sz="4000" b="1" dirty="0">
-                  <a:solidFill>
-                    <a:srgbClr val="002060"/>
-                  </a:solidFill>
-                  <a:latin typeface="微软雅黑" panose="020B0503020204020204" pitchFamily="34" charset="-122"/>
-                  <a:ea typeface="微软雅黑" panose="020B0503020204020204" pitchFamily="34" charset="-122"/>
-                </a:endParaRPr>
+                <a:r>
+                  <a:rPr lang="en-US" altLang="zh-CN" sz="4000" b="1" dirty="0">
+                    <a:solidFill>
+                      <a:srgbClr val="002060"/>
+                    </a:solidFill>
+                    <a:latin typeface="微软雅黑" panose="020B0503020204020204" pitchFamily="34" charset="-122"/>
+                    <a:ea typeface="微软雅黑" panose="020B0503020204020204" pitchFamily="34" charset="-122"/>
+                  </a:rPr>
+                  <a:t>CUDA</a:t>
+                </a:r>
+                <a:r>
+                  <a:rPr lang="zh-CN" altLang="en-US" sz="4000" b="1" dirty="0">
+                    <a:solidFill>
+                      <a:srgbClr val="002060"/>
+                    </a:solidFill>
+                    <a:latin typeface="微软雅黑" panose="020B0503020204020204" pitchFamily="34" charset="-122"/>
+                    <a:ea typeface="微软雅黑" panose="020B0503020204020204" pitchFamily="34" charset="-122"/>
+                  </a:rPr>
+                  <a:t>的安装</a:t>
+                </a:r>
               </a:p>
             </p:txBody>
           </p:sp>
@@ -6685,8 +6611,9 @@
                     </a:solidFill>
                     <a:latin typeface="微软雅黑" panose="020B0503020204020204" pitchFamily="34" charset="-122"/>
                     <a:ea typeface="微软雅黑" panose="020B0503020204020204" pitchFamily="34" charset="-122"/>
+                    <a:sym typeface="+mn-ea"/>
                   </a:rPr>
-                  <a:t>学术会议</a:t>
+                  <a:t>材料采购</a:t>
                 </a:r>
                 <a:r>
                   <a:rPr lang="en-US" altLang="zh-CN" sz="4000" b="1" dirty="0">
@@ -6695,6 +6622,7 @@
                     </a:solidFill>
                     <a:latin typeface="微软雅黑" panose="020B0503020204020204" pitchFamily="34" charset="-122"/>
                     <a:ea typeface="微软雅黑" panose="020B0503020204020204" pitchFamily="34" charset="-122"/>
+                    <a:sym typeface="+mn-ea"/>
                   </a:rPr>
                   <a:t>——</a:t>
                 </a:r>
@@ -6705,8 +6633,9 @@
                     </a:solidFill>
                     <a:latin typeface="微软雅黑" panose="020B0503020204020204" pitchFamily="34" charset="-122"/>
                     <a:ea typeface="微软雅黑" panose="020B0503020204020204" pitchFamily="34" charset="-122"/>
+                    <a:sym typeface="+mn-ea"/>
                   </a:rPr>
-                  <a:t>参加生物传感器小组组会</a:t>
+                  <a:t>拟购买部分补充材料</a:t>
                 </a:r>
                 <a:endParaRPr lang="zh-CN" altLang="en-US" sz="4000" b="1" dirty="0">
                   <a:solidFill>
@@ -6903,13 +6832,6 @@
               </a:rPr>
               <a:t>编写软件最终的用户手册</a:t>
             </a:r>
-            <a:endParaRPr lang="zh-CN" altLang="en-US" sz="4000" b="1" dirty="0">
-              <a:solidFill>
-                <a:srgbClr val="002060"/>
-              </a:solidFill>
-              <a:latin typeface="微软雅黑" panose="020B0503020204020204" pitchFamily="34" charset="-122"/>
-              <a:ea typeface="微软雅黑" panose="020B0503020204020204" pitchFamily="34" charset="-122"/>
-            </a:endParaRPr>
           </a:p>
         </p:txBody>
       </p:sp>
@@ -6969,17 +6891,8 @@
               <a:rPr lang="zh-CN" altLang="en-US" sz="4400" b="1" dirty="0">
                 <a:latin typeface="Novecento wide Bold" panose="00000805000000000000" charset="0"/>
               </a:rPr>
-              <a:t>页左右，还在持续更新</a:t>
-            </a:r>
-            <a:r>
-              <a:rPr lang="zh-CN" altLang="en-US" sz="4400" b="1" dirty="0">
-                <a:latin typeface="Novecento wide Bold" panose="00000805000000000000" charset="0"/>
-              </a:rPr>
-              <a:t>中。</a:t>
-            </a:r>
-            <a:endParaRPr lang="zh-CN" altLang="en-US" sz="4400" b="1" dirty="0">
-              <a:latin typeface="Novecento wide Bold" panose="00000805000000000000" charset="0"/>
-            </a:endParaRPr>
+              <a:t>页左右，还在持续更新中。</a:t>
+            </a:r>
           </a:p>
         </p:txBody>
       </p:sp>
@@ -6992,7 +6905,7 @@
           <p:nvPr/>
         </p:nvPicPr>
         <p:blipFill>
-          <a:blip r:embed="rId1"/>
+          <a:blip r:embed="rId4"/>
           <a:stretch>
             <a:fillRect/>
           </a:stretch>
@@ -7009,7 +6922,7 @@
       </p:pic>
     </p:spTree>
     <p:custDataLst>
-      <p:tags r:id="rId2"/>
+      <p:tags r:id="rId1"/>
     </p:custDataLst>
   </p:cSld>
   <p:clrMapOvr>
@@ -7037,14 +6950,182 @@
       </p:grpSpPr>
       <p:sp>
         <p:nvSpPr>
-          <p:cNvPr id="15" name="矩形 14"/>
+          <p:cNvPr id="6" name="文本框 5"/>
+          <p:cNvSpPr txBox="1"/>
+          <p:nvPr/>
+        </p:nvSpPr>
+        <p:spPr>
+          <a:xfrm>
+            <a:off x="12426341" y="1309960"/>
+            <a:ext cx="8806028" cy="5016758"/>
+          </a:xfrm>
+          <a:prstGeom prst="rect">
+            <a:avLst/>
+          </a:prstGeom>
+          <a:noFill/>
+        </p:spPr>
+        <p:txBody>
+          <a:bodyPr wrap="square">
+            <a:spAutoFit/>
+          </a:bodyPr>
+          <a:lstStyle/>
+          <a:p>
+            <a:pPr algn="l">
+              <a:buClrTx/>
+              <a:buSzTx/>
+              <a:buFontTx/>
+            </a:pPr>
+            <a:r>
+              <a:rPr lang="en-US" altLang="zh-CN" sz="4000" b="1" dirty="0">
+                <a:solidFill>
+                  <a:srgbClr val="FF0000"/>
+                </a:solidFill>
+                <a:latin typeface="Novecento wide Bold" panose="00000805000000000000" charset="0"/>
+              </a:rPr>
+              <a:t>		</a:t>
+            </a:r>
+            <a:r>
+              <a:rPr lang="zh-CN" altLang="en-US" sz="4000" b="1" dirty="0">
+                <a:latin typeface="Novecento wide Bold" panose="00000805000000000000" charset="0"/>
+              </a:rPr>
+              <a:t>完成通用并行计算架构（</a:t>
+            </a:r>
+            <a:r>
+              <a:rPr lang="en-US" altLang="zh-CN" sz="4000" b="1" i="0" dirty="0">
+                <a:solidFill>
+                  <a:srgbClr val="111111"/>
+                </a:solidFill>
+                <a:effectLst/>
+                <a:latin typeface="-apple-system"/>
+              </a:rPr>
+              <a:t>Compute Unified Device Architecture</a:t>
+            </a:r>
+            <a:r>
+              <a:rPr lang="zh-CN" altLang="en-US" sz="4000" b="1" i="0" dirty="0">
+                <a:solidFill>
+                  <a:srgbClr val="111111"/>
+                </a:solidFill>
+                <a:effectLst/>
+                <a:latin typeface="-apple-system"/>
+              </a:rPr>
+              <a:t>，</a:t>
+            </a:r>
+            <a:r>
+              <a:rPr lang="en-US" altLang="zh-CN" sz="4000" b="1" i="0" dirty="0">
+                <a:solidFill>
+                  <a:srgbClr val="111111"/>
+                </a:solidFill>
+                <a:effectLst/>
+                <a:latin typeface="-apple-system"/>
+              </a:rPr>
+              <a:t>CUDA</a:t>
+            </a:r>
+            <a:r>
+              <a:rPr lang="zh-CN" altLang="en-US" sz="4000" b="1" dirty="0">
+                <a:latin typeface="Novecento wide Bold" panose="00000805000000000000" charset="0"/>
+              </a:rPr>
+              <a:t>）的安装，并进入深度学习开发环境进行验证。函数</a:t>
+            </a:r>
+            <a:r>
+              <a:rPr lang="en-US" altLang="zh-CN" sz="4000" b="1" dirty="0" err="1">
+                <a:latin typeface="Novecento wide Bold" panose="00000805000000000000" charset="0"/>
+              </a:rPr>
+              <a:t>torch.cuda.is_available</a:t>
+            </a:r>
+            <a:r>
+              <a:rPr lang="en-US" altLang="zh-CN" sz="4000" b="1" dirty="0">
+                <a:latin typeface="Novecento wide Bold" panose="00000805000000000000" charset="0"/>
+              </a:rPr>
+              <a:t>()</a:t>
+            </a:r>
+            <a:r>
+              <a:rPr lang="zh-CN" altLang="en-US" sz="4000" b="1" dirty="0">
+                <a:latin typeface="Novecento wide Bold" panose="00000805000000000000" charset="0"/>
+              </a:rPr>
+              <a:t>返回值</a:t>
+            </a:r>
+            <a:r>
+              <a:rPr lang="en-US" altLang="zh-CN" sz="4000" b="1" dirty="0">
+                <a:latin typeface="Novecento wide Bold" panose="00000805000000000000" charset="0"/>
+              </a:rPr>
+              <a:t>True</a:t>
+            </a:r>
+            <a:r>
+              <a:rPr lang="zh-CN" altLang="en-US" sz="4000" b="1" dirty="0">
+                <a:latin typeface="Novecento wide Bold" panose="00000805000000000000" charset="0"/>
+              </a:rPr>
+              <a:t>表明当前已支持</a:t>
+            </a:r>
+            <a:r>
+              <a:rPr lang="en-US" altLang="zh-CN" sz="4000" b="1" dirty="0">
+                <a:latin typeface="Novecento wide Bold" panose="00000805000000000000" charset="0"/>
+              </a:rPr>
+              <a:t>GPU</a:t>
+            </a:r>
+            <a:r>
+              <a:rPr lang="zh-CN" altLang="en-US" sz="4000" b="1" dirty="0">
+                <a:latin typeface="Novecento wide Bold" panose="00000805000000000000" charset="0"/>
+              </a:rPr>
+              <a:t>加速计算；函数</a:t>
+            </a:r>
+            <a:r>
+              <a:rPr lang="en-US" altLang="zh-CN" sz="4000" b="1" dirty="0" err="1">
+                <a:latin typeface="Novecento wide Bold" panose="00000805000000000000" charset="0"/>
+              </a:rPr>
+              <a:t>torch.cuda.device_count</a:t>
+            </a:r>
+            <a:r>
+              <a:rPr lang="en-US" altLang="zh-CN" sz="4000" b="1" dirty="0">
+                <a:latin typeface="Novecento wide Bold" panose="00000805000000000000" charset="0"/>
+              </a:rPr>
+              <a:t>()</a:t>
+            </a:r>
+            <a:r>
+              <a:rPr lang="zh-CN" altLang="en-US" sz="4000" b="1" dirty="0">
+                <a:latin typeface="Novecento wide Bold" panose="00000805000000000000" charset="0"/>
+              </a:rPr>
+              <a:t>返回值</a:t>
+            </a:r>
+            <a:r>
+              <a:rPr lang="en-US" altLang="zh-CN" sz="4000" b="1" dirty="0">
+                <a:latin typeface="Novecento wide Bold" panose="00000805000000000000" charset="0"/>
+              </a:rPr>
+              <a:t>1</a:t>
+            </a:r>
+            <a:r>
+              <a:rPr lang="zh-CN" altLang="en-US" sz="4000" b="1" dirty="0">
+                <a:latin typeface="Novecento wide Bold" panose="00000805000000000000" charset="0"/>
+              </a:rPr>
+              <a:t>表明已找到用于加速计算的设备（指图形处理器 </a:t>
+            </a:r>
+            <a:r>
+              <a:rPr lang="en-US" altLang="zh-CN" sz="4000" b="1" dirty="0">
+                <a:latin typeface="Novecento wide Bold" panose="00000805000000000000" charset="0"/>
+              </a:rPr>
+              <a:t>GeForce RTX 4090</a:t>
+            </a:r>
+            <a:r>
+              <a:rPr lang="zh-CN" altLang="en-US" sz="4000" b="1" dirty="0">
+                <a:latin typeface="Novecento wide Bold" panose="00000805000000000000" charset="0"/>
+              </a:rPr>
+              <a:t>）</a:t>
+            </a:r>
+            <a:endParaRPr lang="zh-CN" altLang="en-US" sz="4400" b="1" dirty="0">
+              <a:latin typeface="Novecento wide Bold" panose="00000805000000000000" charset="0"/>
+            </a:endParaRPr>
+          </a:p>
+        </p:txBody>
+      </p:sp>
+      <p:sp>
+        <p:nvSpPr>
+          <p:cNvPr id="2" name="矩形 1"/>
           <p:cNvSpPr/>
           <p:nvPr/>
         </p:nvSpPr>
         <p:spPr>
           <a:xfrm>
             <a:off x="373163" y="257824"/>
-            <a:ext cx="13473463" cy="891540"/>
+            <a:ext cx="13473463" cy="814582"/>
           </a:xfrm>
           <a:prstGeom prst="rect">
             <a:avLst/>
@@ -7073,7 +7154,6 @@
                 </a:solidFill>
                 <a:latin typeface="微软雅黑" panose="020B0503020204020204" pitchFamily="34" charset="-122"/>
                 <a:ea typeface="微软雅黑" panose="020B0503020204020204" pitchFamily="34" charset="-122"/>
-                <a:sym typeface="+mn-ea"/>
               </a:rPr>
               <a:t>2.</a:t>
             </a:r>
@@ -7084,9 +7164,8 @@
                 </a:solidFill>
                 <a:latin typeface="微软雅黑" panose="020B0503020204020204" pitchFamily="34" charset="-122"/>
                 <a:ea typeface="微软雅黑" panose="020B0503020204020204" pitchFamily="34" charset="-122"/>
-                <a:sym typeface="+mn-ea"/>
               </a:rPr>
-              <a:t>材料采购</a:t>
+              <a:t>环境配置</a:t>
             </a:r>
             <a:r>
               <a:rPr lang="en-US" altLang="zh-CN" sz="4000" b="1" dirty="0">
@@ -7095,7 +7174,6 @@
                 </a:solidFill>
                 <a:latin typeface="微软雅黑" panose="020B0503020204020204" pitchFamily="34" charset="-122"/>
                 <a:ea typeface="微软雅黑" panose="020B0503020204020204" pitchFamily="34" charset="-122"/>
-                <a:sym typeface="+mn-ea"/>
               </a:rPr>
               <a:t>——</a:t>
             </a:r>
@@ -7106,84 +7184,96 @@
                 </a:solidFill>
                 <a:latin typeface="微软雅黑" panose="020B0503020204020204" pitchFamily="34" charset="-122"/>
                 <a:ea typeface="微软雅黑" panose="020B0503020204020204" pitchFamily="34" charset="-122"/>
-                <a:sym typeface="+mn-ea"/>
               </a:rPr>
-              <a:t>拟购买部分补充材料</a:t>
-            </a:r>
-            <a:endParaRPr lang="zh-CN" altLang="en-US" sz="4000" b="1" dirty="0">
-              <a:solidFill>
-                <a:srgbClr val="002060"/>
-              </a:solidFill>
-              <a:latin typeface="微软雅黑" panose="020B0503020204020204" pitchFamily="34" charset="-122"/>
-              <a:ea typeface="微软雅黑" panose="020B0503020204020204" pitchFamily="34" charset="-122"/>
-            </a:endParaRPr>
-          </a:p>
-        </p:txBody>
-      </p:sp>
-      <p:sp>
-        <p:nvSpPr>
-          <p:cNvPr id="7" name="文本框 6"/>
-          <p:cNvSpPr txBox="1"/>
-          <p:nvPr/>
-        </p:nvSpPr>
-        <p:spPr>
-          <a:xfrm>
-            <a:off x="17028160" y="4695825"/>
-            <a:ext cx="3784600" cy="2799715"/>
-          </a:xfrm>
-          <a:prstGeom prst="rect">
-            <a:avLst/>
-          </a:prstGeom>
-          <a:noFill/>
-        </p:spPr>
-        <p:txBody>
-          <a:bodyPr wrap="square">
-            <a:spAutoFit/>
-          </a:bodyPr>
-          <a:lstStyle/>
-          <a:p>
-            <a:r>
-              <a:rPr lang="en-US" altLang="zh-CN" sz="4400" b="1" dirty="0">
-                <a:latin typeface="Novecento wide Bold" panose="00000805000000000000" charset="0"/>
-              </a:rPr>
-              <a:t>		</a:t>
-            </a:r>
-            <a:r>
-              <a:rPr lang="zh-CN" altLang="en-US" sz="4400" b="1" dirty="0">
-                <a:latin typeface="Novecento wide Bold" panose="00000805000000000000" charset="0"/>
-              </a:rPr>
-              <a:t>拟购买部分补充材料，具体明细及用途见</a:t>
-            </a:r>
-            <a:r>
-              <a:rPr lang="zh-CN" altLang="en-US" sz="4400" b="1" dirty="0">
-                <a:latin typeface="Novecento wide Bold" panose="00000805000000000000" charset="0"/>
-              </a:rPr>
-              <a:t>表格。</a:t>
-            </a:r>
-            <a:endParaRPr lang="zh-CN" altLang="en-US" sz="4400" b="1" dirty="0">
-              <a:latin typeface="Novecento wide Bold" panose="00000805000000000000" charset="0"/>
-            </a:endParaRPr>
+              <a:t>通用并行计算架构的安装</a:t>
+            </a:r>
           </a:p>
         </p:txBody>
       </p:sp>
       <p:pic>
         <p:nvPicPr>
-          <p:cNvPr id="3" name="图片 2"/>
+          <p:cNvPr id="9" name="图片 8">
+            <a:extLst>
+              <a:ext uri="{FF2B5EF4-FFF2-40B4-BE49-F238E27FC236}">
+                <a16:creationId xmlns:a16="http://schemas.microsoft.com/office/drawing/2014/main" id="{E5C656F1-B028-2963-7BDF-52257625E208}"/>
+              </a:ext>
+            </a:extLst>
+          </p:cNvPr>
           <p:cNvPicPr>
             <a:picLocks noChangeAspect="1"/>
           </p:cNvPicPr>
           <p:nvPr/>
         </p:nvPicPr>
         <p:blipFill>
-          <a:blip r:embed="rId1"/>
+          <a:blip r:embed="rId4"/>
           <a:stretch>
             <a:fillRect/>
           </a:stretch>
         </p:blipFill>
         <p:spPr>
           <a:xfrm>
-            <a:off x="779145" y="1221105"/>
-            <a:ext cx="14930120" cy="10583545"/>
+            <a:off x="783481" y="1258484"/>
+            <a:ext cx="11642860" cy="5694627"/>
+          </a:xfrm>
+          <a:prstGeom prst="rect">
+            <a:avLst/>
+          </a:prstGeom>
+        </p:spPr>
+      </p:pic>
+      <p:pic>
+        <p:nvPicPr>
+          <p:cNvPr id="11" name="图片 10">
+            <a:extLst>
+              <a:ext uri="{FF2B5EF4-FFF2-40B4-BE49-F238E27FC236}">
+                <a16:creationId xmlns:a16="http://schemas.microsoft.com/office/drawing/2014/main" id="{C2210450-E555-CAD1-C32B-58B2104C94CE}"/>
+              </a:ext>
+            </a:extLst>
+          </p:cNvPr>
+          <p:cNvPicPr>
+            <a:picLocks noChangeAspect="1"/>
+          </p:cNvPicPr>
+          <p:nvPr/>
+        </p:nvPicPr>
+        <p:blipFill>
+          <a:blip r:embed="rId5"/>
+          <a:stretch>
+            <a:fillRect/>
+          </a:stretch>
+        </p:blipFill>
+        <p:spPr>
+          <a:xfrm>
+            <a:off x="1332121" y="7432265"/>
+            <a:ext cx="10555079" cy="4024230"/>
+          </a:xfrm>
+          <a:prstGeom prst="rect">
+            <a:avLst/>
+          </a:prstGeom>
+        </p:spPr>
+      </p:pic>
+      <p:pic>
+        <p:nvPicPr>
+          <p:cNvPr id="17" name="图片 16">
+            <a:extLst>
+              <a:ext uri="{FF2B5EF4-FFF2-40B4-BE49-F238E27FC236}">
+                <a16:creationId xmlns:a16="http://schemas.microsoft.com/office/drawing/2014/main" id="{A2BC4869-EE05-BD09-2BF4-D69C17778AE3}"/>
+              </a:ext>
+            </a:extLst>
+          </p:cNvPr>
+          <p:cNvPicPr>
+            <a:picLocks noChangeAspect="1"/>
+          </p:cNvPicPr>
+          <p:nvPr/>
+        </p:nvPicPr>
+        <p:blipFill>
+          <a:blip r:embed="rId6"/>
+          <a:stretch>
+            <a:fillRect/>
+          </a:stretch>
+        </p:blipFill>
+        <p:spPr>
+          <a:xfrm>
+            <a:off x="12133732" y="7432264"/>
+            <a:ext cx="9208364" cy="4024230"/>
           </a:xfrm>
           <a:prstGeom prst="rect">
             <a:avLst/>
@@ -7192,7 +7282,7 @@
       </p:pic>
     </p:spTree>
     <p:custDataLst>
-      <p:tags r:id="rId2"/>
+      <p:tags r:id="rId1"/>
     </p:custDataLst>
   </p:cSld>
   <p:clrMapOvr>
@@ -7220,55 +7310,7 @@
       </p:grpSpPr>
       <p:sp>
         <p:nvSpPr>
-          <p:cNvPr id="6" name="文本框 5"/>
-          <p:cNvSpPr txBox="1"/>
-          <p:nvPr/>
-        </p:nvSpPr>
-        <p:spPr>
-          <a:xfrm>
-            <a:off x="16680180" y="3757930"/>
-            <a:ext cx="4286885" cy="5507990"/>
-          </a:xfrm>
-          <a:prstGeom prst="rect">
-            <a:avLst/>
-          </a:prstGeom>
-          <a:noFill/>
-        </p:spPr>
-        <p:txBody>
-          <a:bodyPr wrap="square">
-            <a:spAutoFit/>
-          </a:bodyPr>
-          <a:lstStyle/>
-          <a:p>
-            <a:pPr algn="l">
-              <a:buClrTx/>
-              <a:buSzTx/>
-              <a:buFontTx/>
-            </a:pPr>
-            <a:r>
-              <a:rPr lang="en-US" altLang="zh-CN" sz="4100" b="1" dirty="0">
-                <a:solidFill>
-                  <a:srgbClr val="FF0000"/>
-                </a:solidFill>
-                <a:latin typeface="Novecento wide Bold" panose="00000805000000000000" charset="0"/>
-              </a:rPr>
-              <a:t>		</a:t>
-            </a:r>
-            <a:r>
-              <a:rPr lang="zh-CN" altLang="en-US" sz="4400" b="1" dirty="0">
-                <a:latin typeface="Novecento wide Bold" panose="00000805000000000000" charset="0"/>
-              </a:rPr>
-              <a:t>参加师兄师姐的毕业预答辩，学习研究课题相关的科研经验。主要涉及到生物传感器的研发和便携式仪器的研制。</a:t>
-            </a:r>
-            <a:endParaRPr lang="zh-CN" altLang="en-US" sz="4400" b="1" dirty="0">
-              <a:latin typeface="Novecento wide Bold" panose="00000805000000000000" charset="0"/>
-            </a:endParaRPr>
-          </a:p>
-        </p:txBody>
-      </p:sp>
-      <p:sp>
-        <p:nvSpPr>
-          <p:cNvPr id="2" name="矩形 1"/>
+          <p:cNvPr id="15" name="矩形 14"/>
           <p:cNvSpPr/>
           <p:nvPr/>
         </p:nvSpPr>
@@ -7304,6 +7346,7 @@
                 </a:solidFill>
                 <a:latin typeface="微软雅黑" panose="020B0503020204020204" pitchFamily="34" charset="-122"/>
                 <a:ea typeface="微软雅黑" panose="020B0503020204020204" pitchFamily="34" charset="-122"/>
+                <a:sym typeface="+mn-ea"/>
               </a:rPr>
               <a:t>3.</a:t>
             </a:r>
@@ -7314,8 +7357,9 @@
                 </a:solidFill>
                 <a:latin typeface="微软雅黑" panose="020B0503020204020204" pitchFamily="34" charset="-122"/>
                 <a:ea typeface="微软雅黑" panose="020B0503020204020204" pitchFamily="34" charset="-122"/>
+                <a:sym typeface="+mn-ea"/>
               </a:rPr>
-              <a:t>学术会议</a:t>
+              <a:t>材料采购</a:t>
             </a:r>
             <a:r>
               <a:rPr lang="en-US" altLang="zh-CN" sz="4000" b="1" dirty="0">
@@ -7324,6 +7368,7 @@
                 </a:solidFill>
                 <a:latin typeface="微软雅黑" panose="020B0503020204020204" pitchFamily="34" charset="-122"/>
                 <a:ea typeface="微软雅黑" panose="020B0503020204020204" pitchFamily="34" charset="-122"/>
+                <a:sym typeface="+mn-ea"/>
               </a:rPr>
               <a:t>——</a:t>
             </a:r>
@@ -7334,10 +7379,11 @@
                 </a:solidFill>
                 <a:latin typeface="微软雅黑" panose="020B0503020204020204" pitchFamily="34" charset="-122"/>
                 <a:ea typeface="微软雅黑" panose="020B0503020204020204" pitchFamily="34" charset="-122"/>
+                <a:sym typeface="+mn-ea"/>
               </a:rPr>
-              <a:t>参加生物传感器小组组会</a:t>
-            </a:r>
-            <a:endParaRPr lang="en-US" altLang="zh-CN" sz="4000" b="1" dirty="0">
+              <a:t>拟购买部分补充材料</a:t>
+            </a:r>
+            <a:endParaRPr lang="zh-CN" altLang="en-US" sz="4000" b="1" dirty="0">
               <a:solidFill>
                 <a:srgbClr val="002060"/>
               </a:solidFill>
@@ -7347,6 +7393,67 @@
           </a:p>
         </p:txBody>
       </p:sp>
+      <p:sp>
+        <p:nvSpPr>
+          <p:cNvPr id="7" name="文本框 6"/>
+          <p:cNvSpPr txBox="1"/>
+          <p:nvPr/>
+        </p:nvSpPr>
+        <p:spPr>
+          <a:xfrm>
+            <a:off x="16866795" y="5113019"/>
+            <a:ext cx="3784600" cy="2799715"/>
+          </a:xfrm>
+          <a:prstGeom prst="rect">
+            <a:avLst/>
+          </a:prstGeom>
+          <a:noFill/>
+        </p:spPr>
+        <p:txBody>
+          <a:bodyPr wrap="square">
+            <a:spAutoFit/>
+          </a:bodyPr>
+          <a:lstStyle/>
+          <a:p>
+            <a:r>
+              <a:rPr lang="en-US" altLang="zh-CN" sz="4400" b="1" dirty="0">
+                <a:latin typeface="Novecento wide Bold" panose="00000805000000000000" charset="0"/>
+              </a:rPr>
+              <a:t>		</a:t>
+            </a:r>
+            <a:r>
+              <a:rPr lang="zh-CN" altLang="en-US" sz="4400" b="1" dirty="0">
+                <a:latin typeface="Novecento wide Bold" panose="00000805000000000000" charset="0"/>
+              </a:rPr>
+              <a:t>拟购买部分补充材料，具体明细及用途见表格。</a:t>
+            </a:r>
+          </a:p>
+        </p:txBody>
+      </p:sp>
+      <p:pic>
+        <p:nvPicPr>
+          <p:cNvPr id="3" name="图片 2"/>
+          <p:cNvPicPr>
+            <a:picLocks noChangeAspect="1"/>
+          </p:cNvPicPr>
+          <p:nvPr/>
+        </p:nvPicPr>
+        <p:blipFill>
+          <a:blip r:embed="rId4"/>
+          <a:stretch>
+            <a:fillRect/>
+          </a:stretch>
+        </p:blipFill>
+        <p:spPr>
+          <a:xfrm>
+            <a:off x="779145" y="1221105"/>
+            <a:ext cx="14930120" cy="10583545"/>
+          </a:xfrm>
+          <a:prstGeom prst="rect">
+            <a:avLst/>
+          </a:prstGeom>
+        </p:spPr>
+      </p:pic>
     </p:spTree>
     <p:custDataLst>
       <p:tags r:id="rId1"/>
@@ -7446,13 +7553,6 @@
               </a:rPr>
               <a:t>学习数字图像处理的相关知识</a:t>
             </a:r>
-            <a:endParaRPr lang="zh-CN" altLang="en-US" sz="4000" b="1" dirty="0">
-              <a:solidFill>
-                <a:srgbClr val="002060"/>
-              </a:solidFill>
-              <a:latin typeface="微软雅黑" panose="020B0503020204020204" pitchFamily="34" charset="-122"/>
-              <a:ea typeface="微软雅黑" panose="020B0503020204020204" pitchFamily="34" charset="-122"/>
-            </a:endParaRPr>
           </a:p>
         </p:txBody>
       </p:sp>
@@ -7488,17 +7588,8 @@
               <a:rPr lang="zh-CN" altLang="en-US" sz="4400" b="1" dirty="0">
                 <a:latin typeface="Novecento wide Bold" panose="00000805000000000000" charset="0"/>
               </a:rPr>
-              <a:t>学习了数字图像处理的相关理论知识。为后期科研工作</a:t>
-            </a:r>
-            <a:r>
-              <a:rPr lang="zh-CN" altLang="en-US" sz="4400" b="1" dirty="0">
-                <a:latin typeface="Novecento wide Bold" panose="00000805000000000000" charset="0"/>
-              </a:rPr>
-              <a:t>打下基础。</a:t>
-            </a:r>
-            <a:endParaRPr lang="zh-CN" altLang="en-US" sz="4400" b="1" dirty="0">
-              <a:latin typeface="Novecento wide Bold" panose="00000805000000000000" charset="0"/>
-            </a:endParaRPr>
+              <a:t>学习了数字图像处理的相关理论知识。为后期科研工作打下基础。</a:t>
+            </a:r>
           </a:p>
         </p:txBody>
       </p:sp>
@@ -7525,7 +7616,7 @@
             <p:nvPr/>
           </p:nvPicPr>
           <p:blipFill>
-            <a:blip r:embed="rId1"/>
+            <a:blip r:embed="rId4"/>
             <a:stretch>
               <a:fillRect/>
             </a:stretch>
@@ -7549,7 +7640,7 @@
             <p:nvPr/>
           </p:nvPicPr>
           <p:blipFill>
-            <a:blip r:embed="rId2"/>
+            <a:blip r:embed="rId5"/>
             <a:stretch>
               <a:fillRect/>
             </a:stretch>
@@ -7573,7 +7664,7 @@
             <p:nvPr/>
           </p:nvPicPr>
           <p:blipFill>
-            <a:blip r:embed="rId3"/>
+            <a:blip r:embed="rId6"/>
             <a:stretch>
               <a:fillRect/>
             </a:stretch>
@@ -7597,7 +7688,7 @@
             <p:nvPr/>
           </p:nvPicPr>
           <p:blipFill>
-            <a:blip r:embed="rId4"/>
+            <a:blip r:embed="rId7"/>
             <a:stretch>
               <a:fillRect/>
             </a:stretch>
@@ -7615,7 +7706,7 @@
       </p:grpSp>
     </p:spTree>
     <p:custDataLst>
-      <p:tags r:id="rId5"/>
+      <p:tags r:id="rId1"/>
     </p:custDataLst>
   </p:cSld>
   <p:clrMapOvr>
@@ -7625,7 +7716,7 @@
 </file>
 
 <file path=ppt/tags/tag1.xml><?xml version="1.0" encoding="utf-8"?>
-<p:tagLst xmlns:p="http://schemas.openxmlformats.org/presentationml/2006/main">
+<p:tagLst xmlns:a="http://schemas.openxmlformats.org/drawingml/2006/main" xmlns:r="http://schemas.openxmlformats.org/officeDocument/2006/relationships" xmlns:p="http://schemas.openxmlformats.org/presentationml/2006/main">
   <p:tag name="KSO_WM_TEMPLATE_CATEGORY" val="preset"/>
   <p:tag name="KSO_WM_TEMPLATE_INDEX" val="11"/>
   <p:tag name="KSO_WM_TAG_VERSION" val="1.0"/>
@@ -7640,7 +7731,7 @@
 </file>
 
 <file path=ppt/tags/tag2.xml><?xml version="1.0" encoding="utf-8"?>
-<p:tagLst xmlns:p="http://schemas.openxmlformats.org/presentationml/2006/main">
+<p:tagLst xmlns:a="http://schemas.openxmlformats.org/drawingml/2006/main" xmlns:r="http://schemas.openxmlformats.org/officeDocument/2006/relationships" xmlns:p="http://schemas.openxmlformats.org/presentationml/2006/main">
   <p:tag name="KSO_WM_TEMPLATE_CATEGORY" val="preset"/>
   <p:tag name="KSO_WM_TEMPLATE_INDEX" val="11"/>
   <p:tag name="KSO_WM_TAG_VERSION" val="1.0"/>
@@ -7655,7 +7746,7 @@
 </file>
 
 <file path=ppt/tags/tag3.xml><?xml version="1.0" encoding="utf-8"?>
-<p:tagLst xmlns:p="http://schemas.openxmlformats.org/presentationml/2006/main">
+<p:tagLst xmlns:a="http://schemas.openxmlformats.org/drawingml/2006/main" xmlns:r="http://schemas.openxmlformats.org/officeDocument/2006/relationships" xmlns:p="http://schemas.openxmlformats.org/presentationml/2006/main">
   <p:tag name="KSO_WM_TEMPLATE_CATEGORY" val="preset"/>
   <p:tag name="KSO_WM_TEMPLATE_INDEX" val="11"/>
   <p:tag name="KSO_WM_TAG_VERSION" val="1.0"/>
@@ -7670,7 +7761,7 @@
 </file>
 
 <file path=ppt/tags/tag4.xml><?xml version="1.0" encoding="utf-8"?>
-<p:tagLst xmlns:p="http://schemas.openxmlformats.org/presentationml/2006/main">
+<p:tagLst xmlns:a="http://schemas.openxmlformats.org/drawingml/2006/main" xmlns:r="http://schemas.openxmlformats.org/officeDocument/2006/relationships" xmlns:p="http://schemas.openxmlformats.org/presentationml/2006/main">
   <p:tag name="KSO_WM_TEMPLATE_CATEGORY" val="preset"/>
   <p:tag name="KSO_WM_TEMPLATE_INDEX" val="11"/>
   <p:tag name="KSO_WM_TAG_VERSION" val="1.0"/>
@@ -7685,7 +7776,7 @@
 </file>
 
 <file path=ppt/tags/tag5.xml><?xml version="1.0" encoding="utf-8"?>
-<p:tagLst xmlns:p="http://schemas.openxmlformats.org/presentationml/2006/main">
+<p:tagLst xmlns:a="http://schemas.openxmlformats.org/drawingml/2006/main" xmlns:r="http://schemas.openxmlformats.org/officeDocument/2006/relationships" xmlns:p="http://schemas.openxmlformats.org/presentationml/2006/main">
   <p:tag name="KSO_WM_TEMPLATE_CATEGORY" val="preset"/>
   <p:tag name="KSO_WM_TEMPLATE_INDEX" val="11"/>
   <p:tag name="KSO_WM_TAG_VERSION" val="1.0"/>
@@ -7950,6 +8041,8 @@
       </a:bgFillStyleLst>
     </a:fmtScheme>
   </a:themeElements>
+  <a:objectDefaults/>
+  <a:extraClrSchemeLst/>
   <a:extLst>
     <a:ext uri="{05A4C25C-085E-4340-85A3-A5531E510DB2}">
       <thm15:themeFamily xmlns:thm15="http://schemas.microsoft.com/office/thememl/2012/main" name="Office Theme" id="{62F939B6-93AF-4DB8-9C6B-D6C7DFDC589F}" vid="{4A3C46E8-61CC-4603-A589-7422A47A8E4A}"/>
@@ -8209,6 +8302,8 @@
       </a:bgFillStyleLst>
     </a:fmtScheme>
   </a:themeElements>
+  <a:objectDefaults/>
+  <a:extraClrSchemeLst/>
   <a:extLst>
     <a:ext uri="{05A4C25C-085E-4340-85A3-A5531E510DB2}">
       <thm15:themeFamily xmlns:thm15="http://schemas.microsoft.com/office/thememl/2012/main" name="Office Theme" id="{62F939B6-93AF-4DB8-9C6B-D6C7DFDC589F}" vid="{4A3C46E8-61CC-4603-A589-7422A47A8E4A}"/>
@@ -8468,6 +8563,8 @@
       </a:bgFillStyleLst>
     </a:fmtScheme>
   </a:themeElements>
+  <a:objectDefaults/>
+  <a:extraClrSchemeLst/>
   <a:extLst>
     <a:ext uri="{05A4C25C-085E-4340-85A3-A5531E510DB2}">
       <thm15:themeFamily xmlns:thm15="http://schemas.microsoft.com/office/thememl/2012/main" name="Office Theme" id="{62F939B6-93AF-4DB8-9C6B-D6C7DFDC589F}" vid="{4A3C46E8-61CC-4603-A589-7422A47A8E4A}"/>

--- a/2024年/周报20240329.pptx
+++ b/2024年/周报20240329.pptx
@@ -3,19 +3,19 @@
 <p:presentation xmlns:a="http://schemas.openxmlformats.org/drawingml/2006/main" xmlns:r="http://schemas.openxmlformats.org/officeDocument/2006/relationships" xmlns:p="http://schemas.openxmlformats.org/presentationml/2006/main">
   <p:sldMasterIdLst>
     <p:sldMasterId id="2147483648" r:id="rId1"/>
-    <p:sldMasterId id="2147483660" r:id="rId2"/>
+    <p:sldMasterId id="2147483660" r:id="rId3"/>
   </p:sldMasterIdLst>
   <p:notesMasterIdLst>
-    <p:notesMasterId r:id="rId8"/>
+    <p:notesMasterId r:id="rId6"/>
   </p:notesMasterIdLst>
   <p:sldIdLst>
-    <p:sldId id="256" r:id="rId3"/>
-    <p:sldId id="298" r:id="rId4"/>
-    <p:sldId id="294" r:id="rId5"/>
-    <p:sldId id="303" r:id="rId6"/>
-    <p:sldId id="301" r:id="rId7"/>
+    <p:sldId id="256" r:id="rId4"/>
+    <p:sldId id="298" r:id="rId5"/>
+    <p:sldId id="294" r:id="rId7"/>
+    <p:sldId id="303" r:id="rId8"/>
+    <p:sldId id="301" r:id="rId9"/>
   </p:sldIdLst>
-  <p:sldSz cx="21674138" cy="12192000"/>
+  <p:sldSz cx="21673820" cy="12192000"/>
   <p:notesSz cx="6858000" cy="9144000"/>
   <p:defaultTextStyle>
     <a:defPPr>
@@ -112,11 +112,6 @@
       </a:defRPr>
     </a:lvl9pPr>
   </p:defaultTextStyle>
-  <p:extLst>
-    <p:ext uri="{EFAFB233-063F-42B5-8137-9DF3F51BA10A}">
-      <p15:sldGuideLst xmlns:p15="http://schemas.microsoft.com/office/powerpoint/2012/main"/>
-    </p:ext>
-  </p:extLst>
 </p:presentation>
 </file>
 
@@ -202,7 +197,6 @@
           <a:p>
             <a:fld id="{92A886A3-F3BF-43BF-98DA-550FC405FF30}" type="datetimeFigureOut">
               <a:rPr lang="zh-CN" altLang="en-US" smtClean="0"/>
-              <a:t>2024/3/26</a:t>
             </a:fld>
             <a:endParaRPr lang="zh-CN" altLang="en-US"/>
           </a:p>
@@ -269,6 +263,7 @@
               <a:rPr lang="zh-CN" altLang="en-US"/>
               <a:t>编辑母版文本样式</a:t>
             </a:r>
+            <a:endParaRPr lang="zh-CN" altLang="en-US"/>
           </a:p>
           <a:p>
             <a:pPr lvl="1"/>
@@ -276,6 +271,7 @@
               <a:rPr lang="zh-CN" altLang="en-US"/>
               <a:t>第二级</a:t>
             </a:r>
+            <a:endParaRPr lang="zh-CN" altLang="en-US"/>
           </a:p>
           <a:p>
             <a:pPr lvl="2"/>
@@ -283,6 +279,7 @@
               <a:rPr lang="zh-CN" altLang="en-US"/>
               <a:t>第三级</a:t>
             </a:r>
+            <a:endParaRPr lang="zh-CN" altLang="en-US"/>
           </a:p>
           <a:p>
             <a:pPr lvl="3"/>
@@ -290,6 +287,7 @@
               <a:rPr lang="zh-CN" altLang="en-US"/>
               <a:t>第四级</a:t>
             </a:r>
+            <a:endParaRPr lang="zh-CN" altLang="en-US"/>
           </a:p>
           <a:p>
             <a:pPr lvl="4"/>
@@ -297,6 +295,7 @@
               <a:rPr lang="zh-CN" altLang="en-US"/>
               <a:t>第五级</a:t>
             </a:r>
+            <a:endParaRPr lang="zh-CN" altLang="en-US"/>
           </a:p>
         </p:txBody>
       </p:sp>
@@ -360,7 +359,6 @@
           <a:p>
             <a:fld id="{20243972-8437-4FFD-A994-054600F4BB13}" type="slidenum">
               <a:rPr lang="zh-CN" altLang="en-US" smtClean="0"/>
-              <a:t>‹#›</a:t>
             </a:fld>
             <a:endParaRPr lang="zh-CN" altLang="en-US"/>
           </a:p>
@@ -529,7 +527,6 @@
           <a:p>
             <a:fld id="{20243972-8437-4FFD-A994-054600F4BB13}" type="slidenum">
               <a:rPr lang="zh-CN" altLang="en-US" smtClean="0"/>
-              <a:t>2</a:t>
             </a:fld>
             <a:endParaRPr lang="zh-CN" altLang="en-US"/>
           </a:p>
@@ -608,7 +605,6 @@
           <a:p>
             <a:fld id="{20243972-8437-4FFD-A994-054600F4BB13}" type="slidenum">
               <a:rPr lang="zh-CN" altLang="en-US" smtClean="0"/>
-              <a:t>3</a:t>
             </a:fld>
             <a:endParaRPr lang="zh-CN" altLang="en-US"/>
           </a:p>
@@ -687,7 +683,6 @@
           <a:p>
             <a:fld id="{20243972-8437-4FFD-A994-054600F4BB13}" type="slidenum">
               <a:rPr lang="zh-CN" altLang="en-US" smtClean="0"/>
-              <a:t>4</a:t>
             </a:fld>
             <a:endParaRPr lang="zh-CN" altLang="en-US"/>
           </a:p>
@@ -766,7 +761,6 @@
           <a:p>
             <a:fld id="{20243972-8437-4FFD-A994-054600F4BB13}" type="slidenum">
               <a:rPr lang="zh-CN" altLang="en-US" smtClean="0"/>
-              <a:t>5</a:t>
             </a:fld>
             <a:endParaRPr lang="zh-CN" altLang="en-US"/>
           </a:p>
@@ -825,6 +819,7 @@
               <a:rPr lang="zh-CN" altLang="en-US"/>
               <a:t>单击此处编辑母版标题样式</a:t>
             </a:r>
+            <a:endParaRPr lang="zh-CN" altLang="en-US"/>
           </a:p>
         </p:txBody>
       </p:sp>
@@ -889,6 +884,7 @@
               <a:rPr lang="zh-CN" altLang="en-US"/>
               <a:t>单击此处编辑母版副标题样式</a:t>
             </a:r>
+            <a:endParaRPr lang="zh-CN" altLang="en-US"/>
           </a:p>
         </p:txBody>
       </p:sp>
@@ -909,7 +905,6 @@
           <a:p>
             <a:fld id="{A94AD69E-FE2F-4EDF-9961-DCA2A010D4E8}" type="datetimeFigureOut">
               <a:rPr lang="zh-CN" altLang="en-US" smtClean="0"/>
-              <a:t>2024/3/26</a:t>
             </a:fld>
             <a:endParaRPr lang="zh-CN" altLang="en-US"/>
           </a:p>
@@ -951,7 +946,6 @@
           <a:p>
             <a:fld id="{D136606D-2876-4B42-B906-0F01D489F363}" type="slidenum">
               <a:rPr lang="zh-CN" altLang="en-US" smtClean="0"/>
-              <a:t>‹#›</a:t>
             </a:fld>
             <a:endParaRPr lang="zh-CN" altLang="en-US"/>
           </a:p>
@@ -1001,6 +995,7 @@
               <a:rPr lang="zh-CN" altLang="en-US"/>
               <a:t>单击此处编辑母版标题样式</a:t>
             </a:r>
+            <a:endParaRPr lang="zh-CN" altLang="en-US"/>
           </a:p>
         </p:txBody>
       </p:sp>
@@ -1024,6 +1019,7 @@
               <a:rPr lang="zh-CN" altLang="en-US"/>
               <a:t>编辑母版文本样式</a:t>
             </a:r>
+            <a:endParaRPr lang="zh-CN" altLang="en-US"/>
           </a:p>
           <a:p>
             <a:pPr lvl="1"/>
@@ -1031,6 +1027,7 @@
               <a:rPr lang="zh-CN" altLang="en-US"/>
               <a:t>第二级</a:t>
             </a:r>
+            <a:endParaRPr lang="zh-CN" altLang="en-US"/>
           </a:p>
           <a:p>
             <a:pPr lvl="2"/>
@@ -1038,6 +1035,7 @@
               <a:rPr lang="zh-CN" altLang="en-US"/>
               <a:t>第三级</a:t>
             </a:r>
+            <a:endParaRPr lang="zh-CN" altLang="en-US"/>
           </a:p>
           <a:p>
             <a:pPr lvl="3"/>
@@ -1045,6 +1043,7 @@
               <a:rPr lang="zh-CN" altLang="en-US"/>
               <a:t>第四级</a:t>
             </a:r>
+            <a:endParaRPr lang="zh-CN" altLang="en-US"/>
           </a:p>
           <a:p>
             <a:pPr lvl="4"/>
@@ -1052,6 +1051,7 @@
               <a:rPr lang="zh-CN" altLang="en-US"/>
               <a:t>第五级</a:t>
             </a:r>
+            <a:endParaRPr lang="zh-CN" altLang="en-US"/>
           </a:p>
         </p:txBody>
       </p:sp>
@@ -1072,7 +1072,6 @@
           <a:p>
             <a:fld id="{A94AD69E-FE2F-4EDF-9961-DCA2A010D4E8}" type="datetimeFigureOut">
               <a:rPr lang="zh-CN" altLang="en-US" smtClean="0"/>
-              <a:t>2024/3/26</a:t>
             </a:fld>
             <a:endParaRPr lang="zh-CN" altLang="en-US"/>
           </a:p>
@@ -1114,7 +1113,6 @@
           <a:p>
             <a:fld id="{D136606D-2876-4B42-B906-0F01D489F363}" type="slidenum">
               <a:rPr lang="zh-CN" altLang="en-US" smtClean="0"/>
-              <a:t>‹#›</a:t>
             </a:fld>
             <a:endParaRPr lang="zh-CN" altLang="en-US"/>
           </a:p>
@@ -1169,6 +1167,7 @@
               <a:rPr lang="zh-CN" altLang="en-US"/>
               <a:t>单击此处编辑母版标题样式</a:t>
             </a:r>
+            <a:endParaRPr lang="zh-CN" altLang="en-US"/>
           </a:p>
         </p:txBody>
       </p:sp>
@@ -1197,6 +1196,7 @@
               <a:rPr lang="zh-CN" altLang="en-US"/>
               <a:t>编辑母版文本样式</a:t>
             </a:r>
+            <a:endParaRPr lang="zh-CN" altLang="en-US"/>
           </a:p>
           <a:p>
             <a:pPr lvl="1"/>
@@ -1204,6 +1204,7 @@
               <a:rPr lang="zh-CN" altLang="en-US"/>
               <a:t>第二级</a:t>
             </a:r>
+            <a:endParaRPr lang="zh-CN" altLang="en-US"/>
           </a:p>
           <a:p>
             <a:pPr lvl="2"/>
@@ -1211,6 +1212,7 @@
               <a:rPr lang="zh-CN" altLang="en-US"/>
               <a:t>第三级</a:t>
             </a:r>
+            <a:endParaRPr lang="zh-CN" altLang="en-US"/>
           </a:p>
           <a:p>
             <a:pPr lvl="3"/>
@@ -1218,6 +1220,7 @@
               <a:rPr lang="zh-CN" altLang="en-US"/>
               <a:t>第四级</a:t>
             </a:r>
+            <a:endParaRPr lang="zh-CN" altLang="en-US"/>
           </a:p>
           <a:p>
             <a:pPr lvl="4"/>
@@ -1225,6 +1228,7 @@
               <a:rPr lang="zh-CN" altLang="en-US"/>
               <a:t>第五级</a:t>
             </a:r>
+            <a:endParaRPr lang="zh-CN" altLang="en-US"/>
           </a:p>
         </p:txBody>
       </p:sp>
@@ -1245,7 +1249,6 @@
           <a:p>
             <a:fld id="{A94AD69E-FE2F-4EDF-9961-DCA2A010D4E8}" type="datetimeFigureOut">
               <a:rPr lang="zh-CN" altLang="en-US" smtClean="0"/>
-              <a:t>2024/3/26</a:t>
             </a:fld>
             <a:endParaRPr lang="zh-CN" altLang="en-US"/>
           </a:p>
@@ -1287,7 +1290,6 @@
           <a:p>
             <a:fld id="{D136606D-2876-4B42-B906-0F01D489F363}" type="slidenum">
               <a:rPr lang="zh-CN" altLang="en-US" smtClean="0"/>
-              <a:t>‹#›</a:t>
             </a:fld>
             <a:endParaRPr lang="zh-CN" altLang="en-US"/>
           </a:p>
@@ -1346,6 +1348,7 @@
               <a:rPr lang="zh-CN" altLang="en-US"/>
               <a:t>单击此处编辑母版标题样式</a:t>
             </a:r>
+            <a:endParaRPr lang="zh-CN" altLang="en-US"/>
           </a:p>
         </p:txBody>
       </p:sp>
@@ -1410,6 +1413,7 @@
               <a:rPr lang="zh-CN" altLang="en-US"/>
               <a:t>单击此处编辑母版副标题样式</a:t>
             </a:r>
+            <a:endParaRPr lang="zh-CN" altLang="en-US"/>
           </a:p>
         </p:txBody>
       </p:sp>
@@ -1430,7 +1434,6 @@
           <a:p>
             <a:fld id="{A94AD69E-FE2F-4EDF-9961-DCA2A010D4E8}" type="datetimeFigureOut">
               <a:rPr lang="zh-CN" altLang="en-US" smtClean="0"/>
-              <a:t>2024/3/26</a:t>
             </a:fld>
             <a:endParaRPr lang="zh-CN" altLang="en-US"/>
           </a:p>
@@ -1472,7 +1475,6 @@
           <a:p>
             <a:fld id="{D136606D-2876-4B42-B906-0F01D489F363}" type="slidenum">
               <a:rPr lang="zh-CN" altLang="en-US" smtClean="0"/>
-              <a:t>‹#›</a:t>
             </a:fld>
             <a:endParaRPr lang="zh-CN" altLang="en-US"/>
           </a:p>
@@ -1522,6 +1524,7 @@
               <a:rPr lang="zh-CN" altLang="en-US"/>
               <a:t>单击此处编辑母版标题样式</a:t>
             </a:r>
+            <a:endParaRPr lang="zh-CN" altLang="en-US"/>
           </a:p>
         </p:txBody>
       </p:sp>
@@ -1545,6 +1548,7 @@
               <a:rPr lang="zh-CN" altLang="en-US"/>
               <a:t>编辑母版文本样式</a:t>
             </a:r>
+            <a:endParaRPr lang="zh-CN" altLang="en-US"/>
           </a:p>
           <a:p>
             <a:pPr lvl="1"/>
@@ -1552,6 +1556,7 @@
               <a:rPr lang="zh-CN" altLang="en-US"/>
               <a:t>第二级</a:t>
             </a:r>
+            <a:endParaRPr lang="zh-CN" altLang="en-US"/>
           </a:p>
           <a:p>
             <a:pPr lvl="2"/>
@@ -1559,6 +1564,7 @@
               <a:rPr lang="zh-CN" altLang="en-US"/>
               <a:t>第三级</a:t>
             </a:r>
+            <a:endParaRPr lang="zh-CN" altLang="en-US"/>
           </a:p>
           <a:p>
             <a:pPr lvl="3"/>
@@ -1566,6 +1572,7 @@
               <a:rPr lang="zh-CN" altLang="en-US"/>
               <a:t>第四级</a:t>
             </a:r>
+            <a:endParaRPr lang="zh-CN" altLang="en-US"/>
           </a:p>
           <a:p>
             <a:pPr lvl="4"/>
@@ -1573,6 +1580,7 @@
               <a:rPr lang="zh-CN" altLang="en-US"/>
               <a:t>第五级</a:t>
             </a:r>
+            <a:endParaRPr lang="zh-CN" altLang="en-US"/>
           </a:p>
         </p:txBody>
       </p:sp>
@@ -1593,7 +1601,6 @@
           <a:p>
             <a:fld id="{A94AD69E-FE2F-4EDF-9961-DCA2A010D4E8}" type="datetimeFigureOut">
               <a:rPr lang="zh-CN" altLang="en-US" smtClean="0"/>
-              <a:t>2024/3/26</a:t>
             </a:fld>
             <a:endParaRPr lang="zh-CN" altLang="en-US"/>
           </a:p>
@@ -1635,7 +1642,6 @@
           <a:p>
             <a:fld id="{D136606D-2876-4B42-B906-0F01D489F363}" type="slidenum">
               <a:rPr lang="zh-CN" altLang="en-US" smtClean="0"/>
-              <a:t>‹#›</a:t>
             </a:fld>
             <a:endParaRPr lang="zh-CN" altLang="en-US"/>
           </a:p>
@@ -1694,6 +1700,7 @@
               <a:rPr lang="zh-CN" altLang="en-US"/>
               <a:t>单击此处编辑母版标题样式</a:t>
             </a:r>
+            <a:endParaRPr lang="zh-CN" altLang="en-US"/>
           </a:p>
         </p:txBody>
       </p:sp>
@@ -1813,6 +1820,7 @@
               <a:rPr lang="zh-CN" altLang="en-US"/>
               <a:t>编辑母版文本样式</a:t>
             </a:r>
+            <a:endParaRPr lang="zh-CN" altLang="en-US"/>
           </a:p>
         </p:txBody>
       </p:sp>
@@ -1833,7 +1841,6 @@
           <a:p>
             <a:fld id="{A94AD69E-FE2F-4EDF-9961-DCA2A010D4E8}" type="datetimeFigureOut">
               <a:rPr lang="zh-CN" altLang="en-US" smtClean="0"/>
-              <a:t>2024/3/26</a:t>
             </a:fld>
             <a:endParaRPr lang="zh-CN" altLang="en-US"/>
           </a:p>
@@ -1875,7 +1882,6 @@
           <a:p>
             <a:fld id="{D136606D-2876-4B42-B906-0F01D489F363}" type="slidenum">
               <a:rPr lang="zh-CN" altLang="en-US" smtClean="0"/>
-              <a:t>‹#›</a:t>
             </a:fld>
             <a:endParaRPr lang="zh-CN" altLang="en-US"/>
           </a:p>
@@ -1925,6 +1931,7 @@
               <a:rPr lang="zh-CN" altLang="en-US"/>
               <a:t>单击此处编辑母版标题样式</a:t>
             </a:r>
+            <a:endParaRPr lang="zh-CN" altLang="en-US"/>
           </a:p>
         </p:txBody>
       </p:sp>
@@ -1953,6 +1960,7 @@
               <a:rPr lang="zh-CN" altLang="en-US"/>
               <a:t>编辑母版文本样式</a:t>
             </a:r>
+            <a:endParaRPr lang="zh-CN" altLang="en-US"/>
           </a:p>
           <a:p>
             <a:pPr lvl="1"/>
@@ -1960,6 +1968,7 @@
               <a:rPr lang="zh-CN" altLang="en-US"/>
               <a:t>第二级</a:t>
             </a:r>
+            <a:endParaRPr lang="zh-CN" altLang="en-US"/>
           </a:p>
           <a:p>
             <a:pPr lvl="2"/>
@@ -1967,6 +1976,7 @@
               <a:rPr lang="zh-CN" altLang="en-US"/>
               <a:t>第三级</a:t>
             </a:r>
+            <a:endParaRPr lang="zh-CN" altLang="en-US"/>
           </a:p>
           <a:p>
             <a:pPr lvl="3"/>
@@ -1974,6 +1984,7 @@
               <a:rPr lang="zh-CN" altLang="en-US"/>
               <a:t>第四级</a:t>
             </a:r>
+            <a:endParaRPr lang="zh-CN" altLang="en-US"/>
           </a:p>
           <a:p>
             <a:pPr lvl="4"/>
@@ -1981,6 +1992,7 @@
               <a:rPr lang="zh-CN" altLang="en-US"/>
               <a:t>第五级</a:t>
             </a:r>
+            <a:endParaRPr lang="zh-CN" altLang="en-US"/>
           </a:p>
         </p:txBody>
       </p:sp>
@@ -2009,6 +2021,7 @@
               <a:rPr lang="zh-CN" altLang="en-US"/>
               <a:t>编辑母版文本样式</a:t>
             </a:r>
+            <a:endParaRPr lang="zh-CN" altLang="en-US"/>
           </a:p>
           <a:p>
             <a:pPr lvl="1"/>
@@ -2016,6 +2029,7 @@
               <a:rPr lang="zh-CN" altLang="en-US"/>
               <a:t>第二级</a:t>
             </a:r>
+            <a:endParaRPr lang="zh-CN" altLang="en-US"/>
           </a:p>
           <a:p>
             <a:pPr lvl="2"/>
@@ -2023,6 +2037,7 @@
               <a:rPr lang="zh-CN" altLang="en-US"/>
               <a:t>第三级</a:t>
             </a:r>
+            <a:endParaRPr lang="zh-CN" altLang="en-US"/>
           </a:p>
           <a:p>
             <a:pPr lvl="3"/>
@@ -2030,6 +2045,7 @@
               <a:rPr lang="zh-CN" altLang="en-US"/>
               <a:t>第四级</a:t>
             </a:r>
+            <a:endParaRPr lang="zh-CN" altLang="en-US"/>
           </a:p>
           <a:p>
             <a:pPr lvl="4"/>
@@ -2037,6 +2053,7 @@
               <a:rPr lang="zh-CN" altLang="en-US"/>
               <a:t>第五级</a:t>
             </a:r>
+            <a:endParaRPr lang="zh-CN" altLang="en-US"/>
           </a:p>
         </p:txBody>
       </p:sp>
@@ -2057,7 +2074,6 @@
           <a:p>
             <a:fld id="{A94AD69E-FE2F-4EDF-9961-DCA2A010D4E8}" type="datetimeFigureOut">
               <a:rPr lang="zh-CN" altLang="en-US" smtClean="0"/>
-              <a:t>2024/3/26</a:t>
             </a:fld>
             <a:endParaRPr lang="zh-CN" altLang="en-US"/>
           </a:p>
@@ -2099,7 +2115,6 @@
           <a:p>
             <a:fld id="{D136606D-2876-4B42-B906-0F01D489F363}" type="slidenum">
               <a:rPr lang="zh-CN" altLang="en-US" smtClean="0"/>
-              <a:t>‹#›</a:t>
             </a:fld>
             <a:endParaRPr lang="zh-CN" altLang="en-US"/>
           </a:p>
@@ -2154,6 +2169,7 @@
               <a:rPr lang="zh-CN" altLang="en-US"/>
               <a:t>单击此处编辑母版标题样式</a:t>
             </a:r>
+            <a:endParaRPr lang="zh-CN" altLang="en-US"/>
           </a:p>
         </p:txBody>
       </p:sp>
@@ -2219,6 +2235,7 @@
               <a:rPr lang="zh-CN" altLang="en-US"/>
               <a:t>编辑母版文本样式</a:t>
             </a:r>
+            <a:endParaRPr lang="zh-CN" altLang="en-US"/>
           </a:p>
         </p:txBody>
       </p:sp>
@@ -2247,6 +2264,7 @@
               <a:rPr lang="zh-CN" altLang="en-US"/>
               <a:t>编辑母版文本样式</a:t>
             </a:r>
+            <a:endParaRPr lang="zh-CN" altLang="en-US"/>
           </a:p>
           <a:p>
             <a:pPr lvl="1"/>
@@ -2254,6 +2272,7 @@
               <a:rPr lang="zh-CN" altLang="en-US"/>
               <a:t>第二级</a:t>
             </a:r>
+            <a:endParaRPr lang="zh-CN" altLang="en-US"/>
           </a:p>
           <a:p>
             <a:pPr lvl="2"/>
@@ -2261,6 +2280,7 @@
               <a:rPr lang="zh-CN" altLang="en-US"/>
               <a:t>第三级</a:t>
             </a:r>
+            <a:endParaRPr lang="zh-CN" altLang="en-US"/>
           </a:p>
           <a:p>
             <a:pPr lvl="3"/>
@@ -2268,6 +2288,7 @@
               <a:rPr lang="zh-CN" altLang="en-US"/>
               <a:t>第四级</a:t>
             </a:r>
+            <a:endParaRPr lang="zh-CN" altLang="en-US"/>
           </a:p>
           <a:p>
             <a:pPr lvl="4"/>
@@ -2275,6 +2296,7 @@
               <a:rPr lang="zh-CN" altLang="en-US"/>
               <a:t>第五级</a:t>
             </a:r>
+            <a:endParaRPr lang="zh-CN" altLang="en-US"/>
           </a:p>
         </p:txBody>
       </p:sp>
@@ -2340,6 +2362,7 @@
               <a:rPr lang="zh-CN" altLang="en-US"/>
               <a:t>编辑母版文本样式</a:t>
             </a:r>
+            <a:endParaRPr lang="zh-CN" altLang="en-US"/>
           </a:p>
         </p:txBody>
       </p:sp>
@@ -2368,6 +2391,7 @@
               <a:rPr lang="zh-CN" altLang="en-US"/>
               <a:t>编辑母版文本样式</a:t>
             </a:r>
+            <a:endParaRPr lang="zh-CN" altLang="en-US"/>
           </a:p>
           <a:p>
             <a:pPr lvl="1"/>
@@ -2375,6 +2399,7 @@
               <a:rPr lang="zh-CN" altLang="en-US"/>
               <a:t>第二级</a:t>
             </a:r>
+            <a:endParaRPr lang="zh-CN" altLang="en-US"/>
           </a:p>
           <a:p>
             <a:pPr lvl="2"/>
@@ -2382,6 +2407,7 @@
               <a:rPr lang="zh-CN" altLang="en-US"/>
               <a:t>第三级</a:t>
             </a:r>
+            <a:endParaRPr lang="zh-CN" altLang="en-US"/>
           </a:p>
           <a:p>
             <a:pPr lvl="3"/>
@@ -2389,6 +2415,7 @@
               <a:rPr lang="zh-CN" altLang="en-US"/>
               <a:t>第四级</a:t>
             </a:r>
+            <a:endParaRPr lang="zh-CN" altLang="en-US"/>
           </a:p>
           <a:p>
             <a:pPr lvl="4"/>
@@ -2396,6 +2423,7 @@
               <a:rPr lang="zh-CN" altLang="en-US"/>
               <a:t>第五级</a:t>
             </a:r>
+            <a:endParaRPr lang="zh-CN" altLang="en-US"/>
           </a:p>
         </p:txBody>
       </p:sp>
@@ -2416,7 +2444,6 @@
           <a:p>
             <a:fld id="{A94AD69E-FE2F-4EDF-9961-DCA2A010D4E8}" type="datetimeFigureOut">
               <a:rPr lang="zh-CN" altLang="en-US" smtClean="0"/>
-              <a:t>2024/3/26</a:t>
             </a:fld>
             <a:endParaRPr lang="zh-CN" altLang="en-US"/>
           </a:p>
@@ -2458,7 +2485,6 @@
           <a:p>
             <a:fld id="{D136606D-2876-4B42-B906-0F01D489F363}" type="slidenum">
               <a:rPr lang="zh-CN" altLang="en-US" smtClean="0"/>
-              <a:t>‹#›</a:t>
             </a:fld>
             <a:endParaRPr lang="zh-CN" altLang="en-US"/>
           </a:p>
@@ -2508,6 +2534,7 @@
               <a:rPr lang="zh-CN" altLang="en-US"/>
               <a:t>单击此处编辑母版标题样式</a:t>
             </a:r>
+            <a:endParaRPr lang="zh-CN" altLang="en-US"/>
           </a:p>
         </p:txBody>
       </p:sp>
@@ -2528,7 +2555,6 @@
           <a:p>
             <a:fld id="{A94AD69E-FE2F-4EDF-9961-DCA2A010D4E8}" type="datetimeFigureOut">
               <a:rPr lang="zh-CN" altLang="en-US" smtClean="0"/>
-              <a:t>2024/3/26</a:t>
             </a:fld>
             <a:endParaRPr lang="zh-CN" altLang="en-US"/>
           </a:p>
@@ -2570,7 +2596,6 @@
           <a:p>
             <a:fld id="{D136606D-2876-4B42-B906-0F01D489F363}" type="slidenum">
               <a:rPr lang="zh-CN" altLang="en-US" smtClean="0"/>
-              <a:t>‹#›</a:t>
             </a:fld>
             <a:endParaRPr lang="zh-CN" altLang="en-US"/>
           </a:p>
@@ -2618,7 +2643,6 @@
           <a:p>
             <a:fld id="{A94AD69E-FE2F-4EDF-9961-DCA2A010D4E8}" type="datetimeFigureOut">
               <a:rPr lang="zh-CN" altLang="en-US" smtClean="0"/>
-              <a:t>2024/3/26</a:t>
             </a:fld>
             <a:endParaRPr lang="zh-CN" altLang="en-US"/>
           </a:p>
@@ -2660,7 +2684,6 @@
           <a:p>
             <a:fld id="{D136606D-2876-4B42-B906-0F01D489F363}" type="slidenum">
               <a:rPr lang="zh-CN" altLang="en-US" smtClean="0"/>
-              <a:t>‹#›</a:t>
             </a:fld>
             <a:endParaRPr lang="zh-CN" altLang="en-US"/>
           </a:p>
@@ -2719,6 +2742,7 @@
               <a:rPr lang="zh-CN" altLang="en-US"/>
               <a:t>单击此处编辑母版标题样式</a:t>
             </a:r>
+            <a:endParaRPr lang="zh-CN" altLang="en-US"/>
           </a:p>
         </p:txBody>
       </p:sp>
@@ -2775,6 +2799,7 @@
               <a:rPr lang="zh-CN" altLang="en-US"/>
               <a:t>编辑母版文本样式</a:t>
             </a:r>
+            <a:endParaRPr lang="zh-CN" altLang="en-US"/>
           </a:p>
           <a:p>
             <a:pPr lvl="1"/>
@@ -2782,6 +2807,7 @@
               <a:rPr lang="zh-CN" altLang="en-US"/>
               <a:t>第二级</a:t>
             </a:r>
+            <a:endParaRPr lang="zh-CN" altLang="en-US"/>
           </a:p>
           <a:p>
             <a:pPr lvl="2"/>
@@ -2789,6 +2815,7 @@
               <a:rPr lang="zh-CN" altLang="en-US"/>
               <a:t>第三级</a:t>
             </a:r>
+            <a:endParaRPr lang="zh-CN" altLang="en-US"/>
           </a:p>
           <a:p>
             <a:pPr lvl="3"/>
@@ -2796,6 +2823,7 @@
               <a:rPr lang="zh-CN" altLang="en-US"/>
               <a:t>第四级</a:t>
             </a:r>
+            <a:endParaRPr lang="zh-CN" altLang="en-US"/>
           </a:p>
           <a:p>
             <a:pPr lvl="4"/>
@@ -2803,6 +2831,7 @@
               <a:rPr lang="zh-CN" altLang="en-US"/>
               <a:t>第五级</a:t>
             </a:r>
+            <a:endParaRPr lang="zh-CN" altLang="en-US"/>
           </a:p>
         </p:txBody>
       </p:sp>
@@ -2868,6 +2897,7 @@
               <a:rPr lang="zh-CN" altLang="en-US"/>
               <a:t>编辑母版文本样式</a:t>
             </a:r>
+            <a:endParaRPr lang="zh-CN" altLang="en-US"/>
           </a:p>
         </p:txBody>
       </p:sp>
@@ -2888,7 +2918,6 @@
           <a:p>
             <a:fld id="{A94AD69E-FE2F-4EDF-9961-DCA2A010D4E8}" type="datetimeFigureOut">
               <a:rPr lang="zh-CN" altLang="en-US" smtClean="0"/>
-              <a:t>2024/3/26</a:t>
             </a:fld>
             <a:endParaRPr lang="zh-CN" altLang="en-US"/>
           </a:p>
@@ -2930,7 +2959,6 @@
           <a:p>
             <a:fld id="{D136606D-2876-4B42-B906-0F01D489F363}" type="slidenum">
               <a:rPr lang="zh-CN" altLang="en-US" smtClean="0"/>
-              <a:t>‹#›</a:t>
             </a:fld>
             <a:endParaRPr lang="zh-CN" altLang="en-US"/>
           </a:p>
@@ -2980,6 +3008,7 @@
               <a:rPr lang="zh-CN" altLang="en-US"/>
               <a:t>单击此处编辑母版标题样式</a:t>
             </a:r>
+            <a:endParaRPr lang="zh-CN" altLang="en-US"/>
           </a:p>
         </p:txBody>
       </p:sp>
@@ -3003,6 +3032,7 @@
               <a:rPr lang="zh-CN" altLang="en-US"/>
               <a:t>编辑母版文本样式</a:t>
             </a:r>
+            <a:endParaRPr lang="zh-CN" altLang="en-US"/>
           </a:p>
           <a:p>
             <a:pPr lvl="1"/>
@@ -3010,6 +3040,7 @@
               <a:rPr lang="zh-CN" altLang="en-US"/>
               <a:t>第二级</a:t>
             </a:r>
+            <a:endParaRPr lang="zh-CN" altLang="en-US"/>
           </a:p>
           <a:p>
             <a:pPr lvl="2"/>
@@ -3017,6 +3048,7 @@
               <a:rPr lang="zh-CN" altLang="en-US"/>
               <a:t>第三级</a:t>
             </a:r>
+            <a:endParaRPr lang="zh-CN" altLang="en-US"/>
           </a:p>
           <a:p>
             <a:pPr lvl="3"/>
@@ -3024,6 +3056,7 @@
               <a:rPr lang="zh-CN" altLang="en-US"/>
               <a:t>第四级</a:t>
             </a:r>
+            <a:endParaRPr lang="zh-CN" altLang="en-US"/>
           </a:p>
           <a:p>
             <a:pPr lvl="4"/>
@@ -3031,6 +3064,7 @@
               <a:rPr lang="zh-CN" altLang="en-US"/>
               <a:t>第五级</a:t>
             </a:r>
+            <a:endParaRPr lang="zh-CN" altLang="en-US"/>
           </a:p>
         </p:txBody>
       </p:sp>
@@ -3051,7 +3085,6 @@
           <a:p>
             <a:fld id="{A94AD69E-FE2F-4EDF-9961-DCA2A010D4E8}" type="datetimeFigureOut">
               <a:rPr lang="zh-CN" altLang="en-US" smtClean="0"/>
-              <a:t>2024/3/26</a:t>
             </a:fld>
             <a:endParaRPr lang="zh-CN" altLang="en-US"/>
           </a:p>
@@ -3093,7 +3126,6 @@
           <a:p>
             <a:fld id="{D136606D-2876-4B42-B906-0F01D489F363}" type="slidenum">
               <a:rPr lang="zh-CN" altLang="en-US" smtClean="0"/>
-              <a:t>‹#›</a:t>
             </a:fld>
             <a:endParaRPr lang="zh-CN" altLang="en-US"/>
           </a:p>
@@ -3152,6 +3184,7 @@
               <a:rPr lang="zh-CN" altLang="en-US"/>
               <a:t>单击此处编辑母版标题样式</a:t>
             </a:r>
+            <a:endParaRPr lang="zh-CN" altLang="en-US"/>
           </a:p>
         </p:txBody>
       </p:sp>
@@ -3278,6 +3311,7 @@
               <a:rPr lang="zh-CN" altLang="en-US"/>
               <a:t>编辑母版文本样式</a:t>
             </a:r>
+            <a:endParaRPr lang="zh-CN" altLang="en-US"/>
           </a:p>
         </p:txBody>
       </p:sp>
@@ -3298,7 +3332,6 @@
           <a:p>
             <a:fld id="{A94AD69E-FE2F-4EDF-9961-DCA2A010D4E8}" type="datetimeFigureOut">
               <a:rPr lang="zh-CN" altLang="en-US" smtClean="0"/>
-              <a:t>2024/3/26</a:t>
             </a:fld>
             <a:endParaRPr lang="zh-CN" altLang="en-US"/>
           </a:p>
@@ -3340,7 +3373,6 @@
           <a:p>
             <a:fld id="{D136606D-2876-4B42-B906-0F01D489F363}" type="slidenum">
               <a:rPr lang="zh-CN" altLang="en-US" smtClean="0"/>
-              <a:t>‹#›</a:t>
             </a:fld>
             <a:endParaRPr lang="zh-CN" altLang="en-US"/>
           </a:p>
@@ -3390,6 +3422,7 @@
               <a:rPr lang="zh-CN" altLang="en-US"/>
               <a:t>单击此处编辑母版标题样式</a:t>
             </a:r>
+            <a:endParaRPr lang="zh-CN" altLang="en-US"/>
           </a:p>
         </p:txBody>
       </p:sp>
@@ -3413,6 +3446,7 @@
               <a:rPr lang="zh-CN" altLang="en-US"/>
               <a:t>编辑母版文本样式</a:t>
             </a:r>
+            <a:endParaRPr lang="zh-CN" altLang="en-US"/>
           </a:p>
           <a:p>
             <a:pPr lvl="1"/>
@@ -3420,6 +3454,7 @@
               <a:rPr lang="zh-CN" altLang="en-US"/>
               <a:t>第二级</a:t>
             </a:r>
+            <a:endParaRPr lang="zh-CN" altLang="en-US"/>
           </a:p>
           <a:p>
             <a:pPr lvl="2"/>
@@ -3427,6 +3462,7 @@
               <a:rPr lang="zh-CN" altLang="en-US"/>
               <a:t>第三级</a:t>
             </a:r>
+            <a:endParaRPr lang="zh-CN" altLang="en-US"/>
           </a:p>
           <a:p>
             <a:pPr lvl="3"/>
@@ -3434,6 +3470,7 @@
               <a:rPr lang="zh-CN" altLang="en-US"/>
               <a:t>第四级</a:t>
             </a:r>
+            <a:endParaRPr lang="zh-CN" altLang="en-US"/>
           </a:p>
           <a:p>
             <a:pPr lvl="4"/>
@@ -3441,6 +3478,7 @@
               <a:rPr lang="zh-CN" altLang="en-US"/>
               <a:t>第五级</a:t>
             </a:r>
+            <a:endParaRPr lang="zh-CN" altLang="en-US"/>
           </a:p>
         </p:txBody>
       </p:sp>
@@ -3461,7 +3499,6 @@
           <a:p>
             <a:fld id="{A94AD69E-FE2F-4EDF-9961-DCA2A010D4E8}" type="datetimeFigureOut">
               <a:rPr lang="zh-CN" altLang="en-US" smtClean="0"/>
-              <a:t>2024/3/26</a:t>
             </a:fld>
             <a:endParaRPr lang="zh-CN" altLang="en-US"/>
           </a:p>
@@ -3503,7 +3540,6 @@
           <a:p>
             <a:fld id="{D136606D-2876-4B42-B906-0F01D489F363}" type="slidenum">
               <a:rPr lang="zh-CN" altLang="en-US" smtClean="0"/>
-              <a:t>‹#›</a:t>
             </a:fld>
             <a:endParaRPr lang="zh-CN" altLang="en-US"/>
           </a:p>
@@ -3558,6 +3594,7 @@
               <a:rPr lang="zh-CN" altLang="en-US"/>
               <a:t>单击此处编辑母版标题样式</a:t>
             </a:r>
+            <a:endParaRPr lang="zh-CN" altLang="en-US"/>
           </a:p>
         </p:txBody>
       </p:sp>
@@ -3586,6 +3623,7 @@
               <a:rPr lang="zh-CN" altLang="en-US"/>
               <a:t>编辑母版文本样式</a:t>
             </a:r>
+            <a:endParaRPr lang="zh-CN" altLang="en-US"/>
           </a:p>
           <a:p>
             <a:pPr lvl="1"/>
@@ -3593,6 +3631,7 @@
               <a:rPr lang="zh-CN" altLang="en-US"/>
               <a:t>第二级</a:t>
             </a:r>
+            <a:endParaRPr lang="zh-CN" altLang="en-US"/>
           </a:p>
           <a:p>
             <a:pPr lvl="2"/>
@@ -3600,6 +3639,7 @@
               <a:rPr lang="zh-CN" altLang="en-US"/>
               <a:t>第三级</a:t>
             </a:r>
+            <a:endParaRPr lang="zh-CN" altLang="en-US"/>
           </a:p>
           <a:p>
             <a:pPr lvl="3"/>
@@ -3607,6 +3647,7 @@
               <a:rPr lang="zh-CN" altLang="en-US"/>
               <a:t>第四级</a:t>
             </a:r>
+            <a:endParaRPr lang="zh-CN" altLang="en-US"/>
           </a:p>
           <a:p>
             <a:pPr lvl="4"/>
@@ -3614,6 +3655,7 @@
               <a:rPr lang="zh-CN" altLang="en-US"/>
               <a:t>第五级</a:t>
             </a:r>
+            <a:endParaRPr lang="zh-CN" altLang="en-US"/>
           </a:p>
         </p:txBody>
       </p:sp>
@@ -3634,7 +3676,6 @@
           <a:p>
             <a:fld id="{A94AD69E-FE2F-4EDF-9961-DCA2A010D4E8}" type="datetimeFigureOut">
               <a:rPr lang="zh-CN" altLang="en-US" smtClean="0"/>
-              <a:t>2024/3/26</a:t>
             </a:fld>
             <a:endParaRPr lang="zh-CN" altLang="en-US"/>
           </a:p>
@@ -3676,7 +3717,6 @@
           <a:p>
             <a:fld id="{D136606D-2876-4B42-B906-0F01D489F363}" type="slidenum">
               <a:rPr lang="zh-CN" altLang="en-US" smtClean="0"/>
-              <a:t>‹#›</a:t>
             </a:fld>
             <a:endParaRPr lang="zh-CN" altLang="en-US"/>
           </a:p>
@@ -3735,6 +3775,7 @@
               <a:rPr lang="zh-CN" altLang="en-US"/>
               <a:t>单击此处编辑母版标题样式</a:t>
             </a:r>
+            <a:endParaRPr lang="zh-CN" altLang="en-US"/>
           </a:p>
         </p:txBody>
       </p:sp>
@@ -3854,6 +3895,7 @@
               <a:rPr lang="zh-CN" altLang="en-US"/>
               <a:t>编辑母版文本样式</a:t>
             </a:r>
+            <a:endParaRPr lang="zh-CN" altLang="en-US"/>
           </a:p>
         </p:txBody>
       </p:sp>
@@ -3874,7 +3916,6 @@
           <a:p>
             <a:fld id="{A94AD69E-FE2F-4EDF-9961-DCA2A010D4E8}" type="datetimeFigureOut">
               <a:rPr lang="zh-CN" altLang="en-US" smtClean="0"/>
-              <a:t>2024/3/26</a:t>
             </a:fld>
             <a:endParaRPr lang="zh-CN" altLang="en-US"/>
           </a:p>
@@ -3916,7 +3957,6 @@
           <a:p>
             <a:fld id="{D136606D-2876-4B42-B906-0F01D489F363}" type="slidenum">
               <a:rPr lang="zh-CN" altLang="en-US" smtClean="0"/>
-              <a:t>‹#›</a:t>
             </a:fld>
             <a:endParaRPr lang="zh-CN" altLang="en-US"/>
           </a:p>
@@ -3966,6 +4006,7 @@
               <a:rPr lang="zh-CN" altLang="en-US"/>
               <a:t>单击此处编辑母版标题样式</a:t>
             </a:r>
+            <a:endParaRPr lang="zh-CN" altLang="en-US"/>
           </a:p>
         </p:txBody>
       </p:sp>
@@ -3994,6 +4035,7 @@
               <a:rPr lang="zh-CN" altLang="en-US"/>
               <a:t>编辑母版文本样式</a:t>
             </a:r>
+            <a:endParaRPr lang="zh-CN" altLang="en-US"/>
           </a:p>
           <a:p>
             <a:pPr lvl="1"/>
@@ -4001,6 +4043,7 @@
               <a:rPr lang="zh-CN" altLang="en-US"/>
               <a:t>第二级</a:t>
             </a:r>
+            <a:endParaRPr lang="zh-CN" altLang="en-US"/>
           </a:p>
           <a:p>
             <a:pPr lvl="2"/>
@@ -4008,6 +4051,7 @@
               <a:rPr lang="zh-CN" altLang="en-US"/>
               <a:t>第三级</a:t>
             </a:r>
+            <a:endParaRPr lang="zh-CN" altLang="en-US"/>
           </a:p>
           <a:p>
             <a:pPr lvl="3"/>
@@ -4015,6 +4059,7 @@
               <a:rPr lang="zh-CN" altLang="en-US"/>
               <a:t>第四级</a:t>
             </a:r>
+            <a:endParaRPr lang="zh-CN" altLang="en-US"/>
           </a:p>
           <a:p>
             <a:pPr lvl="4"/>
@@ -4022,6 +4067,7 @@
               <a:rPr lang="zh-CN" altLang="en-US"/>
               <a:t>第五级</a:t>
             </a:r>
+            <a:endParaRPr lang="zh-CN" altLang="en-US"/>
           </a:p>
         </p:txBody>
       </p:sp>
@@ -4050,6 +4096,7 @@
               <a:rPr lang="zh-CN" altLang="en-US"/>
               <a:t>编辑母版文本样式</a:t>
             </a:r>
+            <a:endParaRPr lang="zh-CN" altLang="en-US"/>
           </a:p>
           <a:p>
             <a:pPr lvl="1"/>
@@ -4057,6 +4104,7 @@
               <a:rPr lang="zh-CN" altLang="en-US"/>
               <a:t>第二级</a:t>
             </a:r>
+            <a:endParaRPr lang="zh-CN" altLang="en-US"/>
           </a:p>
           <a:p>
             <a:pPr lvl="2"/>
@@ -4064,6 +4112,7 @@
               <a:rPr lang="zh-CN" altLang="en-US"/>
               <a:t>第三级</a:t>
             </a:r>
+            <a:endParaRPr lang="zh-CN" altLang="en-US"/>
           </a:p>
           <a:p>
             <a:pPr lvl="3"/>
@@ -4071,6 +4120,7 @@
               <a:rPr lang="zh-CN" altLang="en-US"/>
               <a:t>第四级</a:t>
             </a:r>
+            <a:endParaRPr lang="zh-CN" altLang="en-US"/>
           </a:p>
           <a:p>
             <a:pPr lvl="4"/>
@@ -4078,6 +4128,7 @@
               <a:rPr lang="zh-CN" altLang="en-US"/>
               <a:t>第五级</a:t>
             </a:r>
+            <a:endParaRPr lang="zh-CN" altLang="en-US"/>
           </a:p>
         </p:txBody>
       </p:sp>
@@ -4098,7 +4149,6 @@
           <a:p>
             <a:fld id="{A94AD69E-FE2F-4EDF-9961-DCA2A010D4E8}" type="datetimeFigureOut">
               <a:rPr lang="zh-CN" altLang="en-US" smtClean="0"/>
-              <a:t>2024/3/26</a:t>
             </a:fld>
             <a:endParaRPr lang="zh-CN" altLang="en-US"/>
           </a:p>
@@ -4140,7 +4190,6 @@
           <a:p>
             <a:fld id="{D136606D-2876-4B42-B906-0F01D489F363}" type="slidenum">
               <a:rPr lang="zh-CN" altLang="en-US" smtClean="0"/>
-              <a:t>‹#›</a:t>
             </a:fld>
             <a:endParaRPr lang="zh-CN" altLang="en-US"/>
           </a:p>
@@ -4195,6 +4244,7 @@
               <a:rPr lang="zh-CN" altLang="en-US"/>
               <a:t>单击此处编辑母版标题样式</a:t>
             </a:r>
+            <a:endParaRPr lang="zh-CN" altLang="en-US"/>
           </a:p>
         </p:txBody>
       </p:sp>
@@ -4260,6 +4310,7 @@
               <a:rPr lang="zh-CN" altLang="en-US"/>
               <a:t>编辑母版文本样式</a:t>
             </a:r>
+            <a:endParaRPr lang="zh-CN" altLang="en-US"/>
           </a:p>
         </p:txBody>
       </p:sp>
@@ -4288,6 +4339,7 @@
               <a:rPr lang="zh-CN" altLang="en-US"/>
               <a:t>编辑母版文本样式</a:t>
             </a:r>
+            <a:endParaRPr lang="zh-CN" altLang="en-US"/>
           </a:p>
           <a:p>
             <a:pPr lvl="1"/>
@@ -4295,6 +4347,7 @@
               <a:rPr lang="zh-CN" altLang="en-US"/>
               <a:t>第二级</a:t>
             </a:r>
+            <a:endParaRPr lang="zh-CN" altLang="en-US"/>
           </a:p>
           <a:p>
             <a:pPr lvl="2"/>
@@ -4302,6 +4355,7 @@
               <a:rPr lang="zh-CN" altLang="en-US"/>
               <a:t>第三级</a:t>
             </a:r>
+            <a:endParaRPr lang="zh-CN" altLang="en-US"/>
           </a:p>
           <a:p>
             <a:pPr lvl="3"/>
@@ -4309,6 +4363,7 @@
               <a:rPr lang="zh-CN" altLang="en-US"/>
               <a:t>第四级</a:t>
             </a:r>
+            <a:endParaRPr lang="zh-CN" altLang="en-US"/>
           </a:p>
           <a:p>
             <a:pPr lvl="4"/>
@@ -4316,6 +4371,7 @@
               <a:rPr lang="zh-CN" altLang="en-US"/>
               <a:t>第五级</a:t>
             </a:r>
+            <a:endParaRPr lang="zh-CN" altLang="en-US"/>
           </a:p>
         </p:txBody>
       </p:sp>
@@ -4381,6 +4437,7 @@
               <a:rPr lang="zh-CN" altLang="en-US"/>
               <a:t>编辑母版文本样式</a:t>
             </a:r>
+            <a:endParaRPr lang="zh-CN" altLang="en-US"/>
           </a:p>
         </p:txBody>
       </p:sp>
@@ -4409,6 +4466,7 @@
               <a:rPr lang="zh-CN" altLang="en-US"/>
               <a:t>编辑母版文本样式</a:t>
             </a:r>
+            <a:endParaRPr lang="zh-CN" altLang="en-US"/>
           </a:p>
           <a:p>
             <a:pPr lvl="1"/>
@@ -4416,6 +4474,7 @@
               <a:rPr lang="zh-CN" altLang="en-US"/>
               <a:t>第二级</a:t>
             </a:r>
+            <a:endParaRPr lang="zh-CN" altLang="en-US"/>
           </a:p>
           <a:p>
             <a:pPr lvl="2"/>
@@ -4423,6 +4482,7 @@
               <a:rPr lang="zh-CN" altLang="en-US"/>
               <a:t>第三级</a:t>
             </a:r>
+            <a:endParaRPr lang="zh-CN" altLang="en-US"/>
           </a:p>
           <a:p>
             <a:pPr lvl="3"/>
@@ -4430,6 +4490,7 @@
               <a:rPr lang="zh-CN" altLang="en-US"/>
               <a:t>第四级</a:t>
             </a:r>
+            <a:endParaRPr lang="zh-CN" altLang="en-US"/>
           </a:p>
           <a:p>
             <a:pPr lvl="4"/>
@@ -4437,6 +4498,7 @@
               <a:rPr lang="zh-CN" altLang="en-US"/>
               <a:t>第五级</a:t>
             </a:r>
+            <a:endParaRPr lang="zh-CN" altLang="en-US"/>
           </a:p>
         </p:txBody>
       </p:sp>
@@ -4457,7 +4519,6 @@
           <a:p>
             <a:fld id="{A94AD69E-FE2F-4EDF-9961-DCA2A010D4E8}" type="datetimeFigureOut">
               <a:rPr lang="zh-CN" altLang="en-US" smtClean="0"/>
-              <a:t>2024/3/26</a:t>
             </a:fld>
             <a:endParaRPr lang="zh-CN" altLang="en-US"/>
           </a:p>
@@ -4499,7 +4560,6 @@
           <a:p>
             <a:fld id="{D136606D-2876-4B42-B906-0F01D489F363}" type="slidenum">
               <a:rPr lang="zh-CN" altLang="en-US" smtClean="0"/>
-              <a:t>‹#›</a:t>
             </a:fld>
             <a:endParaRPr lang="zh-CN" altLang="en-US"/>
           </a:p>
@@ -4549,6 +4609,7 @@
               <a:rPr lang="zh-CN" altLang="en-US"/>
               <a:t>单击此处编辑母版标题样式</a:t>
             </a:r>
+            <a:endParaRPr lang="zh-CN" altLang="en-US"/>
           </a:p>
         </p:txBody>
       </p:sp>
@@ -4569,7 +4630,6 @@
           <a:p>
             <a:fld id="{A94AD69E-FE2F-4EDF-9961-DCA2A010D4E8}" type="datetimeFigureOut">
               <a:rPr lang="zh-CN" altLang="en-US" smtClean="0"/>
-              <a:t>2024/3/26</a:t>
             </a:fld>
             <a:endParaRPr lang="zh-CN" altLang="en-US"/>
           </a:p>
@@ -4611,7 +4671,6 @@
           <a:p>
             <a:fld id="{D136606D-2876-4B42-B906-0F01D489F363}" type="slidenum">
               <a:rPr lang="zh-CN" altLang="en-US" smtClean="0"/>
-              <a:t>‹#›</a:t>
             </a:fld>
             <a:endParaRPr lang="zh-CN" altLang="en-US"/>
           </a:p>
@@ -4659,7 +4718,6 @@
           <a:p>
             <a:fld id="{A94AD69E-FE2F-4EDF-9961-DCA2A010D4E8}" type="datetimeFigureOut">
               <a:rPr lang="zh-CN" altLang="en-US" smtClean="0"/>
-              <a:t>2024/3/26</a:t>
             </a:fld>
             <a:endParaRPr lang="zh-CN" altLang="en-US"/>
           </a:p>
@@ -4701,7 +4759,6 @@
           <a:p>
             <a:fld id="{D136606D-2876-4B42-B906-0F01D489F363}" type="slidenum">
               <a:rPr lang="zh-CN" altLang="en-US" smtClean="0"/>
-              <a:t>‹#›</a:t>
             </a:fld>
             <a:endParaRPr lang="zh-CN" altLang="en-US"/>
           </a:p>
@@ -4760,6 +4817,7 @@
               <a:rPr lang="zh-CN" altLang="en-US"/>
               <a:t>单击此处编辑母版标题样式</a:t>
             </a:r>
+            <a:endParaRPr lang="zh-CN" altLang="en-US"/>
           </a:p>
         </p:txBody>
       </p:sp>
@@ -4816,6 +4874,7 @@
               <a:rPr lang="zh-CN" altLang="en-US"/>
               <a:t>编辑母版文本样式</a:t>
             </a:r>
+            <a:endParaRPr lang="zh-CN" altLang="en-US"/>
           </a:p>
           <a:p>
             <a:pPr lvl="1"/>
@@ -4823,6 +4882,7 @@
               <a:rPr lang="zh-CN" altLang="en-US"/>
               <a:t>第二级</a:t>
             </a:r>
+            <a:endParaRPr lang="zh-CN" altLang="en-US"/>
           </a:p>
           <a:p>
             <a:pPr lvl="2"/>
@@ -4830,6 +4890,7 @@
               <a:rPr lang="zh-CN" altLang="en-US"/>
               <a:t>第三级</a:t>
             </a:r>
+            <a:endParaRPr lang="zh-CN" altLang="en-US"/>
           </a:p>
           <a:p>
             <a:pPr lvl="3"/>
@@ -4837,6 +4898,7 @@
               <a:rPr lang="zh-CN" altLang="en-US"/>
               <a:t>第四级</a:t>
             </a:r>
+            <a:endParaRPr lang="zh-CN" altLang="en-US"/>
           </a:p>
           <a:p>
             <a:pPr lvl="4"/>
@@ -4844,6 +4906,7 @@
               <a:rPr lang="zh-CN" altLang="en-US"/>
               <a:t>第五级</a:t>
             </a:r>
+            <a:endParaRPr lang="zh-CN" altLang="en-US"/>
           </a:p>
         </p:txBody>
       </p:sp>
@@ -4909,6 +4972,7 @@
               <a:rPr lang="zh-CN" altLang="en-US"/>
               <a:t>编辑母版文本样式</a:t>
             </a:r>
+            <a:endParaRPr lang="zh-CN" altLang="en-US"/>
           </a:p>
         </p:txBody>
       </p:sp>
@@ -4929,7 +4993,6 @@
           <a:p>
             <a:fld id="{A94AD69E-FE2F-4EDF-9961-DCA2A010D4E8}" type="datetimeFigureOut">
               <a:rPr lang="zh-CN" altLang="en-US" smtClean="0"/>
-              <a:t>2024/3/26</a:t>
             </a:fld>
             <a:endParaRPr lang="zh-CN" altLang="en-US"/>
           </a:p>
@@ -4971,7 +5034,6 @@
           <a:p>
             <a:fld id="{D136606D-2876-4B42-B906-0F01D489F363}" type="slidenum">
               <a:rPr lang="zh-CN" altLang="en-US" smtClean="0"/>
-              <a:t>‹#›</a:t>
             </a:fld>
             <a:endParaRPr lang="zh-CN" altLang="en-US"/>
           </a:p>
@@ -5030,6 +5092,7 @@
               <a:rPr lang="zh-CN" altLang="en-US"/>
               <a:t>单击此处编辑母版标题样式</a:t>
             </a:r>
+            <a:endParaRPr lang="zh-CN" altLang="en-US"/>
           </a:p>
         </p:txBody>
       </p:sp>
@@ -5156,6 +5219,7 @@
               <a:rPr lang="zh-CN" altLang="en-US"/>
               <a:t>编辑母版文本样式</a:t>
             </a:r>
+            <a:endParaRPr lang="zh-CN" altLang="en-US"/>
           </a:p>
         </p:txBody>
       </p:sp>
@@ -5176,7 +5240,6 @@
           <a:p>
             <a:fld id="{A94AD69E-FE2F-4EDF-9961-DCA2A010D4E8}" type="datetimeFigureOut">
               <a:rPr lang="zh-CN" altLang="en-US" smtClean="0"/>
-              <a:t>2024/3/26</a:t>
             </a:fld>
             <a:endParaRPr lang="zh-CN" altLang="en-US"/>
           </a:p>
@@ -5218,7 +5281,6 @@
           <a:p>
             <a:fld id="{D136606D-2876-4B42-B906-0F01D489F363}" type="slidenum">
               <a:rPr lang="zh-CN" altLang="en-US" smtClean="0"/>
-              <a:t>‹#›</a:t>
             </a:fld>
             <a:endParaRPr lang="zh-CN" altLang="en-US"/>
           </a:p>
@@ -5283,6 +5345,7 @@
               <a:rPr lang="zh-CN" altLang="en-US"/>
               <a:t>单击此处编辑母版标题样式</a:t>
             </a:r>
+            <a:endParaRPr lang="zh-CN" altLang="en-US"/>
           </a:p>
         </p:txBody>
       </p:sp>
@@ -5316,6 +5379,7 @@
               <a:rPr lang="zh-CN" altLang="en-US"/>
               <a:t>编辑母版文本样式</a:t>
             </a:r>
+            <a:endParaRPr lang="zh-CN" altLang="en-US"/>
           </a:p>
           <a:p>
             <a:pPr lvl="1"/>
@@ -5323,6 +5387,7 @@
               <a:rPr lang="zh-CN" altLang="en-US"/>
               <a:t>第二级</a:t>
             </a:r>
+            <a:endParaRPr lang="zh-CN" altLang="en-US"/>
           </a:p>
           <a:p>
             <a:pPr lvl="2"/>
@@ -5330,6 +5395,7 @@
               <a:rPr lang="zh-CN" altLang="en-US"/>
               <a:t>第三级</a:t>
             </a:r>
+            <a:endParaRPr lang="zh-CN" altLang="en-US"/>
           </a:p>
           <a:p>
             <a:pPr lvl="3"/>
@@ -5337,6 +5403,7 @@
               <a:rPr lang="zh-CN" altLang="en-US"/>
               <a:t>第四级</a:t>
             </a:r>
+            <a:endParaRPr lang="zh-CN" altLang="en-US"/>
           </a:p>
           <a:p>
             <a:pPr lvl="4"/>
@@ -5344,6 +5411,7 @@
               <a:rPr lang="zh-CN" altLang="en-US"/>
               <a:t>第五级</a:t>
             </a:r>
+            <a:endParaRPr lang="zh-CN" altLang="en-US"/>
           </a:p>
         </p:txBody>
       </p:sp>
@@ -5382,7 +5450,6 @@
           <a:p>
             <a:fld id="{A94AD69E-FE2F-4EDF-9961-DCA2A010D4E8}" type="datetimeFigureOut">
               <a:rPr lang="zh-CN" altLang="en-US" smtClean="0"/>
-              <a:t>2024/3/26</a:t>
             </a:fld>
             <a:endParaRPr lang="zh-CN" altLang="en-US"/>
           </a:p>
@@ -5460,7 +5527,6 @@
           <a:p>
             <a:fld id="{D136606D-2876-4B42-B906-0F01D489F363}" type="slidenum">
               <a:rPr lang="zh-CN" altLang="en-US" smtClean="0"/>
-              <a:t>‹#›</a:t>
             </a:fld>
             <a:endParaRPr lang="zh-CN" altLang="en-US"/>
           </a:p>
@@ -5816,6 +5882,7 @@
               <a:rPr lang="zh-CN" altLang="en-US"/>
               <a:t>单击此处编辑母版标题样式</a:t>
             </a:r>
+            <a:endParaRPr lang="zh-CN" altLang="en-US"/>
           </a:p>
         </p:txBody>
       </p:sp>
@@ -5849,6 +5916,7 @@
               <a:rPr lang="zh-CN" altLang="en-US"/>
               <a:t>编辑母版文本样式</a:t>
             </a:r>
+            <a:endParaRPr lang="zh-CN" altLang="en-US"/>
           </a:p>
           <a:p>
             <a:pPr lvl="1"/>
@@ -5856,6 +5924,7 @@
               <a:rPr lang="zh-CN" altLang="en-US"/>
               <a:t>第二级</a:t>
             </a:r>
+            <a:endParaRPr lang="zh-CN" altLang="en-US"/>
           </a:p>
           <a:p>
             <a:pPr lvl="2"/>
@@ -5863,6 +5932,7 @@
               <a:rPr lang="zh-CN" altLang="en-US"/>
               <a:t>第三级</a:t>
             </a:r>
+            <a:endParaRPr lang="zh-CN" altLang="en-US"/>
           </a:p>
           <a:p>
             <a:pPr lvl="3"/>
@@ -5870,6 +5940,7 @@
               <a:rPr lang="zh-CN" altLang="en-US"/>
               <a:t>第四级</a:t>
             </a:r>
+            <a:endParaRPr lang="zh-CN" altLang="en-US"/>
           </a:p>
           <a:p>
             <a:pPr lvl="4"/>
@@ -5877,6 +5948,7 @@
               <a:rPr lang="zh-CN" altLang="en-US"/>
               <a:t>第五级</a:t>
             </a:r>
+            <a:endParaRPr lang="zh-CN" altLang="en-US"/>
           </a:p>
         </p:txBody>
       </p:sp>
@@ -5915,7 +5987,6 @@
           <a:p>
             <a:fld id="{A94AD69E-FE2F-4EDF-9961-DCA2A010D4E8}" type="datetimeFigureOut">
               <a:rPr lang="zh-CN" altLang="en-US" smtClean="0"/>
-              <a:t>2024/3/26</a:t>
             </a:fld>
             <a:endParaRPr lang="zh-CN" altLang="en-US"/>
           </a:p>
@@ -5993,7 +6064,6 @@
           <a:p>
             <a:fld id="{D136606D-2876-4B42-B906-0F01D489F363}" type="slidenum">
               <a:rPr lang="zh-CN" altLang="en-US" smtClean="0"/>
-              <a:t>‹#›</a:t>
             </a:fld>
             <a:endParaRPr lang="zh-CN" altLang="en-US"/>
           </a:p>
@@ -6364,6 +6434,13 @@
               </a:rPr>
               <a:t>3.29</a:t>
             </a:r>
+            <a:endParaRPr lang="en-US" altLang="zh-CN" sz="4265" b="1" dirty="0">
+              <a:solidFill>
+                <a:srgbClr val="002060"/>
+              </a:solidFill>
+              <a:latin typeface="微软雅黑" panose="020B0503020204020204" pitchFamily="34" charset="-122"/>
+              <a:ea typeface="微软雅黑" panose="020B0503020204020204" pitchFamily="34" charset="-122"/>
+            </a:endParaRPr>
           </a:p>
         </p:txBody>
       </p:sp>
@@ -6375,10 +6452,10 @@
         </p:nvGrpSpPr>
         <p:grpSpPr>
           <a:xfrm>
-            <a:off x="5048026" y="3305090"/>
-            <a:ext cx="11740357" cy="5581820"/>
+            <a:off x="4843556" y="3305090"/>
+            <a:ext cx="11986260" cy="5581820"/>
             <a:chOff x="4903310" y="4125281"/>
-            <a:chExt cx="12042498" cy="5581820"/>
+            <a:chExt cx="12294729" cy="5581820"/>
           </a:xfrm>
         </p:grpSpPr>
         <p:grpSp>
@@ -6390,9 +6467,9 @@
           <p:grpSpPr>
             <a:xfrm>
               <a:off x="4903310" y="4125281"/>
-              <a:ext cx="12042498" cy="3941436"/>
+              <a:ext cx="12294729" cy="3941436"/>
               <a:chOff x="3472415" y="4258281"/>
-              <a:chExt cx="16356291" cy="2991160"/>
+              <a:chExt cx="16698875" cy="2991160"/>
             </a:xfrm>
           </p:grpSpPr>
           <p:sp>
@@ -6466,6 +6543,13 @@
                   </a:rPr>
                   <a:t>编写软件最终的用户手册</a:t>
                 </a:r>
+                <a:endParaRPr lang="zh-CN" altLang="en-US" sz="4000" b="1" dirty="0">
+                  <a:solidFill>
+                    <a:srgbClr val="002060"/>
+                  </a:solidFill>
+                  <a:latin typeface="微软雅黑" panose="020B0503020204020204" pitchFamily="34" charset="-122"/>
+                  <a:ea typeface="微软雅黑" panose="020B0503020204020204" pitchFamily="34" charset="-122"/>
+                </a:endParaRPr>
               </a:p>
             </p:txBody>
           </p:sp>
@@ -6477,8 +6561,8 @@
             </p:nvSpPr>
             <p:spPr>
               <a:xfrm>
-                <a:off x="3472415" y="5444767"/>
-                <a:ext cx="16356291" cy="618187"/>
+                <a:off x="3472415" y="5444724"/>
+                <a:ext cx="16698875" cy="676591"/>
               </a:xfrm>
               <a:prstGeom prst="rect">
                 <a:avLst/>
@@ -6548,7 +6632,28 @@
                     <a:latin typeface="微软雅黑" panose="020B0503020204020204" pitchFamily="34" charset="-122"/>
                     <a:ea typeface="微软雅黑" panose="020B0503020204020204" pitchFamily="34" charset="-122"/>
                   </a:rPr>
+                  <a:t>(</a:t>
+                </a:r>
+                <a:r>
+                  <a:rPr lang="en-US" altLang="zh-CN" sz="4000" b="1" dirty="0">
+                    <a:solidFill>
+                      <a:srgbClr val="002060"/>
+                    </a:solidFill>
+                    <a:latin typeface="微软雅黑" panose="020B0503020204020204" pitchFamily="34" charset="-122"/>
+                    <a:ea typeface="微软雅黑" panose="020B0503020204020204" pitchFamily="34" charset="-122"/>
+                    <a:sym typeface="+mn-ea"/>
+                  </a:rPr>
                   <a:t>CUDA</a:t>
+                </a:r>
+                <a:r>
+                  <a:rPr lang="en-US" altLang="zh-CN" sz="4000" b="1" dirty="0">
+                    <a:solidFill>
+                      <a:srgbClr val="002060"/>
+                    </a:solidFill>
+                    <a:latin typeface="微软雅黑" panose="020B0503020204020204" pitchFamily="34" charset="-122"/>
+                    <a:ea typeface="微软雅黑" panose="020B0503020204020204" pitchFamily="34" charset="-122"/>
+                  </a:rPr>
+                  <a:t>)</a:t>
                 </a:r>
                 <a:r>
                   <a:rPr lang="zh-CN" altLang="en-US" sz="4000" b="1" dirty="0">
@@ -6560,6 +6665,13 @@
                   </a:rPr>
                   <a:t>的安装</a:t>
                 </a:r>
+                <a:endParaRPr lang="zh-CN" altLang="en-US" sz="4000" b="1" dirty="0">
+                  <a:solidFill>
+                    <a:srgbClr val="002060"/>
+                  </a:solidFill>
+                  <a:latin typeface="微软雅黑" panose="020B0503020204020204" pitchFamily="34" charset="-122"/>
+                  <a:ea typeface="微软雅黑" panose="020B0503020204020204" pitchFamily="34" charset="-122"/>
+                </a:endParaRPr>
               </a:p>
             </p:txBody>
           </p:sp>
@@ -6832,6 +6944,13 @@
               </a:rPr>
               <a:t>编写软件最终的用户手册</a:t>
             </a:r>
+            <a:endParaRPr lang="zh-CN" altLang="en-US" sz="4000" b="1" dirty="0">
+              <a:solidFill>
+                <a:srgbClr val="002060"/>
+              </a:solidFill>
+              <a:latin typeface="微软雅黑" panose="020B0503020204020204" pitchFamily="34" charset="-122"/>
+              <a:ea typeface="微软雅黑" panose="020B0503020204020204" pitchFamily="34" charset="-122"/>
+            </a:endParaRPr>
           </a:p>
         </p:txBody>
       </p:sp>
@@ -6883,16 +7002,43 @@
             </a:r>
             <a:r>
               <a:rPr lang="en-US" altLang="zh-CN" sz="4400" b="1" dirty="0">
+                <a:solidFill>
+                  <a:srgbClr val="FF0000"/>
+                </a:solidFill>
                 <a:latin typeface="Novecento wide Bold" panose="00000805000000000000" charset="0"/>
               </a:rPr>
               <a:t>15</a:t>
             </a:r>
             <a:r>
               <a:rPr lang="zh-CN" altLang="en-US" sz="4400" b="1" dirty="0">
+                <a:solidFill>
+                  <a:srgbClr val="FF0000"/>
+                </a:solidFill>
                 <a:latin typeface="Novecento wide Bold" panose="00000805000000000000" charset="0"/>
               </a:rPr>
-              <a:t>页左右，还在持续更新中。</a:t>
-            </a:r>
+              <a:t>页</a:t>
+            </a:r>
+            <a:r>
+              <a:rPr lang="zh-CN" altLang="en-US" sz="4400" b="1" dirty="0">
+                <a:latin typeface="Novecento wide Bold" panose="00000805000000000000" charset="0"/>
+              </a:rPr>
+              <a:t>左右，还在持续</a:t>
+            </a:r>
+            <a:r>
+              <a:rPr lang="zh-CN" altLang="en-US" sz="4400" b="1" dirty="0">
+                <a:latin typeface="Novecento wide Bold" panose="00000805000000000000" charset="0"/>
+              </a:rPr>
+              <a:t>推进中</a:t>
+            </a:r>
+            <a:r>
+              <a:rPr lang="en-US" altLang="zh-CN" sz="4400" b="1" dirty="0">
+                <a:latin typeface="Novecento wide Bold" panose="00000805000000000000" charset="0"/>
+              </a:rPr>
+              <a:t>...</a:t>
+            </a:r>
+            <a:endParaRPr lang="en-US" altLang="zh-CN" sz="4400" b="1" dirty="0">
+              <a:latin typeface="Novecento wide Bold" panose="00000805000000000000" charset="0"/>
+            </a:endParaRPr>
           </a:p>
         </p:txBody>
       </p:sp>
@@ -6905,7 +7051,7 @@
           <p:nvPr/>
         </p:nvPicPr>
         <p:blipFill>
-          <a:blip r:embed="rId4"/>
+          <a:blip r:embed="rId1"/>
           <a:stretch>
             <a:fillRect/>
           </a:stretch>
@@ -6922,7 +7068,7 @@
       </p:pic>
     </p:spTree>
     <p:custDataLst>
-      <p:tags r:id="rId1"/>
+      <p:tags r:id="rId2"/>
     </p:custDataLst>
   </p:cSld>
   <p:clrMapOvr>
@@ -6956,8 +7102,8 @@
         </p:nvSpPr>
         <p:spPr>
           <a:xfrm>
-            <a:off x="12426341" y="1309960"/>
-            <a:ext cx="8806028" cy="5016758"/>
+            <a:off x="12334901" y="594315"/>
+            <a:ext cx="8806028" cy="6247130"/>
           </a:xfrm>
           <a:prstGeom prst="rect">
             <a:avLst/>
@@ -7054,19 +7200,40 @@
               <a:rPr lang="zh-CN" altLang="en-US" sz="4000" b="1" dirty="0">
                 <a:latin typeface="Novecento wide Bold" panose="00000805000000000000" charset="0"/>
               </a:rPr>
-              <a:t>表明当前已支持</a:t>
+              <a:t>表明</a:t>
+            </a:r>
+            <a:r>
+              <a:rPr lang="zh-CN" altLang="en-US" sz="4000" b="1" dirty="0">
+                <a:solidFill>
+                  <a:srgbClr val="FF0000"/>
+                </a:solidFill>
+                <a:latin typeface="Novecento wide Bold" panose="00000805000000000000" charset="0"/>
+              </a:rPr>
+              <a:t>当前已支持</a:t>
             </a:r>
             <a:r>
               <a:rPr lang="en-US" altLang="zh-CN" sz="4000" b="1" dirty="0">
+                <a:solidFill>
+                  <a:srgbClr val="FF0000"/>
+                </a:solidFill>
                 <a:latin typeface="Novecento wide Bold" panose="00000805000000000000" charset="0"/>
               </a:rPr>
               <a:t>GPU</a:t>
             </a:r>
             <a:r>
               <a:rPr lang="zh-CN" altLang="en-US" sz="4000" b="1" dirty="0">
+                <a:solidFill>
+                  <a:srgbClr val="FF0000"/>
+                </a:solidFill>
                 <a:latin typeface="Novecento wide Bold" panose="00000805000000000000" charset="0"/>
               </a:rPr>
-              <a:t>加速计算；函数</a:t>
+              <a:t>加速计算</a:t>
+            </a:r>
+            <a:r>
+              <a:rPr lang="zh-CN" altLang="en-US" sz="4000" b="1" dirty="0">
+                <a:latin typeface="Novecento wide Bold" panose="00000805000000000000" charset="0"/>
+              </a:rPr>
+              <a:t>；函数</a:t>
             </a:r>
             <a:r>
               <a:rPr lang="en-US" altLang="zh-CN" sz="4000" b="1" dirty="0" err="1">
@@ -7096,7 +7263,22 @@
               <a:rPr lang="zh-CN" altLang="en-US" sz="4000" b="1" dirty="0">
                 <a:latin typeface="Novecento wide Bold" panose="00000805000000000000" charset="0"/>
               </a:rPr>
-              <a:t>表明已找到用于加速计算的设备（指图形处理器 </a:t>
+              <a:t>表明</a:t>
+            </a:r>
+            <a:r>
+              <a:rPr lang="zh-CN" altLang="en-US" sz="4000" b="1" dirty="0">
+                <a:solidFill>
+                  <a:srgbClr val="FF0000"/>
+                </a:solidFill>
+                <a:latin typeface="Novecento wide Bold" panose="00000805000000000000" charset="0"/>
+              </a:rPr>
+              <a:t>已找到用于加速计算的设备</a:t>
+            </a:r>
+            <a:r>
+              <a:rPr lang="zh-CN" altLang="en-US" sz="4000" b="1" dirty="0">
+                <a:latin typeface="Novecento wide Bold" panose="00000805000000000000" charset="0"/>
+              </a:rPr>
+              <a:t>（指图形处理器 </a:t>
             </a:r>
             <a:r>
               <a:rPr lang="en-US" altLang="zh-CN" sz="4000" b="1" dirty="0">
@@ -7187,25 +7369,26 @@
               </a:rPr>
               <a:t>通用并行计算架构的安装</a:t>
             </a:r>
+            <a:endParaRPr lang="zh-CN" altLang="en-US" sz="4000" b="1" dirty="0">
+              <a:solidFill>
+                <a:srgbClr val="002060"/>
+              </a:solidFill>
+              <a:latin typeface="微软雅黑" panose="020B0503020204020204" pitchFamily="34" charset="-122"/>
+              <a:ea typeface="微软雅黑" panose="020B0503020204020204" pitchFamily="34" charset="-122"/>
+            </a:endParaRPr>
           </a:p>
         </p:txBody>
       </p:sp>
       <p:pic>
         <p:nvPicPr>
-          <p:cNvPr id="9" name="图片 8">
-            <a:extLst>
-              <a:ext uri="{FF2B5EF4-FFF2-40B4-BE49-F238E27FC236}">
-                <a16:creationId xmlns:a16="http://schemas.microsoft.com/office/drawing/2014/main" id="{E5C656F1-B028-2963-7BDF-52257625E208}"/>
-              </a:ext>
-            </a:extLst>
-          </p:cNvPr>
+          <p:cNvPr id="9" name="图片 8"/>
           <p:cNvPicPr>
             <a:picLocks noChangeAspect="1"/>
           </p:cNvPicPr>
           <p:nvPr/>
         </p:nvPicPr>
         <p:blipFill>
-          <a:blip r:embed="rId4"/>
+          <a:blip r:embed="rId1"/>
           <a:stretch>
             <a:fillRect/>
           </a:stretch>
@@ -7222,20 +7405,14 @@
       </p:pic>
       <p:pic>
         <p:nvPicPr>
-          <p:cNvPr id="11" name="图片 10">
-            <a:extLst>
-              <a:ext uri="{FF2B5EF4-FFF2-40B4-BE49-F238E27FC236}">
-                <a16:creationId xmlns:a16="http://schemas.microsoft.com/office/drawing/2014/main" id="{C2210450-E555-CAD1-C32B-58B2104C94CE}"/>
-              </a:ext>
-            </a:extLst>
-          </p:cNvPr>
+          <p:cNvPr id="11" name="图片 10"/>
           <p:cNvPicPr>
             <a:picLocks noChangeAspect="1"/>
           </p:cNvPicPr>
           <p:nvPr/>
         </p:nvPicPr>
         <p:blipFill>
-          <a:blip r:embed="rId5"/>
+          <a:blip r:embed="rId2"/>
           <a:stretch>
             <a:fillRect/>
           </a:stretch>
@@ -7252,20 +7429,14 @@
       </p:pic>
       <p:pic>
         <p:nvPicPr>
-          <p:cNvPr id="17" name="图片 16">
-            <a:extLst>
-              <a:ext uri="{FF2B5EF4-FFF2-40B4-BE49-F238E27FC236}">
-                <a16:creationId xmlns:a16="http://schemas.microsoft.com/office/drawing/2014/main" id="{A2BC4869-EE05-BD09-2BF4-D69C17778AE3}"/>
-              </a:ext>
-            </a:extLst>
-          </p:cNvPr>
+          <p:cNvPr id="17" name="图片 16"/>
           <p:cNvPicPr>
             <a:picLocks noChangeAspect="1"/>
           </p:cNvPicPr>
           <p:nvPr/>
         </p:nvPicPr>
         <p:blipFill>
-          <a:blip r:embed="rId6"/>
+          <a:blip r:embed="rId3"/>
           <a:stretch>
             <a:fillRect/>
           </a:stretch>
@@ -7282,7 +7453,7 @@
       </p:pic>
     </p:spTree>
     <p:custDataLst>
-      <p:tags r:id="rId1"/>
+      <p:tags r:id="rId4"/>
     </p:custDataLst>
   </p:cSld>
   <p:clrMapOvr>
@@ -7401,8 +7572,8 @@
         </p:nvSpPr>
         <p:spPr>
           <a:xfrm>
-            <a:off x="16866795" y="5113019"/>
-            <a:ext cx="3784600" cy="2799715"/>
+            <a:off x="18187670" y="4775200"/>
+            <a:ext cx="3270885" cy="3476625"/>
           </a:xfrm>
           <a:prstGeom prst="rect">
             <a:avLst/>
@@ -7427,27 +7598,30 @@
               </a:rPr>
               <a:t>拟购买部分补充材料，具体明细及用途见表格。</a:t>
             </a:r>
+            <a:endParaRPr lang="zh-CN" altLang="en-US" sz="4400" b="1" dirty="0">
+              <a:latin typeface="Novecento wide Bold" panose="00000805000000000000" charset="0"/>
+            </a:endParaRPr>
           </a:p>
         </p:txBody>
       </p:sp>
       <p:pic>
         <p:nvPicPr>
-          <p:cNvPr id="3" name="图片 2"/>
+          <p:cNvPr id="2" name="图片 1"/>
           <p:cNvPicPr>
             <a:picLocks noChangeAspect="1"/>
           </p:cNvPicPr>
           <p:nvPr/>
         </p:nvPicPr>
         <p:blipFill>
-          <a:blip r:embed="rId4"/>
+          <a:blip r:embed="rId1"/>
           <a:stretch>
             <a:fillRect/>
           </a:stretch>
         </p:blipFill>
         <p:spPr>
           <a:xfrm>
-            <a:off x="779145" y="1221105"/>
-            <a:ext cx="14930120" cy="10583545"/>
+            <a:off x="373380" y="1310640"/>
+            <a:ext cx="17492345" cy="10405110"/>
           </a:xfrm>
           <a:prstGeom prst="rect">
             <a:avLst/>
@@ -7456,7 +7630,7 @@
       </p:pic>
     </p:spTree>
     <p:custDataLst>
-      <p:tags r:id="rId1"/>
+      <p:tags r:id="rId2"/>
     </p:custDataLst>
   </p:cSld>
   <p:clrMapOvr>
@@ -7553,6 +7727,13 @@
               </a:rPr>
               <a:t>学习数字图像处理的相关知识</a:t>
             </a:r>
+            <a:endParaRPr lang="zh-CN" altLang="en-US" sz="4000" b="1" dirty="0">
+              <a:solidFill>
+                <a:srgbClr val="002060"/>
+              </a:solidFill>
+              <a:latin typeface="微软雅黑" panose="020B0503020204020204" pitchFamily="34" charset="-122"/>
+              <a:ea typeface="微软雅黑" panose="020B0503020204020204" pitchFamily="34" charset="-122"/>
+            </a:endParaRPr>
           </a:p>
         </p:txBody>
       </p:sp>
@@ -7590,6 +7771,9 @@
               </a:rPr>
               <a:t>学习了数字图像处理的相关理论知识。为后期科研工作打下基础。</a:t>
             </a:r>
+            <a:endParaRPr lang="zh-CN" altLang="en-US" sz="4400" b="1" dirty="0">
+              <a:latin typeface="Novecento wide Bold" panose="00000805000000000000" charset="0"/>
+            </a:endParaRPr>
           </a:p>
         </p:txBody>
       </p:sp>
@@ -7616,7 +7800,7 @@
             <p:nvPr/>
           </p:nvPicPr>
           <p:blipFill>
-            <a:blip r:embed="rId4"/>
+            <a:blip r:embed="rId1"/>
             <a:stretch>
               <a:fillRect/>
             </a:stretch>
@@ -7640,7 +7824,7 @@
             <p:nvPr/>
           </p:nvPicPr>
           <p:blipFill>
-            <a:blip r:embed="rId5"/>
+            <a:blip r:embed="rId2"/>
             <a:stretch>
               <a:fillRect/>
             </a:stretch>
@@ -7664,7 +7848,7 @@
             <p:nvPr/>
           </p:nvPicPr>
           <p:blipFill>
-            <a:blip r:embed="rId6"/>
+            <a:blip r:embed="rId3"/>
             <a:stretch>
               <a:fillRect/>
             </a:stretch>
@@ -7688,7 +7872,7 @@
             <p:nvPr/>
           </p:nvPicPr>
           <p:blipFill>
-            <a:blip r:embed="rId7"/>
+            <a:blip r:embed="rId4"/>
             <a:stretch>
               <a:fillRect/>
             </a:stretch>
@@ -7706,7 +7890,7 @@
       </p:grpSp>
     </p:spTree>
     <p:custDataLst>
-      <p:tags r:id="rId1"/>
+      <p:tags r:id="rId5"/>
     </p:custDataLst>
   </p:cSld>
   <p:clrMapOvr>
@@ -7716,7 +7900,7 @@
 </file>
 
 <file path=ppt/tags/tag1.xml><?xml version="1.0" encoding="utf-8"?>
-<p:tagLst xmlns:a="http://schemas.openxmlformats.org/drawingml/2006/main" xmlns:r="http://schemas.openxmlformats.org/officeDocument/2006/relationships" xmlns:p="http://schemas.openxmlformats.org/presentationml/2006/main">
+<p:tagLst xmlns:p="http://schemas.openxmlformats.org/presentationml/2006/main">
   <p:tag name="KSO_WM_TEMPLATE_CATEGORY" val="preset"/>
   <p:tag name="KSO_WM_TEMPLATE_INDEX" val="11"/>
   <p:tag name="KSO_WM_TAG_VERSION" val="1.0"/>
@@ -7731,7 +7915,7 @@
 </file>
 
 <file path=ppt/tags/tag2.xml><?xml version="1.0" encoding="utf-8"?>
-<p:tagLst xmlns:a="http://schemas.openxmlformats.org/drawingml/2006/main" xmlns:r="http://schemas.openxmlformats.org/officeDocument/2006/relationships" xmlns:p="http://schemas.openxmlformats.org/presentationml/2006/main">
+<p:tagLst xmlns:p="http://schemas.openxmlformats.org/presentationml/2006/main">
   <p:tag name="KSO_WM_TEMPLATE_CATEGORY" val="preset"/>
   <p:tag name="KSO_WM_TEMPLATE_INDEX" val="11"/>
   <p:tag name="KSO_WM_TAG_VERSION" val="1.0"/>
@@ -7746,7 +7930,7 @@
 </file>
 
 <file path=ppt/tags/tag3.xml><?xml version="1.0" encoding="utf-8"?>
-<p:tagLst xmlns:a="http://schemas.openxmlformats.org/drawingml/2006/main" xmlns:r="http://schemas.openxmlformats.org/officeDocument/2006/relationships" xmlns:p="http://schemas.openxmlformats.org/presentationml/2006/main">
+<p:tagLst xmlns:p="http://schemas.openxmlformats.org/presentationml/2006/main">
   <p:tag name="KSO_WM_TEMPLATE_CATEGORY" val="preset"/>
   <p:tag name="KSO_WM_TEMPLATE_INDEX" val="11"/>
   <p:tag name="KSO_WM_TAG_VERSION" val="1.0"/>
@@ -7761,7 +7945,7 @@
 </file>
 
 <file path=ppt/tags/tag4.xml><?xml version="1.0" encoding="utf-8"?>
-<p:tagLst xmlns:a="http://schemas.openxmlformats.org/drawingml/2006/main" xmlns:r="http://schemas.openxmlformats.org/officeDocument/2006/relationships" xmlns:p="http://schemas.openxmlformats.org/presentationml/2006/main">
+<p:tagLst xmlns:p="http://schemas.openxmlformats.org/presentationml/2006/main">
   <p:tag name="KSO_WM_TEMPLATE_CATEGORY" val="preset"/>
   <p:tag name="KSO_WM_TEMPLATE_INDEX" val="11"/>
   <p:tag name="KSO_WM_TAG_VERSION" val="1.0"/>
@@ -7776,7 +7960,7 @@
 </file>
 
 <file path=ppt/tags/tag5.xml><?xml version="1.0" encoding="utf-8"?>
-<p:tagLst xmlns:a="http://schemas.openxmlformats.org/drawingml/2006/main" xmlns:r="http://schemas.openxmlformats.org/officeDocument/2006/relationships" xmlns:p="http://schemas.openxmlformats.org/presentationml/2006/main">
+<p:tagLst xmlns:p="http://schemas.openxmlformats.org/presentationml/2006/main">
   <p:tag name="KSO_WM_TEMPLATE_CATEGORY" val="preset"/>
   <p:tag name="KSO_WM_TEMPLATE_INDEX" val="11"/>
   <p:tag name="KSO_WM_TAG_VERSION" val="1.0"/>
@@ -8041,8 +8225,6 @@
       </a:bgFillStyleLst>
     </a:fmtScheme>
   </a:themeElements>
-  <a:objectDefaults/>
-  <a:extraClrSchemeLst/>
   <a:extLst>
     <a:ext uri="{05A4C25C-085E-4340-85A3-A5531E510DB2}">
       <thm15:themeFamily xmlns:thm15="http://schemas.microsoft.com/office/thememl/2012/main" name="Office Theme" id="{62F939B6-93AF-4DB8-9C6B-D6C7DFDC589F}" vid="{4A3C46E8-61CC-4603-A589-7422A47A8E4A}"/>
@@ -8302,8 +8484,6 @@
       </a:bgFillStyleLst>
     </a:fmtScheme>
   </a:themeElements>
-  <a:objectDefaults/>
-  <a:extraClrSchemeLst/>
   <a:extLst>
     <a:ext uri="{05A4C25C-085E-4340-85A3-A5531E510DB2}">
       <thm15:themeFamily xmlns:thm15="http://schemas.microsoft.com/office/thememl/2012/main" name="Office Theme" id="{62F939B6-93AF-4DB8-9C6B-D6C7DFDC589F}" vid="{4A3C46E8-61CC-4603-A589-7422A47A8E4A}"/>
@@ -8563,8 +8743,6 @@
       </a:bgFillStyleLst>
     </a:fmtScheme>
   </a:themeElements>
-  <a:objectDefaults/>
-  <a:extraClrSchemeLst/>
   <a:extLst>
     <a:ext uri="{05A4C25C-085E-4340-85A3-A5531E510DB2}">
       <thm15:themeFamily xmlns:thm15="http://schemas.microsoft.com/office/thememl/2012/main" name="Office Theme" id="{62F939B6-93AF-4DB8-9C6B-D6C7DFDC589F}" vid="{4A3C46E8-61CC-4603-A589-7422A47A8E4A}"/>

--- a/2024年/周报20240329.pptx
+++ b/2024年/周报20240329.pptx
@@ -6963,7 +6963,7 @@
         <p:spPr>
           <a:xfrm>
             <a:off x="17313910" y="3680460"/>
-            <a:ext cx="3761105" cy="4831080"/>
+            <a:ext cx="3761105" cy="5507990"/>
           </a:xfrm>
           <a:prstGeom prst="rect">
             <a:avLst/>
@@ -6984,28 +6984,44 @@
             </a:r>
             <a:r>
               <a:rPr lang="zh-CN" altLang="en-US" sz="4400" b="1" dirty="0">
-                <a:latin typeface="Novecento wide Bold" panose="00000805000000000000" charset="0"/>
+                <a:latin typeface="仿宋" panose="02010609060101010101" charset="-122"/>
+                <a:ea typeface="仿宋" panose="02010609060101010101" charset="-122"/>
+                <a:cs typeface="仿宋" panose="02010609060101010101" charset="-122"/>
               </a:rPr>
               <a:t>撰写软件著作发表所需的用户手册，目前完成</a:t>
             </a:r>
             <a:r>
               <a:rPr lang="en-US" altLang="zh-CN" sz="4400" b="1" dirty="0">
-                <a:latin typeface="Novecento wide Bold" panose="00000805000000000000" charset="0"/>
+                <a:latin typeface="仿宋" panose="02010609060101010101" charset="-122"/>
+                <a:ea typeface="仿宋" panose="02010609060101010101" charset="-122"/>
+                <a:cs typeface="仿宋" panose="02010609060101010101" charset="-122"/>
               </a:rPr>
               <a:t>7</a:t>
             </a:r>
             <a:r>
               <a:rPr lang="zh-CN" altLang="en-US" sz="4400" b="1" dirty="0">
-                <a:latin typeface="Novecento wide Bold" panose="00000805000000000000" charset="0"/>
+                <a:latin typeface="仿宋" panose="02010609060101010101" charset="-122"/>
+                <a:ea typeface="仿宋" panose="02010609060101010101" charset="-122"/>
+                <a:cs typeface="仿宋" panose="02010609060101010101" charset="-122"/>
               </a:rPr>
-              <a:t>页，一般需要</a:t>
+              <a:t>页</a:t>
+            </a:r>
+            <a:r>
+              <a:rPr lang="zh-CN" altLang="en-US" sz="4400" b="1" dirty="0">
+                <a:latin typeface="仿宋" panose="02010609060101010101" charset="-122"/>
+                <a:ea typeface="仿宋" panose="02010609060101010101" charset="-122"/>
+                <a:cs typeface="仿宋" panose="02010609060101010101" charset="-122"/>
+              </a:rPr>
+              <a:t>左右，一般需要</a:t>
             </a:r>
             <a:r>
               <a:rPr lang="en-US" altLang="zh-CN" sz="4400" b="1" dirty="0">
                 <a:solidFill>
                   <a:srgbClr val="FF0000"/>
                 </a:solidFill>
-                <a:latin typeface="Novecento wide Bold" panose="00000805000000000000" charset="0"/>
+                <a:latin typeface="仿宋" panose="02010609060101010101" charset="-122"/>
+                <a:ea typeface="仿宋" panose="02010609060101010101" charset="-122"/>
+                <a:cs typeface="仿宋" panose="02010609060101010101" charset="-122"/>
               </a:rPr>
               <a:t>15</a:t>
             </a:r>
@@ -7014,30 +7030,32 @@
                 <a:solidFill>
                   <a:srgbClr val="FF0000"/>
                 </a:solidFill>
-                <a:latin typeface="Novecento wide Bold" panose="00000805000000000000" charset="0"/>
+                <a:latin typeface="仿宋" panose="02010609060101010101" charset="-122"/>
+                <a:ea typeface="仿宋" panose="02010609060101010101" charset="-122"/>
+                <a:cs typeface="仿宋" panose="02010609060101010101" charset="-122"/>
               </a:rPr>
               <a:t>页</a:t>
             </a:r>
             <a:r>
               <a:rPr lang="zh-CN" altLang="en-US" sz="4400" b="1" dirty="0">
-                <a:latin typeface="Novecento wide Bold" panose="00000805000000000000" charset="0"/>
+                <a:latin typeface="仿宋" panose="02010609060101010101" charset="-122"/>
+                <a:ea typeface="仿宋" panose="02010609060101010101" charset="-122"/>
+                <a:cs typeface="仿宋" panose="02010609060101010101" charset="-122"/>
               </a:rPr>
-              <a:t>左右，还在持续</a:t>
-            </a:r>
-            <a:r>
-              <a:rPr lang="zh-CN" altLang="en-US" sz="4400" b="1" dirty="0">
-                <a:latin typeface="Novecento wide Bold" panose="00000805000000000000" charset="0"/>
-              </a:rPr>
-              <a:t>推进中</a:t>
+              <a:t>左右，还在持续推进中</a:t>
             </a:r>
             <a:r>
               <a:rPr lang="en-US" altLang="zh-CN" sz="4400" b="1" dirty="0">
-                <a:latin typeface="Novecento wide Bold" panose="00000805000000000000" charset="0"/>
+                <a:latin typeface="仿宋" panose="02010609060101010101" charset="-122"/>
+                <a:ea typeface="仿宋" panose="02010609060101010101" charset="-122"/>
+                <a:cs typeface="仿宋" panose="02010609060101010101" charset="-122"/>
               </a:rPr>
               <a:t>...</a:t>
             </a:r>
             <a:endParaRPr lang="en-US" altLang="zh-CN" sz="4400" b="1" dirty="0">
-              <a:latin typeface="Novecento wide Bold" panose="00000805000000000000" charset="0"/>
+              <a:latin typeface="仿宋" panose="02010609060101010101" charset="-122"/>
+              <a:ea typeface="仿宋" panose="02010609060101010101" charset="-122"/>
+              <a:cs typeface="仿宋" panose="02010609060101010101" charset="-122"/>
             </a:endParaRPr>
           </a:p>
         </p:txBody>
@@ -7102,8 +7120,8 @@
         </p:nvSpPr>
         <p:spPr>
           <a:xfrm>
-            <a:off x="12334901" y="594315"/>
-            <a:ext cx="8806028" cy="6247130"/>
+            <a:off x="12334901" y="1290275"/>
+            <a:ext cx="8806028" cy="5631180"/>
           </a:xfrm>
           <a:prstGeom prst="rect">
             <a:avLst/>
@@ -7126,13 +7144,16 @@
                 <a:solidFill>
                   <a:srgbClr val="FF0000"/>
                 </a:solidFill>
-                <a:latin typeface="Novecento wide Bold" panose="00000805000000000000" charset="0"/>
+                <a:ea typeface="+mn-lt"/>
+                <a:cs typeface="+mn-lt"/>
               </a:rPr>
               <a:t>		</a:t>
             </a:r>
             <a:r>
               <a:rPr lang="zh-CN" altLang="en-US" sz="4000" b="1" dirty="0">
-                <a:latin typeface="Novecento wide Bold" panose="00000805000000000000" charset="0"/>
+                <a:latin typeface="仿宋" panose="02010609060101010101" charset="-122"/>
+                <a:ea typeface="仿宋" panose="02010609060101010101" charset="-122"/>
+                <a:cs typeface="仿宋" panose="02010609060101010101" charset="-122"/>
               </a:rPr>
               <a:t>完成通用并行计算架构（</a:t>
             </a:r>
@@ -7142,7 +7163,9 @@
                   <a:srgbClr val="111111"/>
                 </a:solidFill>
                 <a:effectLst/>
-                <a:latin typeface="-apple-system"/>
+                <a:latin typeface="仿宋" panose="02010609060101010101" charset="-122"/>
+                <a:ea typeface="仿宋" panose="02010609060101010101" charset="-122"/>
+                <a:cs typeface="仿宋" panose="02010609060101010101" charset="-122"/>
               </a:rPr>
               <a:t>Compute Unified Device Architecture</a:t>
             </a:r>
@@ -7152,7 +7175,9 @@
                   <a:srgbClr val="111111"/>
                 </a:solidFill>
                 <a:effectLst/>
-                <a:latin typeface="-apple-system"/>
+                <a:latin typeface="仿宋" panose="02010609060101010101" charset="-122"/>
+                <a:ea typeface="仿宋" panose="02010609060101010101" charset="-122"/>
+                <a:cs typeface="仿宋" panose="02010609060101010101" charset="-122"/>
               </a:rPr>
               <a:t>，</a:t>
             </a:r>
@@ -7162,43 +7187,57 @@
                   <a:srgbClr val="111111"/>
                 </a:solidFill>
                 <a:effectLst/>
-                <a:latin typeface="-apple-system"/>
+                <a:latin typeface="仿宋" panose="02010609060101010101" charset="-122"/>
+                <a:ea typeface="仿宋" panose="02010609060101010101" charset="-122"/>
+                <a:cs typeface="仿宋" panose="02010609060101010101" charset="-122"/>
               </a:rPr>
               <a:t>CUDA</a:t>
             </a:r>
             <a:r>
               <a:rPr lang="zh-CN" altLang="en-US" sz="4000" b="1" dirty="0">
-                <a:latin typeface="Novecento wide Bold" panose="00000805000000000000" charset="0"/>
+                <a:latin typeface="仿宋" panose="02010609060101010101" charset="-122"/>
+                <a:ea typeface="仿宋" panose="02010609060101010101" charset="-122"/>
+                <a:cs typeface="仿宋" panose="02010609060101010101" charset="-122"/>
               </a:rPr>
               <a:t>）的安装，并进入深度学习开发环境进行验证。函数</a:t>
             </a:r>
             <a:r>
               <a:rPr lang="en-US" altLang="zh-CN" sz="4000" b="1" dirty="0" err="1">
-                <a:latin typeface="Novecento wide Bold" panose="00000805000000000000" charset="0"/>
+                <a:latin typeface="仿宋" panose="02010609060101010101" charset="-122"/>
+                <a:ea typeface="仿宋" panose="02010609060101010101" charset="-122"/>
+                <a:cs typeface="仿宋" panose="02010609060101010101" charset="-122"/>
               </a:rPr>
               <a:t>torch.cuda.is_available</a:t>
             </a:r>
             <a:r>
               <a:rPr lang="en-US" altLang="zh-CN" sz="4000" b="1" dirty="0">
-                <a:latin typeface="Novecento wide Bold" panose="00000805000000000000" charset="0"/>
+                <a:latin typeface="仿宋" panose="02010609060101010101" charset="-122"/>
+                <a:ea typeface="仿宋" panose="02010609060101010101" charset="-122"/>
+                <a:cs typeface="仿宋" panose="02010609060101010101" charset="-122"/>
               </a:rPr>
               <a:t>()</a:t>
             </a:r>
             <a:r>
               <a:rPr lang="zh-CN" altLang="en-US" sz="4000" b="1" dirty="0">
-                <a:latin typeface="Novecento wide Bold" panose="00000805000000000000" charset="0"/>
+                <a:latin typeface="仿宋" panose="02010609060101010101" charset="-122"/>
+                <a:ea typeface="仿宋" panose="02010609060101010101" charset="-122"/>
+                <a:cs typeface="仿宋" panose="02010609060101010101" charset="-122"/>
               </a:rPr>
               <a:t>返回值</a:t>
             </a:r>
             <a:r>
               <a:rPr lang="en-US" altLang="zh-CN" sz="4000" b="1" dirty="0">
-                <a:latin typeface="Novecento wide Bold" panose="00000805000000000000" charset="0"/>
+                <a:latin typeface="仿宋" panose="02010609060101010101" charset="-122"/>
+                <a:ea typeface="仿宋" panose="02010609060101010101" charset="-122"/>
+                <a:cs typeface="仿宋" panose="02010609060101010101" charset="-122"/>
               </a:rPr>
               <a:t>True</a:t>
             </a:r>
             <a:r>
               <a:rPr lang="zh-CN" altLang="en-US" sz="4000" b="1" dirty="0">
-                <a:latin typeface="Novecento wide Bold" panose="00000805000000000000" charset="0"/>
+                <a:latin typeface="仿宋" panose="02010609060101010101" charset="-122"/>
+                <a:ea typeface="仿宋" panose="02010609060101010101" charset="-122"/>
+                <a:cs typeface="仿宋" panose="02010609060101010101" charset="-122"/>
               </a:rPr>
               <a:t>表明</a:t>
             </a:r>
@@ -7207,7 +7246,9 @@
                 <a:solidFill>
                   <a:srgbClr val="FF0000"/>
                 </a:solidFill>
-                <a:latin typeface="Novecento wide Bold" panose="00000805000000000000" charset="0"/>
+                <a:latin typeface="仿宋" panose="02010609060101010101" charset="-122"/>
+                <a:ea typeface="仿宋" panose="02010609060101010101" charset="-122"/>
+                <a:cs typeface="仿宋" panose="02010609060101010101" charset="-122"/>
               </a:rPr>
               <a:t>当前已支持</a:t>
             </a:r>
@@ -7216,7 +7257,9 @@
                 <a:solidFill>
                   <a:srgbClr val="FF0000"/>
                 </a:solidFill>
-                <a:latin typeface="Novecento wide Bold" panose="00000805000000000000" charset="0"/>
+                <a:latin typeface="仿宋" panose="02010609060101010101" charset="-122"/>
+                <a:ea typeface="仿宋" panose="02010609060101010101" charset="-122"/>
+                <a:cs typeface="仿宋" panose="02010609060101010101" charset="-122"/>
               </a:rPr>
               <a:t>GPU</a:t>
             </a:r>
@@ -7225,43 +7268,57 @@
                 <a:solidFill>
                   <a:srgbClr val="FF0000"/>
                 </a:solidFill>
-                <a:latin typeface="Novecento wide Bold" panose="00000805000000000000" charset="0"/>
+                <a:latin typeface="仿宋" panose="02010609060101010101" charset="-122"/>
+                <a:ea typeface="仿宋" panose="02010609060101010101" charset="-122"/>
+                <a:cs typeface="仿宋" panose="02010609060101010101" charset="-122"/>
               </a:rPr>
               <a:t>加速计算</a:t>
             </a:r>
             <a:r>
               <a:rPr lang="zh-CN" altLang="en-US" sz="4000" b="1" dirty="0">
-                <a:latin typeface="Novecento wide Bold" panose="00000805000000000000" charset="0"/>
+                <a:latin typeface="仿宋" panose="02010609060101010101" charset="-122"/>
+                <a:ea typeface="仿宋" panose="02010609060101010101" charset="-122"/>
+                <a:cs typeface="仿宋" panose="02010609060101010101" charset="-122"/>
               </a:rPr>
               <a:t>；函数</a:t>
             </a:r>
             <a:r>
               <a:rPr lang="en-US" altLang="zh-CN" sz="4000" b="1" dirty="0" err="1">
-                <a:latin typeface="Novecento wide Bold" panose="00000805000000000000" charset="0"/>
+                <a:latin typeface="仿宋" panose="02010609060101010101" charset="-122"/>
+                <a:ea typeface="仿宋" panose="02010609060101010101" charset="-122"/>
+                <a:cs typeface="仿宋" panose="02010609060101010101" charset="-122"/>
               </a:rPr>
               <a:t>torch.cuda.device_count</a:t>
             </a:r>
             <a:r>
               <a:rPr lang="en-US" altLang="zh-CN" sz="4000" b="1" dirty="0">
-                <a:latin typeface="Novecento wide Bold" panose="00000805000000000000" charset="0"/>
+                <a:latin typeface="仿宋" panose="02010609060101010101" charset="-122"/>
+                <a:ea typeface="仿宋" panose="02010609060101010101" charset="-122"/>
+                <a:cs typeface="仿宋" panose="02010609060101010101" charset="-122"/>
               </a:rPr>
               <a:t>()</a:t>
             </a:r>
             <a:r>
               <a:rPr lang="zh-CN" altLang="en-US" sz="4000" b="1" dirty="0">
-                <a:latin typeface="Novecento wide Bold" panose="00000805000000000000" charset="0"/>
+                <a:latin typeface="仿宋" panose="02010609060101010101" charset="-122"/>
+                <a:ea typeface="仿宋" panose="02010609060101010101" charset="-122"/>
+                <a:cs typeface="仿宋" panose="02010609060101010101" charset="-122"/>
               </a:rPr>
               <a:t>返回值</a:t>
             </a:r>
             <a:r>
               <a:rPr lang="en-US" altLang="zh-CN" sz="4000" b="1" dirty="0">
-                <a:latin typeface="Novecento wide Bold" panose="00000805000000000000" charset="0"/>
+                <a:latin typeface="仿宋" panose="02010609060101010101" charset="-122"/>
+                <a:ea typeface="仿宋" panose="02010609060101010101" charset="-122"/>
+                <a:cs typeface="仿宋" panose="02010609060101010101" charset="-122"/>
               </a:rPr>
               <a:t>1</a:t>
             </a:r>
             <a:r>
               <a:rPr lang="zh-CN" altLang="en-US" sz="4000" b="1" dirty="0">
-                <a:latin typeface="Novecento wide Bold" panose="00000805000000000000" charset="0"/>
+                <a:latin typeface="仿宋" panose="02010609060101010101" charset="-122"/>
+                <a:ea typeface="仿宋" panose="02010609060101010101" charset="-122"/>
+                <a:cs typeface="仿宋" panose="02010609060101010101" charset="-122"/>
               </a:rPr>
               <a:t>表明</a:t>
             </a:r>
@@ -7270,30 +7327,40 @@
                 <a:solidFill>
                   <a:srgbClr val="FF0000"/>
                 </a:solidFill>
-                <a:latin typeface="Novecento wide Bold" panose="00000805000000000000" charset="0"/>
+                <a:latin typeface="仿宋" panose="02010609060101010101" charset="-122"/>
+                <a:ea typeface="仿宋" panose="02010609060101010101" charset="-122"/>
+                <a:cs typeface="仿宋" panose="02010609060101010101" charset="-122"/>
               </a:rPr>
               <a:t>已找到用于加速计算的设备</a:t>
             </a:r>
             <a:r>
               <a:rPr lang="zh-CN" altLang="en-US" sz="4000" b="1" dirty="0">
-                <a:latin typeface="Novecento wide Bold" panose="00000805000000000000" charset="0"/>
+                <a:latin typeface="仿宋" panose="02010609060101010101" charset="-122"/>
+                <a:ea typeface="仿宋" panose="02010609060101010101" charset="-122"/>
+                <a:cs typeface="仿宋" panose="02010609060101010101" charset="-122"/>
               </a:rPr>
               <a:t>（指图形处理器 </a:t>
             </a:r>
             <a:r>
               <a:rPr lang="en-US" altLang="zh-CN" sz="4000" b="1" dirty="0">
-                <a:latin typeface="Novecento wide Bold" panose="00000805000000000000" charset="0"/>
+                <a:latin typeface="仿宋" panose="02010609060101010101" charset="-122"/>
+                <a:ea typeface="仿宋" panose="02010609060101010101" charset="-122"/>
+                <a:cs typeface="仿宋" panose="02010609060101010101" charset="-122"/>
               </a:rPr>
               <a:t>GeForce RTX 4090</a:t>
             </a:r>
             <a:r>
               <a:rPr lang="zh-CN" altLang="en-US" sz="4000" b="1" dirty="0">
-                <a:latin typeface="Novecento wide Bold" panose="00000805000000000000" charset="0"/>
+                <a:latin typeface="仿宋" panose="02010609060101010101" charset="-122"/>
+                <a:ea typeface="仿宋" panose="02010609060101010101" charset="-122"/>
+                <a:cs typeface="仿宋" panose="02010609060101010101" charset="-122"/>
               </a:rPr>
               <a:t>）</a:t>
             </a:r>
             <a:endParaRPr lang="zh-CN" altLang="en-US" sz="4400" b="1" dirty="0">
-              <a:latin typeface="Novecento wide Bold" panose="00000805000000000000" charset="0"/>
+              <a:latin typeface="仿宋" panose="02010609060101010101" charset="-122"/>
+              <a:ea typeface="仿宋" panose="02010609060101010101" charset="-122"/>
+              <a:cs typeface="仿宋" panose="02010609060101010101" charset="-122"/>
             </a:endParaRPr>
           </a:p>
         </p:txBody>
@@ -7594,12 +7661,14 @@
             </a:r>
             <a:r>
               <a:rPr lang="zh-CN" altLang="en-US" sz="4400" b="1" dirty="0">
-                <a:latin typeface="Novecento wide Bold" panose="00000805000000000000" charset="0"/>
+                <a:latin typeface="仿宋" panose="02010609060101010101" charset="-122"/>
+                <a:ea typeface="仿宋" panose="02010609060101010101" charset="-122"/>
               </a:rPr>
               <a:t>拟购买部分补充材料，具体明细及用途见表格。</a:t>
             </a:r>
             <a:endParaRPr lang="zh-CN" altLang="en-US" sz="4400" b="1" dirty="0">
-              <a:latin typeface="Novecento wide Bold" panose="00000805000000000000" charset="0"/>
+              <a:latin typeface="仿宋" panose="02010609060101010101" charset="-122"/>
+              <a:ea typeface="仿宋" panose="02010609060101010101" charset="-122"/>
             </a:endParaRPr>
           </a:p>
         </p:txBody>
@@ -7767,12 +7836,14 @@
             </a:r>
             <a:r>
               <a:rPr lang="zh-CN" altLang="en-US" sz="4400" b="1" dirty="0">
-                <a:latin typeface="Novecento wide Bold" panose="00000805000000000000" charset="0"/>
+                <a:latin typeface="仿宋" panose="02010609060101010101" charset="-122"/>
+                <a:ea typeface="仿宋" panose="02010609060101010101" charset="-122"/>
               </a:rPr>
               <a:t>学习了数字图像处理的相关理论知识。为后期科研工作打下基础。</a:t>
             </a:r>
             <a:endParaRPr lang="zh-CN" altLang="en-US" sz="4400" b="1" dirty="0">
-              <a:latin typeface="Novecento wide Bold" panose="00000805000000000000" charset="0"/>
+              <a:latin typeface="仿宋" panose="02010609060101010101" charset="-122"/>
+              <a:ea typeface="仿宋" panose="02010609060101010101" charset="-122"/>
             </a:endParaRPr>
           </a:p>
         </p:txBody>
